--- a/1.대내외활동/봉사동아리/영상/IoT/IoT강의용.pptx
+++ b/1.대내외활동/봉사동아리/영상/IoT/IoT강의용.pptx
@@ -8,7 +8,7 @@
     <p:notesMasterId r:id="rId10"/>
   </p:notesMasterIdLst>
   <p:sldIdLst>
-    <p:sldId id="256" r:id="rId2"/>
+    <p:sldId id="264" r:id="rId2"/>
     <p:sldId id="257" r:id="rId3"/>
     <p:sldId id="258" r:id="rId4"/>
     <p:sldId id="259" r:id="rId5"/>
@@ -215,7 +215,7 @@
           <a:p>
             <a:fld id="{92A2F7AC-EA17-4804-B21C-5141AA0718F3}" type="datetimeFigureOut">
               <a:rPr lang="ko-KR" altLang="en-US" smtClean="0"/>
-              <a:t>2021-08-14</a:t>
+              <a:t>2021-08-15</a:t>
             </a:fld>
             <a:endParaRPr lang="ko-KR" altLang="en-US"/>
           </a:p>
@@ -745,7 +745,7 @@
           <a:p>
             <a:fld id="{F8166F1F-CE9B-4651-A6AA-CD717754106B}" type="datetimeFigureOut">
               <a:rPr lang="en-US" smtClean="0"/>
-              <a:t>8/14/2021</a:t>
+              <a:t>8/15/2021</a:t>
             </a:fld>
             <a:endParaRPr lang="en-US"/>
           </a:p>
@@ -908,7 +908,7 @@
           <a:p>
             <a:fld id="{A76116CE-C4A3-4A05-B2D7-7C2E9A889C0F}" type="datetimeFigureOut">
               <a:rPr lang="en-US" smtClean="0"/>
-              <a:t>8/14/2021</a:t>
+              <a:t>8/15/2021</a:t>
             </a:fld>
             <a:endParaRPr lang="en-US"/>
           </a:p>
@@ -1081,7 +1081,7 @@
           <a:p>
             <a:fld id="{A76116CE-C4A3-4A05-B2D7-7C2E9A889C0F}" type="datetimeFigureOut">
               <a:rPr lang="en-US" smtClean="0"/>
-              <a:t>8/14/2021</a:t>
+              <a:t>8/15/2021</a:t>
             </a:fld>
             <a:endParaRPr lang="en-US"/>
           </a:p>
@@ -1246,7 +1246,7 @@
           <a:p>
             <a:fld id="{A76116CE-C4A3-4A05-B2D7-7C2E9A889C0F}" type="datetimeFigureOut">
               <a:rPr lang="en-US" smtClean="0"/>
-              <a:t>8/14/2021</a:t>
+              <a:t>8/15/2021</a:t>
             </a:fld>
             <a:endParaRPr lang="en-US"/>
           </a:p>
@@ -1486,7 +1486,7 @@
           <a:p>
             <a:fld id="{A76116CE-C4A3-4A05-B2D7-7C2E9A889C0F}" type="datetimeFigureOut">
               <a:rPr lang="en-US" smtClean="0"/>
-              <a:t>8/14/2021</a:t>
+              <a:t>8/15/2021</a:t>
             </a:fld>
             <a:endParaRPr lang="en-US"/>
           </a:p>
@@ -1766,7 +1766,7 @@
           <a:p>
             <a:fld id="{A76116CE-C4A3-4A05-B2D7-7C2E9A889C0F}" type="datetimeFigureOut">
               <a:rPr lang="en-US" smtClean="0"/>
-              <a:t>8/14/2021</a:t>
+              <a:t>8/15/2021</a:t>
             </a:fld>
             <a:endParaRPr lang="en-US"/>
           </a:p>
@@ -2180,7 +2180,7 @@
           <a:p>
             <a:fld id="{A76116CE-C4A3-4A05-B2D7-7C2E9A889C0F}" type="datetimeFigureOut">
               <a:rPr lang="en-US" smtClean="0"/>
-              <a:t>8/14/2021</a:t>
+              <a:t>8/15/2021</a:t>
             </a:fld>
             <a:endParaRPr lang="en-US"/>
           </a:p>
@@ -2292,7 +2292,7 @@
           <a:p>
             <a:fld id="{A76116CE-C4A3-4A05-B2D7-7C2E9A889C0F}" type="datetimeFigureOut">
               <a:rPr lang="en-US" smtClean="0"/>
-              <a:t>8/14/2021</a:t>
+              <a:t>8/15/2021</a:t>
             </a:fld>
             <a:endParaRPr lang="en-US"/>
           </a:p>
@@ -2382,7 +2382,7 @@
           <a:p>
             <a:fld id="{A76116CE-C4A3-4A05-B2D7-7C2E9A889C0F}" type="datetimeFigureOut">
               <a:rPr lang="en-US" smtClean="0"/>
-              <a:t>8/14/2021</a:t>
+              <a:t>8/15/2021</a:t>
             </a:fld>
             <a:endParaRPr lang="en-US"/>
           </a:p>
@@ -2652,7 +2652,7 @@
           <a:p>
             <a:fld id="{A76116CE-C4A3-4A05-B2D7-7C2E9A889C0F}" type="datetimeFigureOut">
               <a:rPr lang="en-US" smtClean="0"/>
-              <a:t>8/14/2021</a:t>
+              <a:t>8/15/2021</a:t>
             </a:fld>
             <a:endParaRPr lang="en-US"/>
           </a:p>
@@ -2899,7 +2899,7 @@
           <a:p>
             <a:fld id="{A76116CE-C4A3-4A05-B2D7-7C2E9A889C0F}" type="datetimeFigureOut">
               <a:rPr lang="en-US" smtClean="0"/>
-              <a:t>8/14/2021</a:t>
+              <a:t>8/15/2021</a:t>
             </a:fld>
             <a:endParaRPr lang="en-US"/>
           </a:p>
@@ -3105,7 +3105,7 @@
           <a:p>
             <a:fld id="{F8166F1F-CE9B-4651-A6AA-CD717754106B}" type="datetimeFigureOut">
               <a:rPr lang="en-US" smtClean="0"/>
-              <a:t>8/14/2021</a:t>
+              <a:t>8/15/2021</a:t>
             </a:fld>
             <a:endParaRPr lang="en-US"/>
           </a:p>
@@ -3460,15 +3460,7 @@
 
 <file path=ppt/slides/slide1.xml><?xml version="1.0" encoding="utf-8"?>
 <p:sld xmlns:a="http://schemas.openxmlformats.org/drawingml/2006/main" xmlns:r="http://schemas.openxmlformats.org/officeDocument/2006/relationships" xmlns:p="http://schemas.openxmlformats.org/presentationml/2006/main">
-  <p:cSld name="Slide 1">
-    <p:bg>
-      <p:bgPr>
-        <a:solidFill>
-          <a:srgbClr val="FFFFFF"/>
-        </a:solidFill>
-        <a:effectLst/>
-      </p:bgPr>
-    </p:bg>
+  <p:cSld>
     <p:spTree>
       <p:nvGrpSpPr>
         <p:cNvPr id="1" name=""/>
@@ -3483,102 +3475,6 @@
           <a:chExt cx="0" cy="0"/>
         </a:xfrm>
       </p:grpSpPr>
-      <p:pic>
-        <p:nvPicPr>
-          <p:cNvPr id="2" name="Object 1"/>
-          <p:cNvPicPr>
-            <a:picLocks noChangeAspect="1"/>
-          </p:cNvPicPr>
-          <p:nvPr/>
-        </p:nvPicPr>
-        <p:blipFill>
-          <a:blip r:embed="rId2" cstate="print"/>
-          <a:stretch>
-            <a:fillRect/>
-          </a:stretch>
-        </p:blipFill>
-        <p:spPr>
-          <a:xfrm>
-            <a:off x="5191322" y="3151354"/>
-            <a:ext cx="8069086" cy="1858939"/>
-          </a:xfrm>
-          <a:prstGeom prst="rect">
-            <a:avLst/>
-          </a:prstGeom>
-        </p:spPr>
-      </p:pic>
-      <p:pic>
-        <p:nvPicPr>
-          <p:cNvPr id="3" name="Object 2"/>
-          <p:cNvPicPr>
-            <a:picLocks noChangeAspect="1"/>
-          </p:cNvPicPr>
-          <p:nvPr/>
-        </p:nvPicPr>
-        <p:blipFill>
-          <a:blip r:embed="rId3" cstate="print"/>
-          <a:stretch>
-            <a:fillRect/>
-          </a:stretch>
-        </p:blipFill>
-        <p:spPr>
-          <a:xfrm>
-            <a:off x="11656693" y="7827715"/>
-            <a:ext cx="5364332" cy="579033"/>
-          </a:xfrm>
-          <a:prstGeom prst="rect">
-            <a:avLst/>
-          </a:prstGeom>
-        </p:spPr>
-      </p:pic>
-      <p:pic>
-        <p:nvPicPr>
-          <p:cNvPr id="4" name="Object 3"/>
-          <p:cNvPicPr>
-            <a:picLocks noChangeAspect="1"/>
-          </p:cNvPicPr>
-          <p:nvPr/>
-        </p:nvPicPr>
-        <p:blipFill>
-          <a:blip r:embed="rId4" cstate="print"/>
-          <a:stretch>
-            <a:fillRect/>
-          </a:stretch>
-        </p:blipFill>
-        <p:spPr>
-          <a:xfrm>
-            <a:off x="14034808" y="8124851"/>
-            <a:ext cx="2986217" cy="579033"/>
-          </a:xfrm>
-          <a:prstGeom prst="rect">
-            <a:avLst/>
-          </a:prstGeom>
-        </p:spPr>
-      </p:pic>
-      <p:pic>
-        <p:nvPicPr>
-          <p:cNvPr id="5" name="Object 4"/>
-          <p:cNvPicPr>
-            <a:picLocks noChangeAspect="1"/>
-          </p:cNvPicPr>
-          <p:nvPr/>
-        </p:nvPicPr>
-        <p:blipFill>
-          <a:blip r:embed="rId5" cstate="print"/>
-          <a:stretch>
-            <a:fillRect/>
-          </a:stretch>
-        </p:blipFill>
-        <p:spPr>
-          <a:xfrm>
-            <a:off x="5990039" y="4857154"/>
-            <a:ext cx="4897918" cy="723792"/>
-          </a:xfrm>
-          <a:prstGeom prst="rect">
-            <a:avLst/>
-          </a:prstGeom>
-        </p:spPr>
-      </p:pic>
       <p:grpSp>
         <p:nvGrpSpPr>
           <p:cNvPr id="1001" name="그룹 1001"/>
@@ -3595,14 +3491,14 @@
         </p:grpSpPr>
         <p:pic>
           <p:nvPicPr>
-            <p:cNvPr id="7" name="Object 6"/>
+            <p:cNvPr id="8" name="Object 7"/>
             <p:cNvPicPr>
               <a:picLocks noChangeAspect="1"/>
             </p:cNvPicPr>
             <p:nvPr/>
           </p:nvPicPr>
           <p:blipFill>
-            <a:blip r:embed="rId6" cstate="print"/>
+            <a:blip r:embed="rId3" cstate="print"/>
             <a:stretch>
               <a:fillRect/>
             </a:stretch>
@@ -3620,18 +3516,48 @@
       </p:grpSp>
       <p:grpSp>
         <p:nvGrpSpPr>
-          <p:cNvPr id="1002" name="그룹 1002"/>
+          <p:cNvPr id="7" name="그룹 6">
+            <a:extLst>
+              <a:ext uri="{FF2B5EF4-FFF2-40B4-BE49-F238E27FC236}">
+                <a16:creationId xmlns:a16="http://schemas.microsoft.com/office/drawing/2014/main" id="{E645C84A-4704-49A0-A7C7-075F5C794B15}"/>
+              </a:ext>
+            </a:extLst>
+          </p:cNvPr>
           <p:cNvGrpSpPr/>
           <p:nvPr/>
         </p:nvGrpSpPr>
         <p:grpSpPr>
           <a:xfrm>
-            <a:off x="6211215" y="4570018"/>
-            <a:ext cx="5863284" cy="175853"/>
-            <a:chOff x="6211215" y="4570018"/>
-            <a:chExt cx="5863284" cy="175853"/>
+            <a:off x="13750786" y="8648700"/>
+            <a:ext cx="4437222" cy="1075304"/>
+            <a:chOff x="13750786" y="8648700"/>
+            <a:chExt cx="4437222" cy="1075304"/>
           </a:xfrm>
         </p:grpSpPr>
+        <p:pic>
+          <p:nvPicPr>
+            <p:cNvPr id="3" name="Object 2"/>
+            <p:cNvPicPr>
+              <a:picLocks noChangeAspect="1"/>
+            </p:cNvPicPr>
+            <p:nvPr/>
+          </p:nvPicPr>
+          <p:blipFill>
+            <a:blip r:embed="rId4" cstate="print"/>
+            <a:stretch>
+              <a:fillRect/>
+            </a:stretch>
+          </p:blipFill>
+          <p:spPr>
+            <a:xfrm>
+              <a:off x="15280378" y="9066004"/>
+              <a:ext cx="2907630" cy="658000"/>
+            </a:xfrm>
+            <a:prstGeom prst="rect">
+              <a:avLst/>
+            </a:prstGeom>
+          </p:spPr>
+        </p:pic>
         <p:pic>
           <p:nvPicPr>
             <p:cNvPr id="10" name="Object 9"/>
@@ -3641,14 +3567,53 @@
             <p:nvPr/>
           </p:nvPicPr>
           <p:blipFill>
-            <a:blip r:embed="rId7" cstate="print"/>
+            <a:blip r:embed="rId5" cstate="print"/>
             <a:stretch>
               <a:fillRect/>
             </a:stretch>
           </p:blipFill>
           <p:spPr>
             <a:xfrm>
-              <a:off x="6211215" y="4570018"/>
+              <a:off x="13750786" y="8648700"/>
+              <a:ext cx="4437222" cy="548558"/>
+            </a:xfrm>
+            <a:prstGeom prst="rect">
+              <a:avLst/>
+            </a:prstGeom>
+          </p:spPr>
+        </p:pic>
+      </p:grpSp>
+      <p:grpSp>
+        <p:nvGrpSpPr>
+          <p:cNvPr id="1002" name="그룹 1002"/>
+          <p:cNvGrpSpPr/>
+          <p:nvPr/>
+        </p:nvGrpSpPr>
+        <p:grpSpPr>
+          <a:xfrm>
+            <a:off x="6211215" y="5527182"/>
+            <a:ext cx="5863284" cy="175853"/>
+            <a:chOff x="6211215" y="5527182"/>
+            <a:chExt cx="5863284" cy="175853"/>
+          </a:xfrm>
+        </p:grpSpPr>
+        <p:pic>
+          <p:nvPicPr>
+            <p:cNvPr id="12" name="Object 11"/>
+            <p:cNvPicPr>
+              <a:picLocks noChangeAspect="1"/>
+            </p:cNvPicPr>
+            <p:nvPr/>
+          </p:nvPicPr>
+          <p:blipFill>
+            <a:blip r:embed="rId6" cstate="print"/>
+            <a:stretch>
+              <a:fillRect/>
+            </a:stretch>
+          </p:blipFill>
+          <p:spPr>
+            <a:xfrm>
+              <a:off x="6211215" y="5527182"/>
               <a:ext cx="5863284" cy="175853"/>
             </a:xfrm>
             <a:prstGeom prst="rect">
@@ -3673,14 +3638,14 @@
         </p:grpSpPr>
         <p:pic>
           <p:nvPicPr>
-            <p:cNvPr id="13" name="Object 12"/>
+            <p:cNvPr id="15" name="Object 14"/>
             <p:cNvPicPr>
               <a:picLocks noChangeAspect="1"/>
             </p:cNvPicPr>
             <p:nvPr/>
           </p:nvPicPr>
           <p:blipFill>
-            <a:blip r:embed="rId8" cstate="print"/>
+            <a:blip r:embed="rId7" cstate="print"/>
             <a:stretch>
               <a:fillRect/>
             </a:stretch>
@@ -3712,14 +3677,14 @@
         </p:grpSpPr>
         <p:pic>
           <p:nvPicPr>
-            <p:cNvPr id="16" name="Object 15"/>
+            <p:cNvPr id="18" name="Object 17"/>
             <p:cNvPicPr>
               <a:picLocks noChangeAspect="1"/>
             </p:cNvPicPr>
             <p:nvPr/>
           </p:nvPicPr>
           <p:blipFill>
-            <a:blip r:embed="rId9" cstate="print"/>
+            <a:blip r:embed="rId8" cstate="print"/>
             <a:stretch>
               <a:fillRect/>
             </a:stretch>
@@ -3751,14 +3716,14 @@
         </p:grpSpPr>
         <p:pic>
           <p:nvPicPr>
-            <p:cNvPr id="19" name="Object 18"/>
+            <p:cNvPr id="21" name="Object 20"/>
             <p:cNvPicPr>
               <a:picLocks noChangeAspect="1"/>
             </p:cNvPicPr>
             <p:nvPr/>
           </p:nvPicPr>
           <p:blipFill>
-            <a:blip r:embed="rId10" cstate="print"/>
+            <a:blip r:embed="rId9" cstate="print"/>
             <a:stretch>
               <a:fillRect/>
             </a:stretch>
@@ -3774,11 +3739,626 @@
           </p:spPr>
         </p:pic>
       </p:grpSp>
+      <p:pic>
+        <p:nvPicPr>
+          <p:cNvPr id="17" name="Object 1">
+            <a:extLst>
+              <a:ext uri="{FF2B5EF4-FFF2-40B4-BE49-F238E27FC236}">
+                <a16:creationId xmlns:a16="http://schemas.microsoft.com/office/drawing/2014/main" id="{A2010775-A2CB-4C15-9B2E-03C4F33A5D1F}"/>
+              </a:ext>
+            </a:extLst>
+          </p:cNvPr>
+          <p:cNvPicPr>
+            <a:picLocks noChangeAspect="1"/>
+          </p:cNvPicPr>
+          <p:nvPr/>
+        </p:nvPicPr>
+        <p:blipFill>
+          <a:blip r:embed="rId10" cstate="print"/>
+          <a:stretch>
+            <a:fillRect/>
+          </a:stretch>
+        </p:blipFill>
+        <p:spPr>
+          <a:xfrm>
+            <a:off x="5108314" y="3604367"/>
+            <a:ext cx="8069086" cy="1858939"/>
+          </a:xfrm>
+          <a:prstGeom prst="rect">
+            <a:avLst/>
+          </a:prstGeom>
+        </p:spPr>
+      </p:pic>
+      <p:pic>
+        <p:nvPicPr>
+          <p:cNvPr id="19" name="Object 4">
+            <a:extLst>
+              <a:ext uri="{FF2B5EF4-FFF2-40B4-BE49-F238E27FC236}">
+                <a16:creationId xmlns:a16="http://schemas.microsoft.com/office/drawing/2014/main" id="{42C914A8-61DA-4377-868B-C00A8E930E37}"/>
+              </a:ext>
+            </a:extLst>
+          </p:cNvPr>
+          <p:cNvPicPr>
+            <a:picLocks noChangeAspect="1"/>
+          </p:cNvPicPr>
+          <p:nvPr/>
+        </p:nvPicPr>
+        <p:blipFill>
+          <a:blip r:embed="rId11" cstate="print"/>
+          <a:stretch>
+            <a:fillRect/>
+          </a:stretch>
+        </p:blipFill>
+        <p:spPr>
+          <a:xfrm>
+            <a:off x="6184001" y="6055108"/>
+            <a:ext cx="4897918" cy="723792"/>
+          </a:xfrm>
+          <a:prstGeom prst="rect">
+            <a:avLst/>
+          </a:prstGeom>
+        </p:spPr>
+      </p:pic>
     </p:spTree>
+    <p:custDataLst>
+      <p:tags r:id="rId1"/>
+    </p:custDataLst>
   </p:cSld>
   <p:clrMapOvr>
     <a:masterClrMapping/>
   </p:clrMapOvr>
+  <mc:AlternateContent xmlns:mc="http://schemas.openxmlformats.org/markup-compatibility/2006">
+    <mc:Choice xmlns:p14="http://schemas.microsoft.com/office/powerpoint/2010/main" Requires="p14">
+      <p:transition spd="slow" p14:dur="2000" advTm="7724"/>
+    </mc:Choice>
+    <mc:Fallback>
+      <p:transition spd="slow" advTm="7724"/>
+    </mc:Fallback>
+  </mc:AlternateContent>
+  <p:timing>
+    <p:tnLst>
+      <p:par>
+        <p:cTn id="1" dur="indefinite" restart="never" nodeType="tmRoot">
+          <p:childTnLst>
+            <p:seq concurrent="1" nextAc="seek">
+              <p:cTn id="2" dur="indefinite" nodeType="mainSeq">
+                <p:childTnLst>
+                  <p:par>
+                    <p:cTn id="3" fill="hold">
+                      <p:stCondLst>
+                        <p:cond delay="indefinite"/>
+                      </p:stCondLst>
+                      <p:childTnLst>
+                        <p:par>
+                          <p:cTn id="4" fill="hold">
+                            <p:stCondLst>
+                              <p:cond delay="0"/>
+                            </p:stCondLst>
+                            <p:childTnLst>
+                              <p:par>
+                                <p:cTn id="5" presetID="10" presetClass="entr" presetSubtype="0" fill="hold" nodeType="clickEffect">
+                                  <p:stCondLst>
+                                    <p:cond delay="0"/>
+                                  </p:stCondLst>
+                                  <p:childTnLst>
+                                    <p:set>
+                                      <p:cBhvr>
+                                        <p:cTn id="6" dur="1" fill="hold">
+                                          <p:stCondLst>
+                                            <p:cond delay="0"/>
+                                          </p:stCondLst>
+                                        </p:cTn>
+                                        <p:tgtEl>
+                                          <p:spTgt spid="17"/>
+                                        </p:tgtEl>
+                                        <p:attrNameLst>
+                                          <p:attrName>style.visibility</p:attrName>
+                                        </p:attrNameLst>
+                                      </p:cBhvr>
+                                      <p:to>
+                                        <p:strVal val="visible"/>
+                                      </p:to>
+                                    </p:set>
+                                    <p:animEffect transition="in" filter="fade">
+                                      <p:cBhvr>
+                                        <p:cTn id="7" dur="700"/>
+                                        <p:tgtEl>
+                                          <p:spTgt spid="17"/>
+                                        </p:tgtEl>
+                                      </p:cBhvr>
+                                    </p:animEffect>
+                                  </p:childTnLst>
+                                </p:cTn>
+                              </p:par>
+                              <p:par>
+                                <p:cTn id="8" presetID="2" presetClass="entr" presetSubtype="2" accel="30000" decel="70000" fill="hold" nodeType="withEffect">
+                                  <p:stCondLst>
+                                    <p:cond delay="100"/>
+                                  </p:stCondLst>
+                                  <p:childTnLst>
+                                    <p:set>
+                                      <p:cBhvr>
+                                        <p:cTn id="9" dur="1" fill="hold">
+                                          <p:stCondLst>
+                                            <p:cond delay="0"/>
+                                          </p:stCondLst>
+                                        </p:cTn>
+                                        <p:tgtEl>
+                                          <p:spTgt spid="1003"/>
+                                        </p:tgtEl>
+                                        <p:attrNameLst>
+                                          <p:attrName>style.visibility</p:attrName>
+                                        </p:attrNameLst>
+                                      </p:cBhvr>
+                                      <p:to>
+                                        <p:strVal val="visible"/>
+                                      </p:to>
+                                    </p:set>
+                                    <p:anim calcmode="lin" valueType="num">
+                                      <p:cBhvr additive="base">
+                                        <p:cTn id="10" dur="500" fill="hold"/>
+                                        <p:tgtEl>
+                                          <p:spTgt spid="1003"/>
+                                        </p:tgtEl>
+                                        <p:attrNameLst>
+                                          <p:attrName>ppt_x</p:attrName>
+                                        </p:attrNameLst>
+                                      </p:cBhvr>
+                                      <p:tavLst>
+                                        <p:tav tm="0">
+                                          <p:val>
+                                            <p:strVal val="1+#ppt_w/2"/>
+                                          </p:val>
+                                        </p:tav>
+                                        <p:tav tm="100000">
+                                          <p:val>
+                                            <p:strVal val="#ppt_x"/>
+                                          </p:val>
+                                        </p:tav>
+                                      </p:tavLst>
+                                    </p:anim>
+                                    <p:anim calcmode="lin" valueType="num">
+                                      <p:cBhvr additive="base">
+                                        <p:cTn id="11" dur="500" fill="hold"/>
+                                        <p:tgtEl>
+                                          <p:spTgt spid="1003"/>
+                                        </p:tgtEl>
+                                        <p:attrNameLst>
+                                          <p:attrName>ppt_y</p:attrName>
+                                        </p:attrNameLst>
+                                      </p:cBhvr>
+                                      <p:tavLst>
+                                        <p:tav tm="0">
+                                          <p:val>
+                                            <p:strVal val="#ppt_y"/>
+                                          </p:val>
+                                        </p:tav>
+                                        <p:tav tm="100000">
+                                          <p:val>
+                                            <p:strVal val="#ppt_y"/>
+                                          </p:val>
+                                        </p:tav>
+                                      </p:tavLst>
+                                    </p:anim>
+                                  </p:childTnLst>
+                                </p:cTn>
+                              </p:par>
+                              <p:par>
+                                <p:cTn id="12" presetID="2" presetClass="entr" presetSubtype="12" accel="44000" decel="56000" fill="hold" nodeType="withEffect">
+                                  <p:stCondLst>
+                                    <p:cond delay="300"/>
+                                  </p:stCondLst>
+                                  <p:childTnLst>
+                                    <p:set>
+                                      <p:cBhvr>
+                                        <p:cTn id="13" dur="1" fill="hold">
+                                          <p:stCondLst>
+                                            <p:cond delay="0"/>
+                                          </p:stCondLst>
+                                        </p:cTn>
+                                        <p:tgtEl>
+                                          <p:spTgt spid="1001"/>
+                                        </p:tgtEl>
+                                        <p:attrNameLst>
+                                          <p:attrName>style.visibility</p:attrName>
+                                        </p:attrNameLst>
+                                      </p:cBhvr>
+                                      <p:to>
+                                        <p:strVal val="visible"/>
+                                      </p:to>
+                                    </p:set>
+                                    <p:anim calcmode="lin" valueType="num">
+                                      <p:cBhvr additive="base">
+                                        <p:cTn id="14" dur="700" fill="hold"/>
+                                        <p:tgtEl>
+                                          <p:spTgt spid="1001"/>
+                                        </p:tgtEl>
+                                        <p:attrNameLst>
+                                          <p:attrName>ppt_x</p:attrName>
+                                        </p:attrNameLst>
+                                      </p:cBhvr>
+                                      <p:tavLst>
+                                        <p:tav tm="0">
+                                          <p:val>
+                                            <p:strVal val="0-#ppt_w/2"/>
+                                          </p:val>
+                                        </p:tav>
+                                        <p:tav tm="100000">
+                                          <p:val>
+                                            <p:strVal val="#ppt_x"/>
+                                          </p:val>
+                                        </p:tav>
+                                      </p:tavLst>
+                                    </p:anim>
+                                    <p:anim calcmode="lin" valueType="num">
+                                      <p:cBhvr additive="base">
+                                        <p:cTn id="15" dur="700" fill="hold"/>
+                                        <p:tgtEl>
+                                          <p:spTgt spid="1001"/>
+                                        </p:tgtEl>
+                                        <p:attrNameLst>
+                                          <p:attrName>ppt_y</p:attrName>
+                                        </p:attrNameLst>
+                                      </p:cBhvr>
+                                      <p:tavLst>
+                                        <p:tav tm="0">
+                                          <p:val>
+                                            <p:strVal val="1+#ppt_h/2"/>
+                                          </p:val>
+                                        </p:tav>
+                                        <p:tav tm="100000">
+                                          <p:val>
+                                            <p:strVal val="#ppt_y"/>
+                                          </p:val>
+                                        </p:tav>
+                                      </p:tavLst>
+                                    </p:anim>
+                                  </p:childTnLst>
+                                </p:cTn>
+                              </p:par>
+                              <p:par>
+                                <p:cTn id="16" presetID="2" presetClass="entr" presetSubtype="8" accel="44000" decel="56000" fill="hold" nodeType="withEffect">
+                                  <p:stCondLst>
+                                    <p:cond delay="700"/>
+                                  </p:stCondLst>
+                                  <p:childTnLst>
+                                    <p:set>
+                                      <p:cBhvr>
+                                        <p:cTn id="17" dur="1" fill="hold">
+                                          <p:stCondLst>
+                                            <p:cond delay="0"/>
+                                          </p:stCondLst>
+                                        </p:cTn>
+                                        <p:tgtEl>
+                                          <p:spTgt spid="1005"/>
+                                        </p:tgtEl>
+                                        <p:attrNameLst>
+                                          <p:attrName>style.visibility</p:attrName>
+                                        </p:attrNameLst>
+                                      </p:cBhvr>
+                                      <p:to>
+                                        <p:strVal val="visible"/>
+                                      </p:to>
+                                    </p:set>
+                                    <p:anim calcmode="lin" valueType="num">
+                                      <p:cBhvr additive="base">
+                                        <p:cTn id="18" dur="700" fill="hold"/>
+                                        <p:tgtEl>
+                                          <p:spTgt spid="1005"/>
+                                        </p:tgtEl>
+                                        <p:attrNameLst>
+                                          <p:attrName>ppt_x</p:attrName>
+                                        </p:attrNameLst>
+                                      </p:cBhvr>
+                                      <p:tavLst>
+                                        <p:tav tm="0">
+                                          <p:val>
+                                            <p:strVal val="0-#ppt_w/2"/>
+                                          </p:val>
+                                        </p:tav>
+                                        <p:tav tm="100000">
+                                          <p:val>
+                                            <p:strVal val="#ppt_x"/>
+                                          </p:val>
+                                        </p:tav>
+                                      </p:tavLst>
+                                    </p:anim>
+                                    <p:anim calcmode="lin" valueType="num">
+                                      <p:cBhvr additive="base">
+                                        <p:cTn id="19" dur="700" fill="hold"/>
+                                        <p:tgtEl>
+                                          <p:spTgt spid="1005"/>
+                                        </p:tgtEl>
+                                        <p:attrNameLst>
+                                          <p:attrName>ppt_y</p:attrName>
+                                        </p:attrNameLst>
+                                      </p:cBhvr>
+                                      <p:tavLst>
+                                        <p:tav tm="0">
+                                          <p:val>
+                                            <p:strVal val="#ppt_y"/>
+                                          </p:val>
+                                        </p:tav>
+                                        <p:tav tm="100000">
+                                          <p:val>
+                                            <p:strVal val="#ppt_y"/>
+                                          </p:val>
+                                        </p:tav>
+                                      </p:tavLst>
+                                    </p:anim>
+                                  </p:childTnLst>
+                                </p:cTn>
+                              </p:par>
+                              <p:par>
+                                <p:cTn id="20" presetID="2" presetClass="entr" presetSubtype="2" accel="44000" decel="56000" fill="hold" nodeType="withEffect">
+                                  <p:stCondLst>
+                                    <p:cond delay="1000"/>
+                                  </p:stCondLst>
+                                  <p:childTnLst>
+                                    <p:set>
+                                      <p:cBhvr>
+                                        <p:cTn id="21" dur="1" fill="hold">
+                                          <p:stCondLst>
+                                            <p:cond delay="0"/>
+                                          </p:stCondLst>
+                                        </p:cTn>
+                                        <p:tgtEl>
+                                          <p:spTgt spid="1004"/>
+                                        </p:tgtEl>
+                                        <p:attrNameLst>
+                                          <p:attrName>style.visibility</p:attrName>
+                                        </p:attrNameLst>
+                                      </p:cBhvr>
+                                      <p:to>
+                                        <p:strVal val="visible"/>
+                                      </p:to>
+                                    </p:set>
+                                    <p:anim calcmode="lin" valueType="num">
+                                      <p:cBhvr additive="base">
+                                        <p:cTn id="22" dur="700" fill="hold"/>
+                                        <p:tgtEl>
+                                          <p:spTgt spid="1004"/>
+                                        </p:tgtEl>
+                                        <p:attrNameLst>
+                                          <p:attrName>ppt_x</p:attrName>
+                                        </p:attrNameLst>
+                                      </p:cBhvr>
+                                      <p:tavLst>
+                                        <p:tav tm="0">
+                                          <p:val>
+                                            <p:strVal val="1+#ppt_w/2"/>
+                                          </p:val>
+                                        </p:tav>
+                                        <p:tav tm="100000">
+                                          <p:val>
+                                            <p:strVal val="#ppt_x"/>
+                                          </p:val>
+                                        </p:tav>
+                                      </p:tavLst>
+                                    </p:anim>
+                                    <p:anim calcmode="lin" valueType="num">
+                                      <p:cBhvr additive="base">
+                                        <p:cTn id="23" dur="700" fill="hold"/>
+                                        <p:tgtEl>
+                                          <p:spTgt spid="1004"/>
+                                        </p:tgtEl>
+                                        <p:attrNameLst>
+                                          <p:attrName>ppt_y</p:attrName>
+                                        </p:attrNameLst>
+                                      </p:cBhvr>
+                                      <p:tavLst>
+                                        <p:tav tm="0">
+                                          <p:val>
+                                            <p:strVal val="#ppt_y"/>
+                                          </p:val>
+                                        </p:tav>
+                                        <p:tav tm="100000">
+                                          <p:val>
+                                            <p:strVal val="#ppt_y"/>
+                                          </p:val>
+                                        </p:tav>
+                                      </p:tavLst>
+                                    </p:anim>
+                                  </p:childTnLst>
+                                </p:cTn>
+                              </p:par>
+                              <p:par>
+                                <p:cTn id="24" presetID="22" presetClass="entr" presetSubtype="8" fill="hold" nodeType="withEffect">
+                                  <p:stCondLst>
+                                    <p:cond delay="300"/>
+                                  </p:stCondLst>
+                                  <p:childTnLst>
+                                    <p:set>
+                                      <p:cBhvr>
+                                        <p:cTn id="25" dur="1" fill="hold">
+                                          <p:stCondLst>
+                                            <p:cond delay="0"/>
+                                          </p:stCondLst>
+                                        </p:cTn>
+                                        <p:tgtEl>
+                                          <p:spTgt spid="1002"/>
+                                        </p:tgtEl>
+                                        <p:attrNameLst>
+                                          <p:attrName>style.visibility</p:attrName>
+                                        </p:attrNameLst>
+                                      </p:cBhvr>
+                                      <p:to>
+                                        <p:strVal val="visible"/>
+                                      </p:to>
+                                    </p:set>
+                                    <p:animEffect transition="in" filter="wipe(left)">
+                                      <p:cBhvr>
+                                        <p:cTn id="26" dur="700"/>
+                                        <p:tgtEl>
+                                          <p:spTgt spid="1002"/>
+                                        </p:tgtEl>
+                                      </p:cBhvr>
+                                    </p:animEffect>
+                                  </p:childTnLst>
+                                </p:cTn>
+                              </p:par>
+                            </p:childTnLst>
+                          </p:cTn>
+                        </p:par>
+                        <p:par>
+                          <p:cTn id="27" fill="hold">
+                            <p:stCondLst>
+                              <p:cond delay="1700"/>
+                            </p:stCondLst>
+                            <p:childTnLst>
+                              <p:par>
+                                <p:cTn id="28" presetID="14" presetClass="entr" presetSubtype="10" fill="hold" nodeType="afterEffect">
+                                  <p:stCondLst>
+                                    <p:cond delay="0"/>
+                                  </p:stCondLst>
+                                  <p:childTnLst>
+                                    <p:set>
+                                      <p:cBhvr>
+                                        <p:cTn id="29" dur="1" fill="hold">
+                                          <p:stCondLst>
+                                            <p:cond delay="0"/>
+                                          </p:stCondLst>
+                                        </p:cTn>
+                                        <p:tgtEl>
+                                          <p:spTgt spid="19"/>
+                                        </p:tgtEl>
+                                        <p:attrNameLst>
+                                          <p:attrName>style.visibility</p:attrName>
+                                        </p:attrNameLst>
+                                      </p:cBhvr>
+                                      <p:to>
+                                        <p:strVal val="visible"/>
+                                      </p:to>
+                                    </p:set>
+                                    <p:animEffect transition="in" filter="randombar(horizontal)">
+                                      <p:cBhvr>
+                                        <p:cTn id="30" dur="500"/>
+                                        <p:tgtEl>
+                                          <p:spTgt spid="19"/>
+                                        </p:tgtEl>
+                                      </p:cBhvr>
+                                    </p:animEffect>
+                                  </p:childTnLst>
+                                </p:cTn>
+                              </p:par>
+                            </p:childTnLst>
+                          </p:cTn>
+                        </p:par>
+                        <p:par>
+                          <p:cTn id="31" fill="hold">
+                            <p:stCondLst>
+                              <p:cond delay="2200"/>
+                            </p:stCondLst>
+                            <p:childTnLst>
+                              <p:par>
+                                <p:cTn id="32" presetID="42" presetClass="entr" presetSubtype="0" fill="hold" nodeType="afterEffect">
+                                  <p:stCondLst>
+                                    <p:cond delay="0"/>
+                                  </p:stCondLst>
+                                  <p:childTnLst>
+                                    <p:set>
+                                      <p:cBhvr>
+                                        <p:cTn id="33" dur="1" fill="hold">
+                                          <p:stCondLst>
+                                            <p:cond delay="0"/>
+                                          </p:stCondLst>
+                                        </p:cTn>
+                                        <p:tgtEl>
+                                          <p:spTgt spid="7"/>
+                                        </p:tgtEl>
+                                        <p:attrNameLst>
+                                          <p:attrName>style.visibility</p:attrName>
+                                        </p:attrNameLst>
+                                      </p:cBhvr>
+                                      <p:to>
+                                        <p:strVal val="visible"/>
+                                      </p:to>
+                                    </p:set>
+                                    <p:animEffect transition="in" filter="fade">
+                                      <p:cBhvr>
+                                        <p:cTn id="34" dur="1000"/>
+                                        <p:tgtEl>
+                                          <p:spTgt spid="7"/>
+                                        </p:tgtEl>
+                                      </p:cBhvr>
+                                    </p:animEffect>
+                                    <p:anim calcmode="lin" valueType="num">
+                                      <p:cBhvr>
+                                        <p:cTn id="35" dur="1000" fill="hold"/>
+                                        <p:tgtEl>
+                                          <p:spTgt spid="7"/>
+                                        </p:tgtEl>
+                                        <p:attrNameLst>
+                                          <p:attrName>ppt_x</p:attrName>
+                                        </p:attrNameLst>
+                                      </p:cBhvr>
+                                      <p:tavLst>
+                                        <p:tav tm="0">
+                                          <p:val>
+                                            <p:strVal val="#ppt_x"/>
+                                          </p:val>
+                                        </p:tav>
+                                        <p:tav tm="100000">
+                                          <p:val>
+                                            <p:strVal val="#ppt_x"/>
+                                          </p:val>
+                                        </p:tav>
+                                      </p:tavLst>
+                                    </p:anim>
+                                    <p:anim calcmode="lin" valueType="num">
+                                      <p:cBhvr>
+                                        <p:cTn id="36" dur="1000" fill="hold"/>
+                                        <p:tgtEl>
+                                          <p:spTgt spid="7"/>
+                                        </p:tgtEl>
+                                        <p:attrNameLst>
+                                          <p:attrName>ppt_y</p:attrName>
+                                        </p:attrNameLst>
+                                      </p:cBhvr>
+                                      <p:tavLst>
+                                        <p:tav tm="0">
+                                          <p:val>
+                                            <p:strVal val="#ppt_y+.1"/>
+                                          </p:val>
+                                        </p:tav>
+                                        <p:tav tm="100000">
+                                          <p:val>
+                                            <p:strVal val="#ppt_y"/>
+                                          </p:val>
+                                        </p:tav>
+                                      </p:tavLst>
+                                    </p:anim>
+                                  </p:childTnLst>
+                                </p:cTn>
+                              </p:par>
+                            </p:childTnLst>
+                          </p:cTn>
+                        </p:par>
+                      </p:childTnLst>
+                    </p:cTn>
+                  </p:par>
+                </p:childTnLst>
+              </p:cTn>
+              <p:prevCondLst>
+                <p:cond evt="onPrev" delay="0">
+                  <p:tgtEl>
+                    <p:sldTgt/>
+                  </p:tgtEl>
+                </p:cond>
+              </p:prevCondLst>
+              <p:nextCondLst>
+                <p:cond evt="onNext" delay="0">
+                  <p:tgtEl>
+                    <p:sldTgt/>
+                  </p:tgtEl>
+                </p:cond>
+              </p:nextCondLst>
+            </p:seq>
+          </p:childTnLst>
+        </p:cTn>
+      </p:par>
+    </p:tnLst>
+  </p:timing>
 </p:sld>
 </file>
 
@@ -4286,6 +4866,14 @@
   <p:clrMapOvr>
     <a:masterClrMapping/>
   </p:clrMapOvr>
+  <mc:AlternateContent xmlns:mc="http://schemas.openxmlformats.org/markup-compatibility/2006">
+    <mc:Choice xmlns:p14="http://schemas.microsoft.com/office/powerpoint/2010/main" Requires="p14">
+      <p:transition spd="slow" p14:dur="2000" advTm="2391"/>
+    </mc:Choice>
+    <mc:Fallback>
+      <p:transition spd="slow" advTm="2391"/>
+    </mc:Fallback>
+  </mc:AlternateContent>
 </p:sld>
 </file>
 
@@ -4520,45 +5108,6 @@
       </p:grpSp>
       <p:grpSp>
         <p:nvGrpSpPr>
-          <p:cNvPr id="1006" name="그룹 1006"/>
-          <p:cNvGrpSpPr/>
-          <p:nvPr/>
-        </p:nvGrpSpPr>
-        <p:grpSpPr>
-          <a:xfrm>
-            <a:off x="1429810" y="4062464"/>
-            <a:ext cx="2585507" cy="2260207"/>
-            <a:chOff x="1429810" y="4062464"/>
-            <a:chExt cx="2585507" cy="2260207"/>
-          </a:xfrm>
-        </p:grpSpPr>
-        <p:pic>
-          <p:nvPicPr>
-            <p:cNvPr id="18" name="Object 17"/>
-            <p:cNvPicPr>
-              <a:picLocks noChangeAspect="1"/>
-            </p:cNvPicPr>
-            <p:nvPr/>
-          </p:nvPicPr>
-          <p:blipFill>
-            <a:blip r:embed="rId8" cstate="print"/>
-            <a:stretch>
-              <a:fillRect/>
-            </a:stretch>
-          </p:blipFill>
-          <p:spPr>
-            <a:xfrm>
-              <a:off x="1429810" y="4062464"/>
-              <a:ext cx="2585507" cy="2260207"/>
-            </a:xfrm>
-            <a:prstGeom prst="rect">
-              <a:avLst/>
-            </a:prstGeom>
-          </p:spPr>
-        </p:pic>
-      </p:grpSp>
-      <p:grpSp>
-        <p:nvGrpSpPr>
           <p:cNvPr id="1007" name="그룹 1007"/>
           <p:cNvGrpSpPr/>
           <p:nvPr/>
@@ -4594,7 +5143,7 @@
               <p:nvPr/>
             </p:nvPicPr>
             <p:blipFill>
-              <a:blip r:embed="rId9" cstate="print"/>
+              <a:blip r:embed="rId8" cstate="print"/>
               <a:stretch>
                 <a:fillRect/>
               </a:stretch>
@@ -4619,14 +5168,14 @@
             <p:nvPr/>
           </p:nvPicPr>
           <p:blipFill>
-            <a:blip r:embed="rId10" cstate="print"/>
+            <a:blip r:embed="rId9" cstate="print"/>
             <a:stretch>
               <a:fillRect/>
             </a:stretch>
           </p:blipFill>
           <p:spPr>
             <a:xfrm>
-              <a:off x="1679906" y="7777163"/>
+              <a:off x="1670897" y="7995557"/>
               <a:ext cx="1977510" cy="534038"/>
             </a:xfrm>
             <a:prstGeom prst="rect">
@@ -4643,10 +5192,10 @@
         </p:nvGrpSpPr>
         <p:grpSpPr>
           <a:xfrm>
-            <a:off x="4939048" y="6836391"/>
-            <a:ext cx="3082393" cy="2852371"/>
-            <a:chOff x="4939048" y="6836391"/>
-            <a:chExt cx="3082393" cy="2852371"/>
+            <a:off x="5187491" y="7132473"/>
+            <a:ext cx="2585507" cy="2260207"/>
+            <a:chOff x="5187491" y="7132473"/>
+            <a:chExt cx="2585507" cy="2260207"/>
           </a:xfrm>
         </p:grpSpPr>
         <p:grpSp>
@@ -4672,7 +5221,7 @@
               <p:nvPr/>
             </p:nvPicPr>
             <p:blipFill>
-              <a:blip r:embed="rId8" cstate="print"/>
+              <a:blip r:embed="rId10" cstate="print"/>
               <a:stretch>
                 <a:fillRect/>
               </a:stretch>
@@ -4704,7 +5253,7 @@
           </p:blipFill>
           <p:spPr>
             <a:xfrm>
-              <a:off x="5437582" y="7814220"/>
+              <a:off x="5455437" y="8039100"/>
               <a:ext cx="1977510" cy="534038"/>
             </a:xfrm>
             <a:prstGeom prst="rect">
@@ -4750,7 +5299,7 @@
               <p:nvPr/>
             </p:nvPicPr>
             <p:blipFill>
-              <a:blip r:embed="rId9" cstate="print"/>
+              <a:blip r:embed="rId8" cstate="print"/>
               <a:stretch>
                 <a:fillRect/>
               </a:stretch>
@@ -4828,7 +5377,7 @@
               <p:nvPr/>
             </p:nvPicPr>
             <p:blipFill>
-              <a:blip r:embed="rId8" cstate="print"/>
+              <a:blip r:embed="rId10" cstate="print"/>
               <a:stretch>
                 <a:fillRect/>
               </a:stretch>
@@ -4860,7 +5409,7 @@
           </p:blipFill>
           <p:spPr>
             <a:xfrm>
-              <a:off x="8763438" y="4807134"/>
+              <a:off x="8761884" y="4991201"/>
               <a:ext cx="1910756" cy="546039"/>
             </a:xfrm>
             <a:prstGeom prst="rect">
@@ -4938,7 +5487,7 @@
           </p:blipFill>
           <p:spPr>
             <a:xfrm>
-              <a:off x="8859896" y="7773991"/>
+              <a:off x="8842890" y="7962262"/>
               <a:ext cx="1977510" cy="534038"/>
             </a:xfrm>
             <a:prstGeom prst="rect">
@@ -4949,36 +5498,81 @@
       </p:grpSp>
       <p:grpSp>
         <p:nvGrpSpPr>
-          <p:cNvPr id="1017" name="그룹 1017"/>
+          <p:cNvPr id="7" name="그룹 6">
+            <a:extLst>
+              <a:ext uri="{FF2B5EF4-FFF2-40B4-BE49-F238E27FC236}">
+                <a16:creationId xmlns:a16="http://schemas.microsoft.com/office/drawing/2014/main" id="{466976EE-6106-4597-9E24-11B5A88EDF5C}"/>
+              </a:ext>
+            </a:extLst>
+          </p:cNvPr>
           <p:cNvGrpSpPr/>
           <p:nvPr/>
         </p:nvGrpSpPr>
         <p:grpSpPr>
           <a:xfrm>
-            <a:off x="12542749" y="5583183"/>
-            <a:ext cx="5165330" cy="2767498"/>
-            <a:chOff x="12542749" y="5583183"/>
-            <a:chExt cx="5165330" cy="2767498"/>
+            <a:off x="11829144" y="5097144"/>
+            <a:ext cx="5878935" cy="3253537"/>
+            <a:chOff x="11829144" y="5097144"/>
+            <a:chExt cx="5878935" cy="3253537"/>
           </a:xfrm>
         </p:grpSpPr>
+        <p:grpSp>
+          <p:nvGrpSpPr>
+            <p:cNvPr id="1017" name="그룹 1017"/>
+            <p:cNvGrpSpPr/>
+            <p:nvPr/>
+          </p:nvGrpSpPr>
+          <p:grpSpPr>
+            <a:xfrm>
+              <a:off x="12542749" y="5583183"/>
+              <a:ext cx="5165330" cy="2767498"/>
+              <a:chOff x="12542749" y="5583183"/>
+              <a:chExt cx="5165330" cy="2767498"/>
+            </a:xfrm>
+          </p:grpSpPr>
+          <p:pic>
+            <p:nvPicPr>
+              <p:cNvPr id="53" name="Object 52"/>
+              <p:cNvPicPr>
+                <a:picLocks noChangeAspect="1"/>
+              </p:cNvPicPr>
+              <p:nvPr/>
+            </p:nvPicPr>
+            <p:blipFill>
+              <a:blip r:embed="rId16" cstate="print"/>
+              <a:stretch>
+                <a:fillRect/>
+              </a:stretch>
+            </p:blipFill>
+            <p:spPr>
+              <a:xfrm>
+                <a:off x="12542749" y="5583183"/>
+                <a:ext cx="5165330" cy="2767498"/>
+              </a:xfrm>
+              <a:prstGeom prst="rect">
+                <a:avLst/>
+              </a:prstGeom>
+            </p:spPr>
+          </p:pic>
+        </p:grpSp>
         <p:pic>
           <p:nvPicPr>
-            <p:cNvPr id="53" name="Object 52"/>
+            <p:cNvPr id="55" name="Object 54"/>
             <p:cNvPicPr>
               <a:picLocks noChangeAspect="1"/>
             </p:cNvPicPr>
             <p:nvPr/>
           </p:nvPicPr>
           <p:blipFill>
-            <a:blip r:embed="rId16" cstate="print"/>
+            <a:blip r:embed="rId17" cstate="print"/>
             <a:stretch>
               <a:fillRect/>
             </a:stretch>
           </p:blipFill>
           <p:spPr>
             <a:xfrm>
-              <a:off x="12542749" y="5583183"/>
-              <a:ext cx="5165330" cy="2767498"/>
+              <a:off x="11829144" y="5097144"/>
+              <a:ext cx="4820545" cy="579034"/>
             </a:xfrm>
             <a:prstGeom prst="rect">
               <a:avLst/>
@@ -4986,97 +5580,1067 @@
           </p:spPr>
         </p:pic>
       </p:grpSp>
-      <p:pic>
-        <p:nvPicPr>
-          <p:cNvPr id="55" name="Object 54"/>
-          <p:cNvPicPr>
-            <a:picLocks noChangeAspect="1"/>
-          </p:cNvPicPr>
-          <p:nvPr/>
-        </p:nvPicPr>
-        <p:blipFill>
-          <a:blip r:embed="rId17" cstate="print"/>
-          <a:stretch>
-            <a:fillRect/>
-          </a:stretch>
-        </p:blipFill>
-        <p:spPr>
-          <a:xfrm>
-            <a:off x="11829144" y="5097144"/>
-            <a:ext cx="4820545" cy="579034"/>
-          </a:xfrm>
-          <a:prstGeom prst="rect">
-            <a:avLst/>
-          </a:prstGeom>
-        </p:spPr>
-      </p:pic>
-      <p:sp>
-        <p:nvSpPr>
-          <p:cNvPr id="2" name="TextBox 1">
+      <p:grpSp>
+        <p:nvGrpSpPr>
+          <p:cNvPr id="4" name="그룹 3">
             <a:extLst>
               <a:ext uri="{FF2B5EF4-FFF2-40B4-BE49-F238E27FC236}">
-                <a16:creationId xmlns:a16="http://schemas.microsoft.com/office/drawing/2014/main" id="{94378493-CD53-4E2C-810A-F37DC9995C37}"/>
+                <a16:creationId xmlns:a16="http://schemas.microsoft.com/office/drawing/2014/main" id="{1D26974F-AEBB-4C97-89E2-83D93156A735}"/>
               </a:ext>
             </a:extLst>
           </p:cNvPr>
-          <p:cNvSpPr txBox="1"/>
+          <p:cNvGrpSpPr/>
           <p:nvPr/>
-        </p:nvSpPr>
-        <p:spPr>
+        </p:nvGrpSpPr>
+        <p:grpSpPr>
           <a:xfrm>
-            <a:off x="1670897" y="4807134"/>
-            <a:ext cx="2103332" cy="738664"/>
+            <a:off x="1429810" y="4062464"/>
+            <a:ext cx="2585507" cy="2260207"/>
+            <a:chOff x="1429810" y="4062464"/>
+            <a:chExt cx="2585507" cy="2260207"/>
           </a:xfrm>
-          <a:prstGeom prst="rect">
-            <a:avLst/>
-          </a:prstGeom>
-          <a:noFill/>
-        </p:spPr>
-        <p:txBody>
-          <a:bodyPr wrap="none" rtlCol="0">
-            <a:spAutoFit/>
-          </a:bodyPr>
-          <a:lstStyle/>
-          <a:p>
-            <a:pPr algn="ctr"/>
-            <a:r>
-              <a:rPr lang="en-US" altLang="ko-KR" sz="2400" dirty="0">
+        </p:grpSpPr>
+        <p:grpSp>
+          <p:nvGrpSpPr>
+            <p:cNvPr id="1006" name="그룹 1006"/>
+            <p:cNvGrpSpPr/>
+            <p:nvPr/>
+          </p:nvGrpSpPr>
+          <p:grpSpPr>
+            <a:xfrm>
+              <a:off x="1429810" y="4062464"/>
+              <a:ext cx="2585507" cy="2260207"/>
+              <a:chOff x="1429810" y="4062464"/>
+              <a:chExt cx="2585507" cy="2260207"/>
+            </a:xfrm>
+          </p:grpSpPr>
+          <p:pic>
+            <p:nvPicPr>
+              <p:cNvPr id="18" name="Object 17"/>
+              <p:cNvPicPr>
+                <a:picLocks noChangeAspect="1"/>
+              </p:cNvPicPr>
+              <p:nvPr/>
+            </p:nvPicPr>
+            <p:blipFill>
+              <a:blip r:embed="rId10" cstate="print"/>
+              <a:stretch>
+                <a:fillRect/>
+              </a:stretch>
+            </p:blipFill>
+            <p:spPr>
+              <a:xfrm>
+                <a:off x="1429810" y="4062464"/>
+                <a:ext cx="2585507" cy="2260207"/>
+              </a:xfrm>
+              <a:prstGeom prst="rect">
+                <a:avLst/>
+              </a:prstGeom>
+            </p:spPr>
+          </p:pic>
+        </p:grpSp>
+        <p:sp>
+          <p:nvSpPr>
+            <p:cNvPr id="2" name="TextBox 1">
+              <a:extLst>
+                <a:ext uri="{FF2B5EF4-FFF2-40B4-BE49-F238E27FC236}">
+                  <a16:creationId xmlns:a16="http://schemas.microsoft.com/office/drawing/2014/main" id="{94378493-CD53-4E2C-810A-F37DC9995C37}"/>
+                </a:ext>
+              </a:extLst>
+            </p:cNvPr>
+            <p:cNvSpPr txBox="1"/>
+            <p:nvPr/>
+          </p:nvSpPr>
+          <p:spPr>
+            <a:xfrm>
+              <a:off x="1670897" y="4807134"/>
+              <a:ext cx="2103332" cy="738664"/>
+            </a:xfrm>
+            <a:prstGeom prst="rect">
+              <a:avLst/>
+            </a:prstGeom>
+            <a:noFill/>
+          </p:spPr>
+          <p:txBody>
+            <a:bodyPr wrap="none" rtlCol="0">
+              <a:spAutoFit/>
+            </a:bodyPr>
+            <a:lstStyle/>
+            <a:p>
+              <a:pPr algn="ctr"/>
+              <a:r>
+                <a:rPr lang="en-US" altLang="ko-KR" sz="2400" dirty="0">
+                  <a:solidFill>
+                    <a:srgbClr val="22723B"/>
+                  </a:solidFill>
+                  <a:latin typeface="에스코어 드림 4 Regular" panose="020B0503030302020204" pitchFamily="34" charset="-127"/>
+                  <a:ea typeface="에스코어 드림 4 Regular" panose="020B0503030302020204" pitchFamily="34" charset="-127"/>
+                </a:rPr>
+                <a:t>IoT</a:t>
+              </a:r>
+            </a:p>
+            <a:p>
+              <a:pPr algn="ctr"/>
+              <a:r>
+                <a:rPr lang="en-US" altLang="ko-KR" dirty="0">
+                  <a:solidFill>
+                    <a:srgbClr val="22723B"/>
+                  </a:solidFill>
+                  <a:latin typeface="에스코어 드림 4 Regular" panose="020B0503030302020204" pitchFamily="34" charset="-127"/>
+                  <a:ea typeface="에스코어 드림 4 Regular" panose="020B0503030302020204" pitchFamily="34" charset="-127"/>
+                </a:rPr>
+                <a:t>Internet of Things</a:t>
+              </a:r>
+              <a:endParaRPr lang="ko-KR" altLang="en-US" dirty="0">
                 <a:solidFill>
                   <a:srgbClr val="22723B"/>
                 </a:solidFill>
                 <a:latin typeface="에스코어 드림 4 Regular" panose="020B0503030302020204" pitchFamily="34" charset="-127"/>
                 <a:ea typeface="에스코어 드림 4 Regular" panose="020B0503030302020204" pitchFamily="34" charset="-127"/>
-              </a:rPr>
-              <a:t>IoT</a:t>
-            </a:r>
-          </a:p>
-          <a:p>
-            <a:pPr algn="ctr"/>
-            <a:r>
-              <a:rPr lang="en-US" altLang="ko-KR" dirty="0">
-                <a:solidFill>
-                  <a:srgbClr val="22723B"/>
-                </a:solidFill>
-                <a:latin typeface="에스코어 드림 4 Regular" panose="020B0503030302020204" pitchFamily="34" charset="-127"/>
-                <a:ea typeface="에스코어 드림 4 Regular" panose="020B0503030302020204" pitchFamily="34" charset="-127"/>
-              </a:rPr>
-              <a:t>Internet of Things</a:t>
-            </a:r>
-            <a:endParaRPr lang="ko-KR" altLang="en-US" dirty="0">
-              <a:solidFill>
-                <a:srgbClr val="22723B"/>
-              </a:solidFill>
-              <a:latin typeface="에스코어 드림 4 Regular" panose="020B0503030302020204" pitchFamily="34" charset="-127"/>
-              <a:ea typeface="에스코어 드림 4 Regular" panose="020B0503030302020204" pitchFamily="34" charset="-127"/>
-            </a:endParaRPr>
-          </a:p>
-        </p:txBody>
-      </p:sp>
+              </a:endParaRPr>
+            </a:p>
+          </p:txBody>
+        </p:sp>
+      </p:grpSp>
     </p:spTree>
   </p:cSld>
   <p:clrMapOvr>
     <a:masterClrMapping/>
   </p:clrMapOvr>
+  <p:timing>
+    <p:tnLst>
+      <p:par>
+        <p:cTn id="1" dur="indefinite" restart="never" nodeType="tmRoot">
+          <p:childTnLst>
+            <p:seq concurrent="1" nextAc="seek">
+              <p:cTn id="2" dur="indefinite" nodeType="mainSeq">
+                <p:childTnLst>
+                  <p:par>
+                    <p:cTn id="3" fill="hold">
+                      <p:stCondLst>
+                        <p:cond delay="indefinite"/>
+                      </p:stCondLst>
+                      <p:childTnLst>
+                        <p:par>
+                          <p:cTn id="4" fill="hold">
+                            <p:stCondLst>
+                              <p:cond delay="0"/>
+                            </p:stCondLst>
+                            <p:childTnLst>
+                              <p:par>
+                                <p:cTn id="5" presetID="47" presetClass="entr" presetSubtype="0" fill="hold" nodeType="clickEffect">
+                                  <p:stCondLst>
+                                    <p:cond delay="0"/>
+                                  </p:stCondLst>
+                                  <p:childTnLst>
+                                    <p:set>
+                                      <p:cBhvr>
+                                        <p:cTn id="6" dur="1" fill="hold">
+                                          <p:stCondLst>
+                                            <p:cond delay="0"/>
+                                          </p:stCondLst>
+                                        </p:cTn>
+                                        <p:tgtEl>
+                                          <p:spTgt spid="1004"/>
+                                        </p:tgtEl>
+                                        <p:attrNameLst>
+                                          <p:attrName>style.visibility</p:attrName>
+                                        </p:attrNameLst>
+                                      </p:cBhvr>
+                                      <p:to>
+                                        <p:strVal val="visible"/>
+                                      </p:to>
+                                    </p:set>
+                                    <p:animEffect transition="in" filter="fade">
+                                      <p:cBhvr>
+                                        <p:cTn id="7" dur="700"/>
+                                        <p:tgtEl>
+                                          <p:spTgt spid="1004"/>
+                                        </p:tgtEl>
+                                      </p:cBhvr>
+                                    </p:animEffect>
+                                    <p:anim calcmode="lin" valueType="num">
+                                      <p:cBhvr>
+                                        <p:cTn id="8" dur="700" fill="hold"/>
+                                        <p:tgtEl>
+                                          <p:spTgt spid="1004"/>
+                                        </p:tgtEl>
+                                        <p:attrNameLst>
+                                          <p:attrName>ppt_x</p:attrName>
+                                        </p:attrNameLst>
+                                      </p:cBhvr>
+                                      <p:tavLst>
+                                        <p:tav tm="0">
+                                          <p:val>
+                                            <p:strVal val="#ppt_x"/>
+                                          </p:val>
+                                        </p:tav>
+                                        <p:tav tm="100000">
+                                          <p:val>
+                                            <p:strVal val="#ppt_x"/>
+                                          </p:val>
+                                        </p:tav>
+                                      </p:tavLst>
+                                    </p:anim>
+                                    <p:anim calcmode="lin" valueType="num">
+                                      <p:cBhvr>
+                                        <p:cTn id="9" dur="700" fill="hold"/>
+                                        <p:tgtEl>
+                                          <p:spTgt spid="1004"/>
+                                        </p:tgtEl>
+                                        <p:attrNameLst>
+                                          <p:attrName>ppt_y</p:attrName>
+                                        </p:attrNameLst>
+                                      </p:cBhvr>
+                                      <p:tavLst>
+                                        <p:tav tm="0">
+                                          <p:val>
+                                            <p:strVal val="#ppt_y-.1"/>
+                                          </p:val>
+                                        </p:tav>
+                                        <p:tav tm="100000">
+                                          <p:val>
+                                            <p:strVal val="#ppt_y"/>
+                                          </p:val>
+                                        </p:tav>
+                                      </p:tavLst>
+                                    </p:anim>
+                                  </p:childTnLst>
+                                </p:cTn>
+                              </p:par>
+                              <p:par>
+                                <p:cTn id="10" presetID="47" presetClass="entr" presetSubtype="0" fill="hold" nodeType="withEffect">
+                                  <p:stCondLst>
+                                    <p:cond delay="400"/>
+                                  </p:stCondLst>
+                                  <p:childTnLst>
+                                    <p:set>
+                                      <p:cBhvr>
+                                        <p:cTn id="11" dur="1" fill="hold">
+                                          <p:stCondLst>
+                                            <p:cond delay="0"/>
+                                          </p:stCondLst>
+                                        </p:cTn>
+                                        <p:tgtEl>
+                                          <p:spTgt spid="1003"/>
+                                        </p:tgtEl>
+                                        <p:attrNameLst>
+                                          <p:attrName>style.visibility</p:attrName>
+                                        </p:attrNameLst>
+                                      </p:cBhvr>
+                                      <p:to>
+                                        <p:strVal val="visible"/>
+                                      </p:to>
+                                    </p:set>
+                                    <p:animEffect transition="in" filter="fade">
+                                      <p:cBhvr>
+                                        <p:cTn id="12" dur="700"/>
+                                        <p:tgtEl>
+                                          <p:spTgt spid="1003"/>
+                                        </p:tgtEl>
+                                      </p:cBhvr>
+                                    </p:animEffect>
+                                    <p:anim calcmode="lin" valueType="num">
+                                      <p:cBhvr>
+                                        <p:cTn id="13" dur="700" fill="hold"/>
+                                        <p:tgtEl>
+                                          <p:spTgt spid="1003"/>
+                                        </p:tgtEl>
+                                        <p:attrNameLst>
+                                          <p:attrName>ppt_x</p:attrName>
+                                        </p:attrNameLst>
+                                      </p:cBhvr>
+                                      <p:tavLst>
+                                        <p:tav tm="0">
+                                          <p:val>
+                                            <p:strVal val="#ppt_x"/>
+                                          </p:val>
+                                        </p:tav>
+                                        <p:tav tm="100000">
+                                          <p:val>
+                                            <p:strVal val="#ppt_x"/>
+                                          </p:val>
+                                        </p:tav>
+                                      </p:tavLst>
+                                    </p:anim>
+                                    <p:anim calcmode="lin" valueType="num">
+                                      <p:cBhvr>
+                                        <p:cTn id="14" dur="700" fill="hold"/>
+                                        <p:tgtEl>
+                                          <p:spTgt spid="1003"/>
+                                        </p:tgtEl>
+                                        <p:attrNameLst>
+                                          <p:attrName>ppt_y</p:attrName>
+                                        </p:attrNameLst>
+                                      </p:cBhvr>
+                                      <p:tavLst>
+                                        <p:tav tm="0">
+                                          <p:val>
+                                            <p:strVal val="#ppt_y-.1"/>
+                                          </p:val>
+                                        </p:tav>
+                                        <p:tav tm="100000">
+                                          <p:val>
+                                            <p:strVal val="#ppt_y"/>
+                                          </p:val>
+                                        </p:tav>
+                                      </p:tavLst>
+                                    </p:anim>
+                                  </p:childTnLst>
+                                </p:cTn>
+                              </p:par>
+                            </p:childTnLst>
+                          </p:cTn>
+                        </p:par>
+                      </p:childTnLst>
+                    </p:cTn>
+                  </p:par>
+                  <p:par>
+                    <p:cTn id="15" fill="hold">
+                      <p:stCondLst>
+                        <p:cond delay="indefinite"/>
+                      </p:stCondLst>
+                      <p:childTnLst>
+                        <p:par>
+                          <p:cTn id="16" fill="hold">
+                            <p:stCondLst>
+                              <p:cond delay="0"/>
+                            </p:stCondLst>
+                            <p:childTnLst>
+                              <p:par>
+                                <p:cTn id="17" presetID="31" presetClass="entr" presetSubtype="0" fill="hold" nodeType="clickEffect">
+                                  <p:stCondLst>
+                                    <p:cond delay="0"/>
+                                  </p:stCondLst>
+                                  <p:childTnLst>
+                                    <p:set>
+                                      <p:cBhvr>
+                                        <p:cTn id="18" dur="1" fill="hold">
+                                          <p:stCondLst>
+                                            <p:cond delay="0"/>
+                                          </p:stCondLst>
+                                        </p:cTn>
+                                        <p:tgtEl>
+                                          <p:spTgt spid="4"/>
+                                        </p:tgtEl>
+                                        <p:attrNameLst>
+                                          <p:attrName>style.visibility</p:attrName>
+                                        </p:attrNameLst>
+                                      </p:cBhvr>
+                                      <p:to>
+                                        <p:strVal val="visible"/>
+                                      </p:to>
+                                    </p:set>
+                                    <p:anim calcmode="lin" valueType="num">
+                                      <p:cBhvr>
+                                        <p:cTn id="19" dur="800" fill="hold"/>
+                                        <p:tgtEl>
+                                          <p:spTgt spid="4"/>
+                                        </p:tgtEl>
+                                        <p:attrNameLst>
+                                          <p:attrName>ppt_w</p:attrName>
+                                        </p:attrNameLst>
+                                      </p:cBhvr>
+                                      <p:tavLst>
+                                        <p:tav tm="0">
+                                          <p:val>
+                                            <p:fltVal val="0"/>
+                                          </p:val>
+                                        </p:tav>
+                                        <p:tav tm="100000">
+                                          <p:val>
+                                            <p:strVal val="#ppt_w"/>
+                                          </p:val>
+                                        </p:tav>
+                                      </p:tavLst>
+                                    </p:anim>
+                                    <p:anim calcmode="lin" valueType="num">
+                                      <p:cBhvr>
+                                        <p:cTn id="20" dur="800" fill="hold"/>
+                                        <p:tgtEl>
+                                          <p:spTgt spid="4"/>
+                                        </p:tgtEl>
+                                        <p:attrNameLst>
+                                          <p:attrName>ppt_h</p:attrName>
+                                        </p:attrNameLst>
+                                      </p:cBhvr>
+                                      <p:tavLst>
+                                        <p:tav tm="0">
+                                          <p:val>
+                                            <p:fltVal val="0"/>
+                                          </p:val>
+                                        </p:tav>
+                                        <p:tav tm="100000">
+                                          <p:val>
+                                            <p:strVal val="#ppt_h"/>
+                                          </p:val>
+                                        </p:tav>
+                                      </p:tavLst>
+                                    </p:anim>
+                                    <p:anim calcmode="lin" valueType="num">
+                                      <p:cBhvr>
+                                        <p:cTn id="21" dur="800" fill="hold"/>
+                                        <p:tgtEl>
+                                          <p:spTgt spid="4"/>
+                                        </p:tgtEl>
+                                        <p:attrNameLst>
+                                          <p:attrName>style.rotation</p:attrName>
+                                        </p:attrNameLst>
+                                      </p:cBhvr>
+                                      <p:tavLst>
+                                        <p:tav tm="0">
+                                          <p:val>
+                                            <p:fltVal val="90"/>
+                                          </p:val>
+                                        </p:tav>
+                                        <p:tav tm="100000">
+                                          <p:val>
+                                            <p:fltVal val="0"/>
+                                          </p:val>
+                                        </p:tav>
+                                      </p:tavLst>
+                                    </p:anim>
+                                    <p:animEffect transition="in" filter="fade">
+                                      <p:cBhvr>
+                                        <p:cTn id="22" dur="800"/>
+                                        <p:tgtEl>
+                                          <p:spTgt spid="4"/>
+                                        </p:tgtEl>
+                                      </p:cBhvr>
+                                    </p:animEffect>
+                                  </p:childTnLst>
+                                </p:cTn>
+                              </p:par>
+                              <p:par>
+                                <p:cTn id="23" presetID="31" presetClass="entr" presetSubtype="0" fill="hold" nodeType="withEffect">
+                                  <p:stCondLst>
+                                    <p:cond delay="200"/>
+                                  </p:stCondLst>
+                                  <p:childTnLst>
+                                    <p:set>
+                                      <p:cBhvr>
+                                        <p:cTn id="24" dur="1" fill="hold">
+                                          <p:stCondLst>
+                                            <p:cond delay="0"/>
+                                          </p:stCondLst>
+                                        </p:cTn>
+                                        <p:tgtEl>
+                                          <p:spTgt spid="1011"/>
+                                        </p:tgtEl>
+                                        <p:attrNameLst>
+                                          <p:attrName>style.visibility</p:attrName>
+                                        </p:attrNameLst>
+                                      </p:cBhvr>
+                                      <p:to>
+                                        <p:strVal val="visible"/>
+                                      </p:to>
+                                    </p:set>
+                                    <p:anim calcmode="lin" valueType="num">
+                                      <p:cBhvr>
+                                        <p:cTn id="25" dur="800" fill="hold"/>
+                                        <p:tgtEl>
+                                          <p:spTgt spid="1011"/>
+                                        </p:tgtEl>
+                                        <p:attrNameLst>
+                                          <p:attrName>ppt_w</p:attrName>
+                                        </p:attrNameLst>
+                                      </p:cBhvr>
+                                      <p:tavLst>
+                                        <p:tav tm="0">
+                                          <p:val>
+                                            <p:fltVal val="0"/>
+                                          </p:val>
+                                        </p:tav>
+                                        <p:tav tm="100000">
+                                          <p:val>
+                                            <p:strVal val="#ppt_w"/>
+                                          </p:val>
+                                        </p:tav>
+                                      </p:tavLst>
+                                    </p:anim>
+                                    <p:anim calcmode="lin" valueType="num">
+                                      <p:cBhvr>
+                                        <p:cTn id="26" dur="800" fill="hold"/>
+                                        <p:tgtEl>
+                                          <p:spTgt spid="1011"/>
+                                        </p:tgtEl>
+                                        <p:attrNameLst>
+                                          <p:attrName>ppt_h</p:attrName>
+                                        </p:attrNameLst>
+                                      </p:cBhvr>
+                                      <p:tavLst>
+                                        <p:tav tm="0">
+                                          <p:val>
+                                            <p:fltVal val="0"/>
+                                          </p:val>
+                                        </p:tav>
+                                        <p:tav tm="100000">
+                                          <p:val>
+                                            <p:strVal val="#ppt_h"/>
+                                          </p:val>
+                                        </p:tav>
+                                      </p:tavLst>
+                                    </p:anim>
+                                    <p:anim calcmode="lin" valueType="num">
+                                      <p:cBhvr>
+                                        <p:cTn id="27" dur="800" fill="hold"/>
+                                        <p:tgtEl>
+                                          <p:spTgt spid="1011"/>
+                                        </p:tgtEl>
+                                        <p:attrNameLst>
+                                          <p:attrName>style.rotation</p:attrName>
+                                        </p:attrNameLst>
+                                      </p:cBhvr>
+                                      <p:tavLst>
+                                        <p:tav tm="0">
+                                          <p:val>
+                                            <p:fltVal val="90"/>
+                                          </p:val>
+                                        </p:tav>
+                                        <p:tav tm="100000">
+                                          <p:val>
+                                            <p:fltVal val="0"/>
+                                          </p:val>
+                                        </p:tav>
+                                      </p:tavLst>
+                                    </p:anim>
+                                    <p:animEffect transition="in" filter="fade">
+                                      <p:cBhvr>
+                                        <p:cTn id="28" dur="800"/>
+                                        <p:tgtEl>
+                                          <p:spTgt spid="1011"/>
+                                        </p:tgtEl>
+                                      </p:cBhvr>
+                                    </p:animEffect>
+                                  </p:childTnLst>
+                                </p:cTn>
+                              </p:par>
+                              <p:par>
+                                <p:cTn id="29" presetID="31" presetClass="entr" presetSubtype="0" fill="hold" nodeType="withEffect">
+                                  <p:stCondLst>
+                                    <p:cond delay="400"/>
+                                  </p:stCondLst>
+                                  <p:childTnLst>
+                                    <p:set>
+                                      <p:cBhvr>
+                                        <p:cTn id="30" dur="1" fill="hold">
+                                          <p:stCondLst>
+                                            <p:cond delay="0"/>
+                                          </p:stCondLst>
+                                        </p:cTn>
+                                        <p:tgtEl>
+                                          <p:spTgt spid="1013"/>
+                                        </p:tgtEl>
+                                        <p:attrNameLst>
+                                          <p:attrName>style.visibility</p:attrName>
+                                        </p:attrNameLst>
+                                      </p:cBhvr>
+                                      <p:to>
+                                        <p:strVal val="visible"/>
+                                      </p:to>
+                                    </p:set>
+                                    <p:anim calcmode="lin" valueType="num">
+                                      <p:cBhvr>
+                                        <p:cTn id="31" dur="800" fill="hold"/>
+                                        <p:tgtEl>
+                                          <p:spTgt spid="1013"/>
+                                        </p:tgtEl>
+                                        <p:attrNameLst>
+                                          <p:attrName>ppt_w</p:attrName>
+                                        </p:attrNameLst>
+                                      </p:cBhvr>
+                                      <p:tavLst>
+                                        <p:tav tm="0">
+                                          <p:val>
+                                            <p:fltVal val="0"/>
+                                          </p:val>
+                                        </p:tav>
+                                        <p:tav tm="100000">
+                                          <p:val>
+                                            <p:strVal val="#ppt_w"/>
+                                          </p:val>
+                                        </p:tav>
+                                      </p:tavLst>
+                                    </p:anim>
+                                    <p:anim calcmode="lin" valueType="num">
+                                      <p:cBhvr>
+                                        <p:cTn id="32" dur="800" fill="hold"/>
+                                        <p:tgtEl>
+                                          <p:spTgt spid="1013"/>
+                                        </p:tgtEl>
+                                        <p:attrNameLst>
+                                          <p:attrName>ppt_h</p:attrName>
+                                        </p:attrNameLst>
+                                      </p:cBhvr>
+                                      <p:tavLst>
+                                        <p:tav tm="0">
+                                          <p:val>
+                                            <p:fltVal val="0"/>
+                                          </p:val>
+                                        </p:tav>
+                                        <p:tav tm="100000">
+                                          <p:val>
+                                            <p:strVal val="#ppt_h"/>
+                                          </p:val>
+                                        </p:tav>
+                                      </p:tavLst>
+                                    </p:anim>
+                                    <p:anim calcmode="lin" valueType="num">
+                                      <p:cBhvr>
+                                        <p:cTn id="33" dur="800" fill="hold"/>
+                                        <p:tgtEl>
+                                          <p:spTgt spid="1013"/>
+                                        </p:tgtEl>
+                                        <p:attrNameLst>
+                                          <p:attrName>style.rotation</p:attrName>
+                                        </p:attrNameLst>
+                                      </p:cBhvr>
+                                      <p:tavLst>
+                                        <p:tav tm="0">
+                                          <p:val>
+                                            <p:fltVal val="90"/>
+                                          </p:val>
+                                        </p:tav>
+                                        <p:tav tm="100000">
+                                          <p:val>
+                                            <p:fltVal val="0"/>
+                                          </p:val>
+                                        </p:tav>
+                                      </p:tavLst>
+                                    </p:anim>
+                                    <p:animEffect transition="in" filter="fade">
+                                      <p:cBhvr>
+                                        <p:cTn id="34" dur="800"/>
+                                        <p:tgtEl>
+                                          <p:spTgt spid="1013"/>
+                                        </p:tgtEl>
+                                      </p:cBhvr>
+                                    </p:animEffect>
+                                  </p:childTnLst>
+                                </p:cTn>
+                              </p:par>
+                              <p:par>
+                                <p:cTn id="35" presetID="31" presetClass="entr" presetSubtype="0" fill="hold" nodeType="withEffect">
+                                  <p:stCondLst>
+                                    <p:cond delay="600"/>
+                                  </p:stCondLst>
+                                  <p:childTnLst>
+                                    <p:set>
+                                      <p:cBhvr>
+                                        <p:cTn id="36" dur="1" fill="hold">
+                                          <p:stCondLst>
+                                            <p:cond delay="0"/>
+                                          </p:stCondLst>
+                                        </p:cTn>
+                                        <p:tgtEl>
+                                          <p:spTgt spid="1007"/>
+                                        </p:tgtEl>
+                                        <p:attrNameLst>
+                                          <p:attrName>style.visibility</p:attrName>
+                                        </p:attrNameLst>
+                                      </p:cBhvr>
+                                      <p:to>
+                                        <p:strVal val="visible"/>
+                                      </p:to>
+                                    </p:set>
+                                    <p:anim calcmode="lin" valueType="num">
+                                      <p:cBhvr>
+                                        <p:cTn id="37" dur="800" fill="hold"/>
+                                        <p:tgtEl>
+                                          <p:spTgt spid="1007"/>
+                                        </p:tgtEl>
+                                        <p:attrNameLst>
+                                          <p:attrName>ppt_w</p:attrName>
+                                        </p:attrNameLst>
+                                      </p:cBhvr>
+                                      <p:tavLst>
+                                        <p:tav tm="0">
+                                          <p:val>
+                                            <p:fltVal val="0"/>
+                                          </p:val>
+                                        </p:tav>
+                                        <p:tav tm="100000">
+                                          <p:val>
+                                            <p:strVal val="#ppt_w"/>
+                                          </p:val>
+                                        </p:tav>
+                                      </p:tavLst>
+                                    </p:anim>
+                                    <p:anim calcmode="lin" valueType="num">
+                                      <p:cBhvr>
+                                        <p:cTn id="38" dur="800" fill="hold"/>
+                                        <p:tgtEl>
+                                          <p:spTgt spid="1007"/>
+                                        </p:tgtEl>
+                                        <p:attrNameLst>
+                                          <p:attrName>ppt_h</p:attrName>
+                                        </p:attrNameLst>
+                                      </p:cBhvr>
+                                      <p:tavLst>
+                                        <p:tav tm="0">
+                                          <p:val>
+                                            <p:fltVal val="0"/>
+                                          </p:val>
+                                        </p:tav>
+                                        <p:tav tm="100000">
+                                          <p:val>
+                                            <p:strVal val="#ppt_h"/>
+                                          </p:val>
+                                        </p:tav>
+                                      </p:tavLst>
+                                    </p:anim>
+                                    <p:anim calcmode="lin" valueType="num">
+                                      <p:cBhvr>
+                                        <p:cTn id="39" dur="800" fill="hold"/>
+                                        <p:tgtEl>
+                                          <p:spTgt spid="1007"/>
+                                        </p:tgtEl>
+                                        <p:attrNameLst>
+                                          <p:attrName>style.rotation</p:attrName>
+                                        </p:attrNameLst>
+                                      </p:cBhvr>
+                                      <p:tavLst>
+                                        <p:tav tm="0">
+                                          <p:val>
+                                            <p:fltVal val="90"/>
+                                          </p:val>
+                                        </p:tav>
+                                        <p:tav tm="100000">
+                                          <p:val>
+                                            <p:fltVal val="0"/>
+                                          </p:val>
+                                        </p:tav>
+                                      </p:tavLst>
+                                    </p:anim>
+                                    <p:animEffect transition="in" filter="fade">
+                                      <p:cBhvr>
+                                        <p:cTn id="40" dur="800"/>
+                                        <p:tgtEl>
+                                          <p:spTgt spid="1007"/>
+                                        </p:tgtEl>
+                                      </p:cBhvr>
+                                    </p:animEffect>
+                                  </p:childTnLst>
+                                </p:cTn>
+                              </p:par>
+                              <p:par>
+                                <p:cTn id="41" presetID="31" presetClass="entr" presetSubtype="0" fill="hold" nodeType="withEffect">
+                                  <p:stCondLst>
+                                    <p:cond delay="800"/>
+                                  </p:stCondLst>
+                                  <p:childTnLst>
+                                    <p:set>
+                                      <p:cBhvr>
+                                        <p:cTn id="42" dur="1" fill="hold">
+                                          <p:stCondLst>
+                                            <p:cond delay="0"/>
+                                          </p:stCondLst>
+                                        </p:cTn>
+                                        <p:tgtEl>
+                                          <p:spTgt spid="1009"/>
+                                        </p:tgtEl>
+                                        <p:attrNameLst>
+                                          <p:attrName>style.visibility</p:attrName>
+                                        </p:attrNameLst>
+                                      </p:cBhvr>
+                                      <p:to>
+                                        <p:strVal val="visible"/>
+                                      </p:to>
+                                    </p:set>
+                                    <p:anim calcmode="lin" valueType="num">
+                                      <p:cBhvr>
+                                        <p:cTn id="43" dur="800" fill="hold"/>
+                                        <p:tgtEl>
+                                          <p:spTgt spid="1009"/>
+                                        </p:tgtEl>
+                                        <p:attrNameLst>
+                                          <p:attrName>ppt_w</p:attrName>
+                                        </p:attrNameLst>
+                                      </p:cBhvr>
+                                      <p:tavLst>
+                                        <p:tav tm="0">
+                                          <p:val>
+                                            <p:fltVal val="0"/>
+                                          </p:val>
+                                        </p:tav>
+                                        <p:tav tm="100000">
+                                          <p:val>
+                                            <p:strVal val="#ppt_w"/>
+                                          </p:val>
+                                        </p:tav>
+                                      </p:tavLst>
+                                    </p:anim>
+                                    <p:anim calcmode="lin" valueType="num">
+                                      <p:cBhvr>
+                                        <p:cTn id="44" dur="800" fill="hold"/>
+                                        <p:tgtEl>
+                                          <p:spTgt spid="1009"/>
+                                        </p:tgtEl>
+                                        <p:attrNameLst>
+                                          <p:attrName>ppt_h</p:attrName>
+                                        </p:attrNameLst>
+                                      </p:cBhvr>
+                                      <p:tavLst>
+                                        <p:tav tm="0">
+                                          <p:val>
+                                            <p:fltVal val="0"/>
+                                          </p:val>
+                                        </p:tav>
+                                        <p:tav tm="100000">
+                                          <p:val>
+                                            <p:strVal val="#ppt_h"/>
+                                          </p:val>
+                                        </p:tav>
+                                      </p:tavLst>
+                                    </p:anim>
+                                    <p:anim calcmode="lin" valueType="num">
+                                      <p:cBhvr>
+                                        <p:cTn id="45" dur="800" fill="hold"/>
+                                        <p:tgtEl>
+                                          <p:spTgt spid="1009"/>
+                                        </p:tgtEl>
+                                        <p:attrNameLst>
+                                          <p:attrName>style.rotation</p:attrName>
+                                        </p:attrNameLst>
+                                      </p:cBhvr>
+                                      <p:tavLst>
+                                        <p:tav tm="0">
+                                          <p:val>
+                                            <p:fltVal val="90"/>
+                                          </p:val>
+                                        </p:tav>
+                                        <p:tav tm="100000">
+                                          <p:val>
+                                            <p:fltVal val="0"/>
+                                          </p:val>
+                                        </p:tav>
+                                      </p:tavLst>
+                                    </p:anim>
+                                    <p:animEffect transition="in" filter="fade">
+                                      <p:cBhvr>
+                                        <p:cTn id="46" dur="800"/>
+                                        <p:tgtEl>
+                                          <p:spTgt spid="1009"/>
+                                        </p:tgtEl>
+                                      </p:cBhvr>
+                                    </p:animEffect>
+                                  </p:childTnLst>
+                                </p:cTn>
+                              </p:par>
+                              <p:par>
+                                <p:cTn id="47" presetID="31" presetClass="entr" presetSubtype="0" fill="hold" nodeType="withEffect">
+                                  <p:stCondLst>
+                                    <p:cond delay="1000"/>
+                                  </p:stCondLst>
+                                  <p:childTnLst>
+                                    <p:set>
+                                      <p:cBhvr>
+                                        <p:cTn id="48" dur="1" fill="hold">
+                                          <p:stCondLst>
+                                            <p:cond delay="0"/>
+                                          </p:stCondLst>
+                                        </p:cTn>
+                                        <p:tgtEl>
+                                          <p:spTgt spid="1015"/>
+                                        </p:tgtEl>
+                                        <p:attrNameLst>
+                                          <p:attrName>style.visibility</p:attrName>
+                                        </p:attrNameLst>
+                                      </p:cBhvr>
+                                      <p:to>
+                                        <p:strVal val="visible"/>
+                                      </p:to>
+                                    </p:set>
+                                    <p:anim calcmode="lin" valueType="num">
+                                      <p:cBhvr>
+                                        <p:cTn id="49" dur="800" fill="hold"/>
+                                        <p:tgtEl>
+                                          <p:spTgt spid="1015"/>
+                                        </p:tgtEl>
+                                        <p:attrNameLst>
+                                          <p:attrName>ppt_w</p:attrName>
+                                        </p:attrNameLst>
+                                      </p:cBhvr>
+                                      <p:tavLst>
+                                        <p:tav tm="0">
+                                          <p:val>
+                                            <p:fltVal val="0"/>
+                                          </p:val>
+                                        </p:tav>
+                                        <p:tav tm="100000">
+                                          <p:val>
+                                            <p:strVal val="#ppt_w"/>
+                                          </p:val>
+                                        </p:tav>
+                                      </p:tavLst>
+                                    </p:anim>
+                                    <p:anim calcmode="lin" valueType="num">
+                                      <p:cBhvr>
+                                        <p:cTn id="50" dur="800" fill="hold"/>
+                                        <p:tgtEl>
+                                          <p:spTgt spid="1015"/>
+                                        </p:tgtEl>
+                                        <p:attrNameLst>
+                                          <p:attrName>ppt_h</p:attrName>
+                                        </p:attrNameLst>
+                                      </p:cBhvr>
+                                      <p:tavLst>
+                                        <p:tav tm="0">
+                                          <p:val>
+                                            <p:fltVal val="0"/>
+                                          </p:val>
+                                        </p:tav>
+                                        <p:tav tm="100000">
+                                          <p:val>
+                                            <p:strVal val="#ppt_h"/>
+                                          </p:val>
+                                        </p:tav>
+                                      </p:tavLst>
+                                    </p:anim>
+                                    <p:anim calcmode="lin" valueType="num">
+                                      <p:cBhvr>
+                                        <p:cTn id="51" dur="800" fill="hold"/>
+                                        <p:tgtEl>
+                                          <p:spTgt spid="1015"/>
+                                        </p:tgtEl>
+                                        <p:attrNameLst>
+                                          <p:attrName>style.rotation</p:attrName>
+                                        </p:attrNameLst>
+                                      </p:cBhvr>
+                                      <p:tavLst>
+                                        <p:tav tm="0">
+                                          <p:val>
+                                            <p:fltVal val="90"/>
+                                          </p:val>
+                                        </p:tav>
+                                        <p:tav tm="100000">
+                                          <p:val>
+                                            <p:fltVal val="0"/>
+                                          </p:val>
+                                        </p:tav>
+                                      </p:tavLst>
+                                    </p:anim>
+                                    <p:animEffect transition="in" filter="fade">
+                                      <p:cBhvr>
+                                        <p:cTn id="52" dur="800"/>
+                                        <p:tgtEl>
+                                          <p:spTgt spid="1015"/>
+                                        </p:tgtEl>
+                                      </p:cBhvr>
+                                    </p:animEffect>
+                                  </p:childTnLst>
+                                </p:cTn>
+                              </p:par>
+                            </p:childTnLst>
+                          </p:cTn>
+                        </p:par>
+                        <p:par>
+                          <p:cTn id="53" fill="hold">
+                            <p:stCondLst>
+                              <p:cond delay="1800"/>
+                            </p:stCondLst>
+                            <p:childTnLst>
+                              <p:par>
+                                <p:cTn id="54" presetID="2" presetClass="entr" presetSubtype="2" accel="42000" decel="58000" fill="hold" nodeType="afterEffect">
+                                  <p:stCondLst>
+                                    <p:cond delay="0"/>
+                                  </p:stCondLst>
+                                  <p:childTnLst>
+                                    <p:set>
+                                      <p:cBhvr>
+                                        <p:cTn id="55" dur="1" fill="hold">
+                                          <p:stCondLst>
+                                            <p:cond delay="0"/>
+                                          </p:stCondLst>
+                                        </p:cTn>
+                                        <p:tgtEl>
+                                          <p:spTgt spid="7"/>
+                                        </p:tgtEl>
+                                        <p:attrNameLst>
+                                          <p:attrName>style.visibility</p:attrName>
+                                        </p:attrNameLst>
+                                      </p:cBhvr>
+                                      <p:to>
+                                        <p:strVal val="visible"/>
+                                      </p:to>
+                                    </p:set>
+                                    <p:anim calcmode="lin" valueType="num">
+                                      <p:cBhvr additive="base">
+                                        <p:cTn id="56" dur="1000" fill="hold"/>
+                                        <p:tgtEl>
+                                          <p:spTgt spid="7"/>
+                                        </p:tgtEl>
+                                        <p:attrNameLst>
+                                          <p:attrName>ppt_x</p:attrName>
+                                        </p:attrNameLst>
+                                      </p:cBhvr>
+                                      <p:tavLst>
+                                        <p:tav tm="0">
+                                          <p:val>
+                                            <p:strVal val="1+#ppt_w/2"/>
+                                          </p:val>
+                                        </p:tav>
+                                        <p:tav tm="100000">
+                                          <p:val>
+                                            <p:strVal val="#ppt_x"/>
+                                          </p:val>
+                                        </p:tav>
+                                      </p:tavLst>
+                                    </p:anim>
+                                    <p:anim calcmode="lin" valueType="num">
+                                      <p:cBhvr additive="base">
+                                        <p:cTn id="57" dur="1000" fill="hold"/>
+                                        <p:tgtEl>
+                                          <p:spTgt spid="7"/>
+                                        </p:tgtEl>
+                                        <p:attrNameLst>
+                                          <p:attrName>ppt_y</p:attrName>
+                                        </p:attrNameLst>
+                                      </p:cBhvr>
+                                      <p:tavLst>
+                                        <p:tav tm="0">
+                                          <p:val>
+                                            <p:strVal val="#ppt_y"/>
+                                          </p:val>
+                                        </p:tav>
+                                        <p:tav tm="100000">
+                                          <p:val>
+                                            <p:strVal val="#ppt_y"/>
+                                          </p:val>
+                                        </p:tav>
+                                      </p:tavLst>
+                                    </p:anim>
+                                  </p:childTnLst>
+                                </p:cTn>
+                              </p:par>
+                            </p:childTnLst>
+                          </p:cTn>
+                        </p:par>
+                      </p:childTnLst>
+                    </p:cTn>
+                  </p:par>
+                </p:childTnLst>
+              </p:cTn>
+              <p:prevCondLst>
+                <p:cond evt="onPrev" delay="0">
+                  <p:tgtEl>
+                    <p:sldTgt/>
+                  </p:tgtEl>
+                </p:cond>
+              </p:prevCondLst>
+              <p:nextCondLst>
+                <p:cond evt="onNext" delay="0">
+                  <p:tgtEl>
+                    <p:sldTgt/>
+                  </p:tgtEl>
+                </p:cond>
+              </p:nextCondLst>
+            </p:seq>
+          </p:childTnLst>
+        </p:cTn>
+      </p:par>
+    </p:tnLst>
+  </p:timing>
 </p:sld>
 </file>
 
@@ -5170,36 +6734,81 @@
       </p:grpSp>
       <p:grpSp>
         <p:nvGrpSpPr>
-          <p:cNvPr id="1002" name="그룹 1002"/>
+          <p:cNvPr id="3" name="그룹 2">
+            <a:extLst>
+              <a:ext uri="{FF2B5EF4-FFF2-40B4-BE49-F238E27FC236}">
+                <a16:creationId xmlns:a16="http://schemas.microsoft.com/office/drawing/2014/main" id="{16ED2889-2E2F-4B35-84DD-96A9C0FEEE78}"/>
+              </a:ext>
+            </a:extLst>
+          </p:cNvPr>
           <p:cNvGrpSpPr/>
           <p:nvPr/>
         </p:nvGrpSpPr>
         <p:grpSpPr>
           <a:xfrm>
             <a:off x="1483265" y="2537056"/>
-            <a:ext cx="5566657" cy="5378469"/>
+            <a:ext cx="5566657" cy="6341411"/>
             <a:chOff x="1483265" y="2537056"/>
-            <a:chExt cx="5566657" cy="5378469"/>
+            <a:chExt cx="5566657" cy="6341411"/>
           </a:xfrm>
         </p:grpSpPr>
+        <p:grpSp>
+          <p:nvGrpSpPr>
+            <p:cNvPr id="1002" name="그룹 1002"/>
+            <p:cNvGrpSpPr/>
+            <p:nvPr/>
+          </p:nvGrpSpPr>
+          <p:grpSpPr>
+            <a:xfrm>
+              <a:off x="1483265" y="2537056"/>
+              <a:ext cx="5566657" cy="5378469"/>
+              <a:chOff x="1483265" y="2537056"/>
+              <a:chExt cx="5566657" cy="5378469"/>
+            </a:xfrm>
+          </p:grpSpPr>
+          <p:pic>
+            <p:nvPicPr>
+              <p:cNvPr id="7" name="Object 6"/>
+              <p:cNvPicPr>
+                <a:picLocks noChangeAspect="1"/>
+              </p:cNvPicPr>
+              <p:nvPr/>
+            </p:nvPicPr>
+            <p:blipFill>
+              <a:blip r:embed="rId4" cstate="print"/>
+              <a:stretch>
+                <a:fillRect/>
+              </a:stretch>
+            </p:blipFill>
+            <p:spPr>
+              <a:xfrm>
+                <a:off x="1483265" y="2537056"/>
+                <a:ext cx="5566657" cy="5378469"/>
+              </a:xfrm>
+              <a:prstGeom prst="rect">
+                <a:avLst/>
+              </a:prstGeom>
+            </p:spPr>
+          </p:pic>
+        </p:grpSp>
         <p:pic>
           <p:nvPicPr>
-            <p:cNvPr id="7" name="Object 6"/>
+            <p:cNvPr id="9" name="Object 8"/>
             <p:cNvPicPr>
               <a:picLocks noChangeAspect="1"/>
             </p:cNvPicPr>
             <p:nvPr/>
           </p:nvPicPr>
           <p:blipFill>
-            <a:blip r:embed="rId4" cstate="print"/>
+            <a:blip r:embed="rId5" cstate="print"/>
             <a:stretch>
               <a:fillRect/>
             </a:stretch>
           </p:blipFill>
           <p:spPr>
             <a:xfrm>
-              <a:off x="1483265" y="2537056"/>
-              <a:ext cx="5566657" cy="5378469"/>
+              <a:off x="2242115" y="8154639"/>
+              <a:ext cx="3308293" cy="723828"/>
             </a:xfrm>
             <a:prstGeom prst="rect">
               <a:avLst/>
@@ -5207,33 +6816,15 @@
           </p:spPr>
         </p:pic>
       </p:grpSp>
-      <p:pic>
-        <p:nvPicPr>
-          <p:cNvPr id="9" name="Object 8"/>
-          <p:cNvPicPr>
-            <a:picLocks noChangeAspect="1"/>
-          </p:cNvPicPr>
-          <p:nvPr/>
-        </p:nvPicPr>
-        <p:blipFill>
-          <a:blip r:embed="rId5" cstate="print"/>
-          <a:stretch>
-            <a:fillRect/>
-          </a:stretch>
-        </p:blipFill>
-        <p:spPr>
-          <a:xfrm>
-            <a:off x="2242115" y="8154639"/>
-            <a:ext cx="3308293" cy="723828"/>
-          </a:xfrm>
-          <a:prstGeom prst="rect">
-            <a:avLst/>
-          </a:prstGeom>
-        </p:spPr>
-      </p:pic>
       <p:grpSp>
         <p:nvGrpSpPr>
-          <p:cNvPr id="1003" name="그룹 1003"/>
+          <p:cNvPr id="5" name="그룹 4">
+            <a:extLst>
+              <a:ext uri="{FF2B5EF4-FFF2-40B4-BE49-F238E27FC236}">
+                <a16:creationId xmlns:a16="http://schemas.microsoft.com/office/drawing/2014/main" id="{40737393-51DC-4452-91B6-3A94ED233809}"/>
+              </a:ext>
+            </a:extLst>
+          </p:cNvPr>
           <p:cNvGrpSpPr/>
           <p:nvPr/>
         </p:nvGrpSpPr>
@@ -5245,48 +6836,48 @@
             <a:chExt cx="8461157" cy="2241509"/>
           </a:xfrm>
         </p:grpSpPr>
-        <p:pic>
-          <p:nvPicPr>
-            <p:cNvPr id="11" name="Object 10"/>
-            <p:cNvPicPr>
-              <a:picLocks noChangeAspect="1"/>
-            </p:cNvPicPr>
+        <p:grpSp>
+          <p:nvGrpSpPr>
+            <p:cNvPr id="1003" name="그룹 1003"/>
+            <p:cNvGrpSpPr/>
             <p:nvPr/>
-          </p:nvPicPr>
-          <p:blipFill>
-            <a:blip r:embed="rId6" cstate="print"/>
-            <a:stretch>
-              <a:fillRect/>
-            </a:stretch>
-          </p:blipFill>
-          <p:spPr>
+          </p:nvGrpSpPr>
+          <p:grpSpPr>
             <a:xfrm>
               <a:off x="8586919" y="2896011"/>
               <a:ext cx="8461157" cy="2241509"/>
+              <a:chOff x="8586919" y="2896011"/>
+              <a:chExt cx="8461157" cy="2241509"/>
             </a:xfrm>
-            <a:prstGeom prst="rect">
-              <a:avLst/>
-            </a:prstGeom>
-          </p:spPr>
-        </p:pic>
-      </p:grpSp>
-      <p:grpSp>
-        <p:nvGrpSpPr>
-          <p:cNvPr id="1004" name="그룹 1004"/>
-          <p:cNvGrpSpPr/>
-          <p:nvPr/>
-        </p:nvGrpSpPr>
-        <p:grpSpPr>
-          <a:xfrm>
-            <a:off x="8614107" y="5293109"/>
-            <a:ext cx="8461157" cy="2263460"/>
-            <a:chOff x="8614107" y="5293109"/>
-            <a:chExt cx="8461157" cy="2263460"/>
-          </a:xfrm>
-        </p:grpSpPr>
+          </p:grpSpPr>
+          <p:pic>
+            <p:nvPicPr>
+              <p:cNvPr id="11" name="Object 10"/>
+              <p:cNvPicPr>
+                <a:picLocks noChangeAspect="1"/>
+              </p:cNvPicPr>
+              <p:nvPr/>
+            </p:nvPicPr>
+            <p:blipFill>
+              <a:blip r:embed="rId6" cstate="print"/>
+              <a:stretch>
+                <a:fillRect/>
+              </a:stretch>
+            </p:blipFill>
+            <p:spPr>
+              <a:xfrm>
+                <a:off x="8586919" y="2896011"/>
+                <a:ext cx="8461157" cy="2241509"/>
+              </a:xfrm>
+              <a:prstGeom prst="rect">
+                <a:avLst/>
+              </a:prstGeom>
+            </p:spPr>
+          </p:pic>
+        </p:grpSp>
         <p:pic>
           <p:nvPicPr>
-            <p:cNvPr id="14" name="Object 13"/>
+            <p:cNvPr id="16" name="Object 15"/>
             <p:cNvPicPr>
               <a:picLocks noChangeAspect="1"/>
             </p:cNvPicPr>
@@ -5299,9 +6890,33 @@
             </a:stretch>
           </p:blipFill>
           <p:spPr>
-            <a:xfrm rot="-10800000">
-              <a:off x="8614107" y="5293109"/>
-              <a:ext cx="8461157" cy="2263460"/>
+            <a:xfrm>
+              <a:off x="9104763" y="3778165"/>
+              <a:ext cx="7538589" cy="1161873"/>
+            </a:xfrm>
+            <a:prstGeom prst="rect">
+              <a:avLst/>
+            </a:prstGeom>
+          </p:spPr>
+        </p:pic>
+        <p:pic>
+          <p:nvPicPr>
+            <p:cNvPr id="17" name="Object 16"/>
+            <p:cNvPicPr>
+              <a:picLocks noChangeAspect="1"/>
+            </p:cNvPicPr>
+            <p:nvPr/>
+          </p:nvPicPr>
+          <p:blipFill>
+            <a:blip r:embed="rId8" cstate="print"/>
+            <a:stretch>
+              <a:fillRect/>
+            </a:stretch>
+          </p:blipFill>
+          <p:spPr>
+            <a:xfrm>
+              <a:off x="9049163" y="3140813"/>
+              <a:ext cx="4210180" cy="723791"/>
             </a:xfrm>
             <a:prstGeom prst="rect">
               <a:avLst/>
@@ -5309,107 +6924,403 @@
           </p:spPr>
         </p:pic>
       </p:grpSp>
-      <p:pic>
-        <p:nvPicPr>
-          <p:cNvPr id="16" name="Object 15"/>
-          <p:cNvPicPr>
-            <a:picLocks noChangeAspect="1"/>
-          </p:cNvPicPr>
+      <p:grpSp>
+        <p:nvGrpSpPr>
+          <p:cNvPr id="6" name="그룹 5">
+            <a:extLst>
+              <a:ext uri="{FF2B5EF4-FFF2-40B4-BE49-F238E27FC236}">
+                <a16:creationId xmlns:a16="http://schemas.microsoft.com/office/drawing/2014/main" id="{F8B2B469-3942-4CDF-8643-35D0C0081B5E}"/>
+              </a:ext>
+            </a:extLst>
+          </p:cNvPr>
+          <p:cNvGrpSpPr/>
           <p:nvPr/>
-        </p:nvPicPr>
-        <p:blipFill>
-          <a:blip r:embed="rId8" cstate="print"/>
-          <a:stretch>
-            <a:fillRect/>
-          </a:stretch>
-        </p:blipFill>
-        <p:spPr>
+        </p:nvGrpSpPr>
+        <p:grpSpPr>
           <a:xfrm>
-            <a:off x="9104763" y="3778165"/>
-            <a:ext cx="7538589" cy="1161873"/>
+            <a:off x="8614107" y="5293109"/>
+            <a:ext cx="8461157" cy="2263460"/>
+            <a:chOff x="8614107" y="5293109"/>
+            <a:chExt cx="8461157" cy="2263460"/>
           </a:xfrm>
-          <a:prstGeom prst="rect">
-            <a:avLst/>
-          </a:prstGeom>
-        </p:spPr>
-      </p:pic>
-      <p:pic>
-        <p:nvPicPr>
-          <p:cNvPr id="17" name="Object 16"/>
-          <p:cNvPicPr>
-            <a:picLocks noChangeAspect="1"/>
-          </p:cNvPicPr>
-          <p:nvPr/>
-        </p:nvPicPr>
-        <p:blipFill>
-          <a:blip r:embed="rId9" cstate="print"/>
-          <a:stretch>
-            <a:fillRect/>
-          </a:stretch>
-        </p:blipFill>
-        <p:spPr>
-          <a:xfrm>
-            <a:off x="9049163" y="3140813"/>
-            <a:ext cx="4210180" cy="723791"/>
-          </a:xfrm>
-          <a:prstGeom prst="rect">
-            <a:avLst/>
-          </a:prstGeom>
-        </p:spPr>
-      </p:pic>
-      <p:pic>
-        <p:nvPicPr>
-          <p:cNvPr id="18" name="Object 17"/>
-          <p:cNvPicPr>
-            <a:picLocks noChangeAspect="1"/>
-          </p:cNvPicPr>
-          <p:nvPr/>
-        </p:nvPicPr>
-        <p:blipFill>
-          <a:blip r:embed="rId10" cstate="print"/>
-          <a:stretch>
-            <a:fillRect/>
-          </a:stretch>
-        </p:blipFill>
-        <p:spPr>
-          <a:xfrm>
-            <a:off x="9123811" y="5592880"/>
-            <a:ext cx="4235322" cy="723791"/>
-          </a:xfrm>
-          <a:prstGeom prst="rect">
-            <a:avLst/>
-          </a:prstGeom>
-        </p:spPr>
-      </p:pic>
-      <p:pic>
-        <p:nvPicPr>
-          <p:cNvPr id="19" name="Object 18"/>
-          <p:cNvPicPr>
-            <a:picLocks noChangeAspect="1"/>
-          </p:cNvPicPr>
-          <p:nvPr/>
-        </p:nvPicPr>
-        <p:blipFill>
-          <a:blip r:embed="rId11" cstate="print"/>
-          <a:stretch>
-            <a:fillRect/>
-          </a:stretch>
-        </p:blipFill>
-        <p:spPr>
-          <a:xfrm>
-            <a:off x="9068211" y="6139622"/>
-            <a:ext cx="7504304" cy="1161873"/>
-          </a:xfrm>
-          <a:prstGeom prst="rect">
-            <a:avLst/>
-          </a:prstGeom>
-        </p:spPr>
-      </p:pic>
+        </p:grpSpPr>
+        <p:grpSp>
+          <p:nvGrpSpPr>
+            <p:cNvPr id="1004" name="그룹 1004"/>
+            <p:cNvGrpSpPr/>
+            <p:nvPr/>
+          </p:nvGrpSpPr>
+          <p:grpSpPr>
+            <a:xfrm>
+              <a:off x="8614107" y="5293109"/>
+              <a:ext cx="8461157" cy="2263460"/>
+              <a:chOff x="8614107" y="5293109"/>
+              <a:chExt cx="8461157" cy="2263460"/>
+            </a:xfrm>
+          </p:grpSpPr>
+          <p:pic>
+            <p:nvPicPr>
+              <p:cNvPr id="14" name="Object 13"/>
+              <p:cNvPicPr>
+                <a:picLocks noChangeAspect="1"/>
+              </p:cNvPicPr>
+              <p:nvPr/>
+            </p:nvPicPr>
+            <p:blipFill>
+              <a:blip r:embed="rId9" cstate="print"/>
+              <a:stretch>
+                <a:fillRect/>
+              </a:stretch>
+            </p:blipFill>
+            <p:spPr>
+              <a:xfrm rot="-10800000">
+                <a:off x="8614107" y="5293109"/>
+                <a:ext cx="8461157" cy="2263460"/>
+              </a:xfrm>
+              <a:prstGeom prst="rect">
+                <a:avLst/>
+              </a:prstGeom>
+            </p:spPr>
+          </p:pic>
+        </p:grpSp>
+        <p:pic>
+          <p:nvPicPr>
+            <p:cNvPr id="18" name="Object 17"/>
+            <p:cNvPicPr>
+              <a:picLocks noChangeAspect="1"/>
+            </p:cNvPicPr>
+            <p:nvPr/>
+          </p:nvPicPr>
+          <p:blipFill>
+            <a:blip r:embed="rId10" cstate="print"/>
+            <a:stretch>
+              <a:fillRect/>
+            </a:stretch>
+          </p:blipFill>
+          <p:spPr>
+            <a:xfrm>
+              <a:off x="9123811" y="5592880"/>
+              <a:ext cx="4235322" cy="723791"/>
+            </a:xfrm>
+            <a:prstGeom prst="rect">
+              <a:avLst/>
+            </a:prstGeom>
+          </p:spPr>
+        </p:pic>
+        <p:pic>
+          <p:nvPicPr>
+            <p:cNvPr id="19" name="Object 18"/>
+            <p:cNvPicPr>
+              <a:picLocks noChangeAspect="1"/>
+            </p:cNvPicPr>
+            <p:nvPr/>
+          </p:nvPicPr>
+          <p:blipFill>
+            <a:blip r:embed="rId11" cstate="print"/>
+            <a:stretch>
+              <a:fillRect/>
+            </a:stretch>
+          </p:blipFill>
+          <p:spPr>
+            <a:xfrm>
+              <a:off x="9068211" y="6139622"/>
+              <a:ext cx="7504304" cy="1161873"/>
+            </a:xfrm>
+            <a:prstGeom prst="rect">
+              <a:avLst/>
+            </a:prstGeom>
+          </p:spPr>
+        </p:pic>
+      </p:grpSp>
     </p:spTree>
   </p:cSld>
   <p:clrMapOvr>
     <a:masterClrMapping/>
   </p:clrMapOvr>
+  <p:timing>
+    <p:tnLst>
+      <p:par>
+        <p:cTn id="1" dur="indefinite" restart="never" nodeType="tmRoot">
+          <p:childTnLst>
+            <p:seq concurrent="1" nextAc="seek">
+              <p:cTn id="2" dur="indefinite" nodeType="mainSeq">
+                <p:childTnLst>
+                  <p:par>
+                    <p:cTn id="3" fill="hold">
+                      <p:stCondLst>
+                        <p:cond delay="indefinite"/>
+                      </p:stCondLst>
+                      <p:childTnLst>
+                        <p:par>
+                          <p:cTn id="4" fill="hold">
+                            <p:stCondLst>
+                              <p:cond delay="0"/>
+                            </p:stCondLst>
+                            <p:childTnLst>
+                              <p:par>
+                                <p:cTn id="5" presetID="42" presetClass="entr" presetSubtype="0" fill="hold" nodeType="clickEffect">
+                                  <p:stCondLst>
+                                    <p:cond delay="0"/>
+                                  </p:stCondLst>
+                                  <p:childTnLst>
+                                    <p:set>
+                                      <p:cBhvr>
+                                        <p:cTn id="6" dur="1" fill="hold">
+                                          <p:stCondLst>
+                                            <p:cond delay="0"/>
+                                          </p:stCondLst>
+                                        </p:cTn>
+                                        <p:tgtEl>
+                                          <p:spTgt spid="3"/>
+                                        </p:tgtEl>
+                                        <p:attrNameLst>
+                                          <p:attrName>style.visibility</p:attrName>
+                                        </p:attrNameLst>
+                                      </p:cBhvr>
+                                      <p:to>
+                                        <p:strVal val="visible"/>
+                                      </p:to>
+                                    </p:set>
+                                    <p:animEffect transition="in" filter="fade">
+                                      <p:cBhvr>
+                                        <p:cTn id="7" dur="500"/>
+                                        <p:tgtEl>
+                                          <p:spTgt spid="3"/>
+                                        </p:tgtEl>
+                                      </p:cBhvr>
+                                    </p:animEffect>
+                                    <p:anim calcmode="lin" valueType="num">
+                                      <p:cBhvr>
+                                        <p:cTn id="8" dur="500" fill="hold"/>
+                                        <p:tgtEl>
+                                          <p:spTgt spid="3"/>
+                                        </p:tgtEl>
+                                        <p:attrNameLst>
+                                          <p:attrName>ppt_x</p:attrName>
+                                        </p:attrNameLst>
+                                      </p:cBhvr>
+                                      <p:tavLst>
+                                        <p:tav tm="0">
+                                          <p:val>
+                                            <p:strVal val="#ppt_x"/>
+                                          </p:val>
+                                        </p:tav>
+                                        <p:tav tm="100000">
+                                          <p:val>
+                                            <p:strVal val="#ppt_x"/>
+                                          </p:val>
+                                        </p:tav>
+                                      </p:tavLst>
+                                    </p:anim>
+                                    <p:anim calcmode="lin" valueType="num">
+                                      <p:cBhvr>
+                                        <p:cTn id="9" dur="500" fill="hold"/>
+                                        <p:tgtEl>
+                                          <p:spTgt spid="3"/>
+                                        </p:tgtEl>
+                                        <p:attrNameLst>
+                                          <p:attrName>ppt_y</p:attrName>
+                                        </p:attrNameLst>
+                                      </p:cBhvr>
+                                      <p:tavLst>
+                                        <p:tav tm="0">
+                                          <p:val>
+                                            <p:strVal val="#ppt_y+.1"/>
+                                          </p:val>
+                                        </p:tav>
+                                        <p:tav tm="100000">
+                                          <p:val>
+                                            <p:strVal val="#ppt_y"/>
+                                          </p:val>
+                                        </p:tav>
+                                      </p:tavLst>
+                                    </p:anim>
+                                  </p:childTnLst>
+                                </p:cTn>
+                              </p:par>
+                            </p:childTnLst>
+                          </p:cTn>
+                        </p:par>
+                        <p:par>
+                          <p:cTn id="10" fill="hold">
+                            <p:stCondLst>
+                              <p:cond delay="500"/>
+                            </p:stCondLst>
+                            <p:childTnLst>
+                              <p:par>
+                                <p:cTn id="11" presetID="2" presetClass="entr" presetSubtype="2" accel="27500" decel="72500" fill="hold" nodeType="afterEffect">
+                                  <p:stCondLst>
+                                    <p:cond delay="0"/>
+                                  </p:stCondLst>
+                                  <p:childTnLst>
+                                    <p:set>
+                                      <p:cBhvr>
+                                        <p:cTn id="12" dur="1" fill="hold">
+                                          <p:stCondLst>
+                                            <p:cond delay="0"/>
+                                          </p:stCondLst>
+                                        </p:cTn>
+                                        <p:tgtEl>
+                                          <p:spTgt spid="5"/>
+                                        </p:tgtEl>
+                                        <p:attrNameLst>
+                                          <p:attrName>style.visibility</p:attrName>
+                                        </p:attrNameLst>
+                                      </p:cBhvr>
+                                      <p:to>
+                                        <p:strVal val="visible"/>
+                                      </p:to>
+                                    </p:set>
+                                    <p:anim calcmode="lin" valueType="num">
+                                      <p:cBhvr additive="base">
+                                        <p:cTn id="13" dur="800" fill="hold"/>
+                                        <p:tgtEl>
+                                          <p:spTgt spid="5"/>
+                                        </p:tgtEl>
+                                        <p:attrNameLst>
+                                          <p:attrName>ppt_x</p:attrName>
+                                        </p:attrNameLst>
+                                      </p:cBhvr>
+                                      <p:tavLst>
+                                        <p:tav tm="0">
+                                          <p:val>
+                                            <p:strVal val="1+#ppt_w/2"/>
+                                          </p:val>
+                                        </p:tav>
+                                        <p:tav tm="100000">
+                                          <p:val>
+                                            <p:strVal val="#ppt_x"/>
+                                          </p:val>
+                                        </p:tav>
+                                      </p:tavLst>
+                                    </p:anim>
+                                    <p:anim calcmode="lin" valueType="num">
+                                      <p:cBhvr additive="base">
+                                        <p:cTn id="14" dur="800" fill="hold"/>
+                                        <p:tgtEl>
+                                          <p:spTgt spid="5"/>
+                                        </p:tgtEl>
+                                        <p:attrNameLst>
+                                          <p:attrName>ppt_y</p:attrName>
+                                        </p:attrNameLst>
+                                      </p:cBhvr>
+                                      <p:tavLst>
+                                        <p:tav tm="0">
+                                          <p:val>
+                                            <p:strVal val="#ppt_y"/>
+                                          </p:val>
+                                        </p:tav>
+                                        <p:tav tm="100000">
+                                          <p:val>
+                                            <p:strVal val="#ppt_y"/>
+                                          </p:val>
+                                        </p:tav>
+                                      </p:tavLst>
+                                    </p:anim>
+                                  </p:childTnLst>
+                                </p:cTn>
+                              </p:par>
+                              <p:par>
+                                <p:cTn id="15" presetID="2" presetClass="entr" presetSubtype="2" accel="27500" decel="72500" fill="hold" nodeType="withEffect">
+                                  <p:stCondLst>
+                                    <p:cond delay="100"/>
+                                  </p:stCondLst>
+                                  <p:childTnLst>
+                                    <p:set>
+                                      <p:cBhvr>
+                                        <p:cTn id="16" dur="1" fill="hold">
+                                          <p:stCondLst>
+                                            <p:cond delay="0"/>
+                                          </p:stCondLst>
+                                        </p:cTn>
+                                        <p:tgtEl>
+                                          <p:spTgt spid="6"/>
+                                        </p:tgtEl>
+                                        <p:attrNameLst>
+                                          <p:attrName>style.visibility</p:attrName>
+                                        </p:attrNameLst>
+                                      </p:cBhvr>
+                                      <p:to>
+                                        <p:strVal val="visible"/>
+                                      </p:to>
+                                    </p:set>
+                                    <p:anim calcmode="lin" valueType="num">
+                                      <p:cBhvr additive="base">
+                                        <p:cTn id="17" dur="800" fill="hold"/>
+                                        <p:tgtEl>
+                                          <p:spTgt spid="6"/>
+                                        </p:tgtEl>
+                                        <p:attrNameLst>
+                                          <p:attrName>ppt_x</p:attrName>
+                                        </p:attrNameLst>
+                                      </p:cBhvr>
+                                      <p:tavLst>
+                                        <p:tav tm="0">
+                                          <p:val>
+                                            <p:strVal val="1+#ppt_w/2"/>
+                                          </p:val>
+                                        </p:tav>
+                                        <p:tav tm="100000">
+                                          <p:val>
+                                            <p:strVal val="#ppt_x"/>
+                                          </p:val>
+                                        </p:tav>
+                                      </p:tavLst>
+                                    </p:anim>
+                                    <p:anim calcmode="lin" valueType="num">
+                                      <p:cBhvr additive="base">
+                                        <p:cTn id="18" dur="800" fill="hold"/>
+                                        <p:tgtEl>
+                                          <p:spTgt spid="6"/>
+                                        </p:tgtEl>
+                                        <p:attrNameLst>
+                                          <p:attrName>ppt_y</p:attrName>
+                                        </p:attrNameLst>
+                                      </p:cBhvr>
+                                      <p:tavLst>
+                                        <p:tav tm="0">
+                                          <p:val>
+                                            <p:strVal val="#ppt_y"/>
+                                          </p:val>
+                                        </p:tav>
+                                        <p:tav tm="100000">
+                                          <p:val>
+                                            <p:strVal val="#ppt_y"/>
+                                          </p:val>
+                                        </p:tav>
+                                      </p:tavLst>
+                                    </p:anim>
+                                  </p:childTnLst>
+                                </p:cTn>
+                              </p:par>
+                            </p:childTnLst>
+                          </p:cTn>
+                        </p:par>
+                      </p:childTnLst>
+                    </p:cTn>
+                  </p:par>
+                </p:childTnLst>
+              </p:cTn>
+              <p:prevCondLst>
+                <p:cond evt="onPrev" delay="0">
+                  <p:tgtEl>
+                    <p:sldTgt/>
+                  </p:tgtEl>
+                </p:cond>
+              </p:prevCondLst>
+              <p:nextCondLst>
+                <p:cond evt="onNext" delay="0">
+                  <p:tgtEl>
+                    <p:sldTgt/>
+                  </p:tgtEl>
+                </p:cond>
+              </p:nextCondLst>
+            </p:seq>
+          </p:childTnLst>
+        </p:cTn>
+      </p:par>
+    </p:tnLst>
+  </p:timing>
 </p:sld>
 </file>
 
@@ -5711,7 +7622,7 @@
           </p:blipFill>
           <p:spPr>
             <a:xfrm>
-              <a:off x="1679906" y="4815334"/>
+              <a:off x="1679906" y="4990462"/>
               <a:ext cx="1721171" cy="534038"/>
             </a:xfrm>
             <a:prstGeom prst="rect">
@@ -5789,7 +7700,7 @@
           </p:blipFill>
           <p:spPr>
             <a:xfrm>
-              <a:off x="3755473" y="7893217"/>
+              <a:off x="3813122" y="8016346"/>
               <a:ext cx="1978078" cy="708554"/>
             </a:xfrm>
             <a:prstGeom prst="rect">
@@ -5806,10 +7717,10 @@
         </p:nvGrpSpPr>
         <p:grpSpPr>
           <a:xfrm>
-            <a:off x="6782072" y="6836391"/>
-            <a:ext cx="3082393" cy="2852371"/>
-            <a:chOff x="6782072" y="6836391"/>
-            <a:chExt cx="3082393" cy="2852371"/>
+            <a:off x="7030515" y="7132473"/>
+            <a:ext cx="2585507" cy="2260207"/>
+            <a:chOff x="7030515" y="7132473"/>
+            <a:chExt cx="2585507" cy="2260207"/>
           </a:xfrm>
         </p:grpSpPr>
         <p:grpSp>
@@ -5867,7 +7778,7 @@
           </p:blipFill>
           <p:spPr>
             <a:xfrm>
-              <a:off x="7280606" y="7814220"/>
+              <a:off x="7280606" y="8039100"/>
               <a:ext cx="2105679" cy="534038"/>
             </a:xfrm>
             <a:prstGeom prst="rect">
@@ -5945,7 +7856,7 @@
           </p:blipFill>
           <p:spPr>
             <a:xfrm>
-              <a:off x="5480077" y="4999077"/>
+              <a:off x="5480077" y="5166425"/>
               <a:ext cx="2133959" cy="434275"/>
             </a:xfrm>
             <a:prstGeom prst="rect">
@@ -6023,7 +7934,7 @@
           </p:blipFill>
           <p:spPr>
             <a:xfrm>
-              <a:off x="8821830" y="4839020"/>
+              <a:off x="8821830" y="4990462"/>
               <a:ext cx="1849341" cy="534038"/>
             </a:xfrm>
             <a:prstGeom prst="rect">
@@ -6034,36 +7945,81 @@
       </p:grpSp>
       <p:grpSp>
         <p:nvGrpSpPr>
-          <p:cNvPr id="1015" name="그룹 1015"/>
+          <p:cNvPr id="2" name="그룹 1">
+            <a:extLst>
+              <a:ext uri="{FF2B5EF4-FFF2-40B4-BE49-F238E27FC236}">
+                <a16:creationId xmlns:a16="http://schemas.microsoft.com/office/drawing/2014/main" id="{D183E933-09E8-4A92-A9F0-83BC822051F6}"/>
+              </a:ext>
+            </a:extLst>
+          </p:cNvPr>
           <p:cNvGrpSpPr/>
           <p:nvPr/>
         </p:nvGrpSpPr>
         <p:grpSpPr>
           <a:xfrm>
-            <a:off x="12597511" y="5577133"/>
-            <a:ext cx="4789540" cy="3012840"/>
-            <a:chOff x="12597511" y="5577133"/>
-            <a:chExt cx="4789540" cy="3012840"/>
+            <a:off x="11829144" y="4880006"/>
+            <a:ext cx="5557907" cy="3709967"/>
+            <a:chOff x="11829144" y="4880006"/>
+            <a:chExt cx="5557907" cy="3709967"/>
           </a:xfrm>
         </p:grpSpPr>
+        <p:grpSp>
+          <p:nvGrpSpPr>
+            <p:cNvPr id="1015" name="그룹 1015"/>
+            <p:cNvGrpSpPr/>
+            <p:nvPr/>
+          </p:nvGrpSpPr>
+          <p:grpSpPr>
+            <a:xfrm>
+              <a:off x="12597511" y="5577133"/>
+              <a:ext cx="4789540" cy="3012840"/>
+              <a:chOff x="12597511" y="5577133"/>
+              <a:chExt cx="4789540" cy="3012840"/>
+            </a:xfrm>
+          </p:grpSpPr>
+          <p:pic>
+            <p:nvPicPr>
+              <p:cNvPr id="47" name="Object 46"/>
+              <p:cNvPicPr>
+                <a:picLocks noChangeAspect="1"/>
+              </p:cNvPicPr>
+              <p:nvPr/>
+            </p:nvPicPr>
+            <p:blipFill>
+              <a:blip r:embed="rId15" cstate="print"/>
+              <a:stretch>
+                <a:fillRect/>
+              </a:stretch>
+            </p:blipFill>
+            <p:spPr>
+              <a:xfrm>
+                <a:off x="12597511" y="5577133"/>
+                <a:ext cx="4789540" cy="3012840"/>
+              </a:xfrm>
+              <a:prstGeom prst="rect">
+                <a:avLst/>
+              </a:prstGeom>
+            </p:spPr>
+          </p:pic>
+        </p:grpSp>
         <p:pic>
           <p:nvPicPr>
-            <p:cNvPr id="47" name="Object 46"/>
+            <p:cNvPr id="49" name="Object 48"/>
             <p:cNvPicPr>
               <a:picLocks noChangeAspect="1"/>
             </p:cNvPicPr>
             <p:nvPr/>
           </p:nvPicPr>
           <p:blipFill>
-            <a:blip r:embed="rId15" cstate="print"/>
+            <a:blip r:embed="rId16" cstate="print"/>
             <a:stretch>
               <a:fillRect/>
             </a:stretch>
           </p:blipFill>
           <p:spPr>
             <a:xfrm>
-              <a:off x="12597511" y="5577133"/>
-              <a:ext cx="4789540" cy="3012840"/>
+              <a:off x="11829144" y="4880006"/>
+              <a:ext cx="4173094" cy="579034"/>
             </a:xfrm>
             <a:prstGeom prst="rect">
               <a:avLst/>
@@ -6071,35 +8027,841 @@
           </p:spPr>
         </p:pic>
       </p:grpSp>
-      <p:pic>
-        <p:nvPicPr>
-          <p:cNvPr id="49" name="Object 48"/>
-          <p:cNvPicPr>
-            <a:picLocks noChangeAspect="1"/>
-          </p:cNvPicPr>
-          <p:nvPr/>
-        </p:nvPicPr>
-        <p:blipFill>
-          <a:blip r:embed="rId16" cstate="print"/>
-          <a:stretch>
-            <a:fillRect/>
-          </a:stretch>
-        </p:blipFill>
-        <p:spPr>
-          <a:xfrm>
-            <a:off x="11829144" y="4880006"/>
-            <a:ext cx="4173094" cy="579034"/>
-          </a:xfrm>
-          <a:prstGeom prst="rect">
-            <a:avLst/>
-          </a:prstGeom>
-        </p:spPr>
-      </p:pic>
     </p:spTree>
   </p:cSld>
   <p:clrMapOvr>
     <a:masterClrMapping/>
   </p:clrMapOvr>
+  <p:timing>
+    <p:tnLst>
+      <p:par>
+        <p:cTn id="1" dur="indefinite" restart="never" nodeType="tmRoot">
+          <p:childTnLst>
+            <p:seq concurrent="1" nextAc="seek">
+              <p:cTn id="2" dur="indefinite" nodeType="mainSeq">
+                <p:childTnLst>
+                  <p:par>
+                    <p:cTn id="3" fill="hold">
+                      <p:stCondLst>
+                        <p:cond delay="indefinite"/>
+                      </p:stCondLst>
+                      <p:childTnLst>
+                        <p:par>
+                          <p:cTn id="4" fill="hold">
+                            <p:stCondLst>
+                              <p:cond delay="0"/>
+                            </p:stCondLst>
+                            <p:childTnLst>
+                              <p:par>
+                                <p:cTn id="5" presetID="47" presetClass="entr" presetSubtype="0" fill="hold" nodeType="clickEffect">
+                                  <p:stCondLst>
+                                    <p:cond delay="0"/>
+                                  </p:stCondLst>
+                                  <p:childTnLst>
+                                    <p:set>
+                                      <p:cBhvr>
+                                        <p:cTn id="6" dur="1" fill="hold">
+                                          <p:stCondLst>
+                                            <p:cond delay="0"/>
+                                          </p:stCondLst>
+                                        </p:cTn>
+                                        <p:tgtEl>
+                                          <p:spTgt spid="1004"/>
+                                        </p:tgtEl>
+                                        <p:attrNameLst>
+                                          <p:attrName>style.visibility</p:attrName>
+                                        </p:attrNameLst>
+                                      </p:cBhvr>
+                                      <p:to>
+                                        <p:strVal val="visible"/>
+                                      </p:to>
+                                    </p:set>
+                                    <p:animEffect transition="in" filter="fade">
+                                      <p:cBhvr>
+                                        <p:cTn id="7" dur="700"/>
+                                        <p:tgtEl>
+                                          <p:spTgt spid="1004"/>
+                                        </p:tgtEl>
+                                      </p:cBhvr>
+                                    </p:animEffect>
+                                    <p:anim calcmode="lin" valueType="num">
+                                      <p:cBhvr>
+                                        <p:cTn id="8" dur="700" fill="hold"/>
+                                        <p:tgtEl>
+                                          <p:spTgt spid="1004"/>
+                                        </p:tgtEl>
+                                        <p:attrNameLst>
+                                          <p:attrName>ppt_x</p:attrName>
+                                        </p:attrNameLst>
+                                      </p:cBhvr>
+                                      <p:tavLst>
+                                        <p:tav tm="0">
+                                          <p:val>
+                                            <p:strVal val="#ppt_x"/>
+                                          </p:val>
+                                        </p:tav>
+                                        <p:tav tm="100000">
+                                          <p:val>
+                                            <p:strVal val="#ppt_x"/>
+                                          </p:val>
+                                        </p:tav>
+                                      </p:tavLst>
+                                    </p:anim>
+                                    <p:anim calcmode="lin" valueType="num">
+                                      <p:cBhvr>
+                                        <p:cTn id="9" dur="700" fill="hold"/>
+                                        <p:tgtEl>
+                                          <p:spTgt spid="1004"/>
+                                        </p:tgtEl>
+                                        <p:attrNameLst>
+                                          <p:attrName>ppt_y</p:attrName>
+                                        </p:attrNameLst>
+                                      </p:cBhvr>
+                                      <p:tavLst>
+                                        <p:tav tm="0">
+                                          <p:val>
+                                            <p:strVal val="#ppt_y-.1"/>
+                                          </p:val>
+                                        </p:tav>
+                                        <p:tav tm="100000">
+                                          <p:val>
+                                            <p:strVal val="#ppt_y"/>
+                                          </p:val>
+                                        </p:tav>
+                                      </p:tavLst>
+                                    </p:anim>
+                                  </p:childTnLst>
+                                </p:cTn>
+                              </p:par>
+                              <p:par>
+                                <p:cTn id="10" presetID="47" presetClass="entr" presetSubtype="0" fill="hold" nodeType="withEffect">
+                                  <p:stCondLst>
+                                    <p:cond delay="400"/>
+                                  </p:stCondLst>
+                                  <p:childTnLst>
+                                    <p:set>
+                                      <p:cBhvr>
+                                        <p:cTn id="11" dur="1" fill="hold">
+                                          <p:stCondLst>
+                                            <p:cond delay="0"/>
+                                          </p:stCondLst>
+                                        </p:cTn>
+                                        <p:tgtEl>
+                                          <p:spTgt spid="1003"/>
+                                        </p:tgtEl>
+                                        <p:attrNameLst>
+                                          <p:attrName>style.visibility</p:attrName>
+                                        </p:attrNameLst>
+                                      </p:cBhvr>
+                                      <p:to>
+                                        <p:strVal val="visible"/>
+                                      </p:to>
+                                    </p:set>
+                                    <p:animEffect transition="in" filter="fade">
+                                      <p:cBhvr>
+                                        <p:cTn id="12" dur="700"/>
+                                        <p:tgtEl>
+                                          <p:spTgt spid="1003"/>
+                                        </p:tgtEl>
+                                      </p:cBhvr>
+                                    </p:animEffect>
+                                    <p:anim calcmode="lin" valueType="num">
+                                      <p:cBhvr>
+                                        <p:cTn id="13" dur="700" fill="hold"/>
+                                        <p:tgtEl>
+                                          <p:spTgt spid="1003"/>
+                                        </p:tgtEl>
+                                        <p:attrNameLst>
+                                          <p:attrName>ppt_x</p:attrName>
+                                        </p:attrNameLst>
+                                      </p:cBhvr>
+                                      <p:tavLst>
+                                        <p:tav tm="0">
+                                          <p:val>
+                                            <p:strVal val="#ppt_x"/>
+                                          </p:val>
+                                        </p:tav>
+                                        <p:tav tm="100000">
+                                          <p:val>
+                                            <p:strVal val="#ppt_x"/>
+                                          </p:val>
+                                        </p:tav>
+                                      </p:tavLst>
+                                    </p:anim>
+                                    <p:anim calcmode="lin" valueType="num">
+                                      <p:cBhvr>
+                                        <p:cTn id="14" dur="700" fill="hold"/>
+                                        <p:tgtEl>
+                                          <p:spTgt spid="1003"/>
+                                        </p:tgtEl>
+                                        <p:attrNameLst>
+                                          <p:attrName>ppt_y</p:attrName>
+                                        </p:attrNameLst>
+                                      </p:cBhvr>
+                                      <p:tavLst>
+                                        <p:tav tm="0">
+                                          <p:val>
+                                            <p:strVal val="#ppt_y-.1"/>
+                                          </p:val>
+                                        </p:tav>
+                                        <p:tav tm="100000">
+                                          <p:val>
+                                            <p:strVal val="#ppt_y"/>
+                                          </p:val>
+                                        </p:tav>
+                                      </p:tavLst>
+                                    </p:anim>
+                                  </p:childTnLst>
+                                </p:cTn>
+                              </p:par>
+                            </p:childTnLst>
+                          </p:cTn>
+                        </p:par>
+                      </p:childTnLst>
+                    </p:cTn>
+                  </p:par>
+                  <p:par>
+                    <p:cTn id="15" fill="hold">
+                      <p:stCondLst>
+                        <p:cond delay="indefinite"/>
+                      </p:stCondLst>
+                      <p:childTnLst>
+                        <p:par>
+                          <p:cTn id="16" fill="hold">
+                            <p:stCondLst>
+                              <p:cond delay="0"/>
+                            </p:stCondLst>
+                            <p:childTnLst>
+                              <p:par>
+                                <p:cTn id="17" presetID="31" presetClass="entr" presetSubtype="0" fill="hold" nodeType="clickEffect">
+                                  <p:stCondLst>
+                                    <p:cond delay="0"/>
+                                  </p:stCondLst>
+                                  <p:childTnLst>
+                                    <p:set>
+                                      <p:cBhvr>
+                                        <p:cTn id="18" dur="1" fill="hold">
+                                          <p:stCondLst>
+                                            <p:cond delay="0"/>
+                                          </p:stCondLst>
+                                        </p:cTn>
+                                        <p:tgtEl>
+                                          <p:spTgt spid="1005"/>
+                                        </p:tgtEl>
+                                        <p:attrNameLst>
+                                          <p:attrName>style.visibility</p:attrName>
+                                        </p:attrNameLst>
+                                      </p:cBhvr>
+                                      <p:to>
+                                        <p:strVal val="visible"/>
+                                      </p:to>
+                                    </p:set>
+                                    <p:anim calcmode="lin" valueType="num">
+                                      <p:cBhvr>
+                                        <p:cTn id="19" dur="800" fill="hold"/>
+                                        <p:tgtEl>
+                                          <p:spTgt spid="1005"/>
+                                        </p:tgtEl>
+                                        <p:attrNameLst>
+                                          <p:attrName>ppt_w</p:attrName>
+                                        </p:attrNameLst>
+                                      </p:cBhvr>
+                                      <p:tavLst>
+                                        <p:tav tm="0">
+                                          <p:val>
+                                            <p:fltVal val="0"/>
+                                          </p:val>
+                                        </p:tav>
+                                        <p:tav tm="100000">
+                                          <p:val>
+                                            <p:strVal val="#ppt_w"/>
+                                          </p:val>
+                                        </p:tav>
+                                      </p:tavLst>
+                                    </p:anim>
+                                    <p:anim calcmode="lin" valueType="num">
+                                      <p:cBhvr>
+                                        <p:cTn id="20" dur="800" fill="hold"/>
+                                        <p:tgtEl>
+                                          <p:spTgt spid="1005"/>
+                                        </p:tgtEl>
+                                        <p:attrNameLst>
+                                          <p:attrName>ppt_h</p:attrName>
+                                        </p:attrNameLst>
+                                      </p:cBhvr>
+                                      <p:tavLst>
+                                        <p:tav tm="0">
+                                          <p:val>
+                                            <p:fltVal val="0"/>
+                                          </p:val>
+                                        </p:tav>
+                                        <p:tav tm="100000">
+                                          <p:val>
+                                            <p:strVal val="#ppt_h"/>
+                                          </p:val>
+                                        </p:tav>
+                                      </p:tavLst>
+                                    </p:anim>
+                                    <p:anim calcmode="lin" valueType="num">
+                                      <p:cBhvr>
+                                        <p:cTn id="21" dur="800" fill="hold"/>
+                                        <p:tgtEl>
+                                          <p:spTgt spid="1005"/>
+                                        </p:tgtEl>
+                                        <p:attrNameLst>
+                                          <p:attrName>style.rotation</p:attrName>
+                                        </p:attrNameLst>
+                                      </p:cBhvr>
+                                      <p:tavLst>
+                                        <p:tav tm="0">
+                                          <p:val>
+                                            <p:fltVal val="90"/>
+                                          </p:val>
+                                        </p:tav>
+                                        <p:tav tm="100000">
+                                          <p:val>
+                                            <p:fltVal val="0"/>
+                                          </p:val>
+                                        </p:tav>
+                                      </p:tavLst>
+                                    </p:anim>
+                                    <p:animEffect transition="in" filter="fade">
+                                      <p:cBhvr>
+                                        <p:cTn id="22" dur="800"/>
+                                        <p:tgtEl>
+                                          <p:spTgt spid="1005"/>
+                                        </p:tgtEl>
+                                      </p:cBhvr>
+                                    </p:animEffect>
+                                  </p:childTnLst>
+                                </p:cTn>
+                              </p:par>
+                              <p:par>
+                                <p:cTn id="23" presetID="31" presetClass="entr" presetSubtype="0" fill="hold" nodeType="withEffect">
+                                  <p:stCondLst>
+                                    <p:cond delay="200"/>
+                                  </p:stCondLst>
+                                  <p:childTnLst>
+                                    <p:set>
+                                      <p:cBhvr>
+                                        <p:cTn id="24" dur="1" fill="hold">
+                                          <p:stCondLst>
+                                            <p:cond delay="0"/>
+                                          </p:stCondLst>
+                                        </p:cTn>
+                                        <p:tgtEl>
+                                          <p:spTgt spid="1011"/>
+                                        </p:tgtEl>
+                                        <p:attrNameLst>
+                                          <p:attrName>style.visibility</p:attrName>
+                                        </p:attrNameLst>
+                                      </p:cBhvr>
+                                      <p:to>
+                                        <p:strVal val="visible"/>
+                                      </p:to>
+                                    </p:set>
+                                    <p:anim calcmode="lin" valueType="num">
+                                      <p:cBhvr>
+                                        <p:cTn id="25" dur="800" fill="hold"/>
+                                        <p:tgtEl>
+                                          <p:spTgt spid="1011"/>
+                                        </p:tgtEl>
+                                        <p:attrNameLst>
+                                          <p:attrName>ppt_w</p:attrName>
+                                        </p:attrNameLst>
+                                      </p:cBhvr>
+                                      <p:tavLst>
+                                        <p:tav tm="0">
+                                          <p:val>
+                                            <p:fltVal val="0"/>
+                                          </p:val>
+                                        </p:tav>
+                                        <p:tav tm="100000">
+                                          <p:val>
+                                            <p:strVal val="#ppt_w"/>
+                                          </p:val>
+                                        </p:tav>
+                                      </p:tavLst>
+                                    </p:anim>
+                                    <p:anim calcmode="lin" valueType="num">
+                                      <p:cBhvr>
+                                        <p:cTn id="26" dur="800" fill="hold"/>
+                                        <p:tgtEl>
+                                          <p:spTgt spid="1011"/>
+                                        </p:tgtEl>
+                                        <p:attrNameLst>
+                                          <p:attrName>ppt_h</p:attrName>
+                                        </p:attrNameLst>
+                                      </p:cBhvr>
+                                      <p:tavLst>
+                                        <p:tav tm="0">
+                                          <p:val>
+                                            <p:fltVal val="0"/>
+                                          </p:val>
+                                        </p:tav>
+                                        <p:tav tm="100000">
+                                          <p:val>
+                                            <p:strVal val="#ppt_h"/>
+                                          </p:val>
+                                        </p:tav>
+                                      </p:tavLst>
+                                    </p:anim>
+                                    <p:anim calcmode="lin" valueType="num">
+                                      <p:cBhvr>
+                                        <p:cTn id="27" dur="800" fill="hold"/>
+                                        <p:tgtEl>
+                                          <p:spTgt spid="1011"/>
+                                        </p:tgtEl>
+                                        <p:attrNameLst>
+                                          <p:attrName>style.rotation</p:attrName>
+                                        </p:attrNameLst>
+                                      </p:cBhvr>
+                                      <p:tavLst>
+                                        <p:tav tm="0">
+                                          <p:val>
+                                            <p:fltVal val="90"/>
+                                          </p:val>
+                                        </p:tav>
+                                        <p:tav tm="100000">
+                                          <p:val>
+                                            <p:fltVal val="0"/>
+                                          </p:val>
+                                        </p:tav>
+                                      </p:tavLst>
+                                    </p:anim>
+                                    <p:animEffect transition="in" filter="fade">
+                                      <p:cBhvr>
+                                        <p:cTn id="28" dur="800"/>
+                                        <p:tgtEl>
+                                          <p:spTgt spid="1011"/>
+                                        </p:tgtEl>
+                                      </p:cBhvr>
+                                    </p:animEffect>
+                                  </p:childTnLst>
+                                </p:cTn>
+                              </p:par>
+                              <p:par>
+                                <p:cTn id="29" presetID="31" presetClass="entr" presetSubtype="0" fill="hold" nodeType="withEffect">
+                                  <p:stCondLst>
+                                    <p:cond delay="400"/>
+                                  </p:stCondLst>
+                                  <p:childTnLst>
+                                    <p:set>
+                                      <p:cBhvr>
+                                        <p:cTn id="30" dur="1" fill="hold">
+                                          <p:stCondLst>
+                                            <p:cond delay="0"/>
+                                          </p:stCondLst>
+                                        </p:cTn>
+                                        <p:tgtEl>
+                                          <p:spTgt spid="1013"/>
+                                        </p:tgtEl>
+                                        <p:attrNameLst>
+                                          <p:attrName>style.visibility</p:attrName>
+                                        </p:attrNameLst>
+                                      </p:cBhvr>
+                                      <p:to>
+                                        <p:strVal val="visible"/>
+                                      </p:to>
+                                    </p:set>
+                                    <p:anim calcmode="lin" valueType="num">
+                                      <p:cBhvr>
+                                        <p:cTn id="31" dur="800" fill="hold"/>
+                                        <p:tgtEl>
+                                          <p:spTgt spid="1013"/>
+                                        </p:tgtEl>
+                                        <p:attrNameLst>
+                                          <p:attrName>ppt_w</p:attrName>
+                                        </p:attrNameLst>
+                                      </p:cBhvr>
+                                      <p:tavLst>
+                                        <p:tav tm="0">
+                                          <p:val>
+                                            <p:fltVal val="0"/>
+                                          </p:val>
+                                        </p:tav>
+                                        <p:tav tm="100000">
+                                          <p:val>
+                                            <p:strVal val="#ppt_w"/>
+                                          </p:val>
+                                        </p:tav>
+                                      </p:tavLst>
+                                    </p:anim>
+                                    <p:anim calcmode="lin" valueType="num">
+                                      <p:cBhvr>
+                                        <p:cTn id="32" dur="800" fill="hold"/>
+                                        <p:tgtEl>
+                                          <p:spTgt spid="1013"/>
+                                        </p:tgtEl>
+                                        <p:attrNameLst>
+                                          <p:attrName>ppt_h</p:attrName>
+                                        </p:attrNameLst>
+                                      </p:cBhvr>
+                                      <p:tavLst>
+                                        <p:tav tm="0">
+                                          <p:val>
+                                            <p:fltVal val="0"/>
+                                          </p:val>
+                                        </p:tav>
+                                        <p:tav tm="100000">
+                                          <p:val>
+                                            <p:strVal val="#ppt_h"/>
+                                          </p:val>
+                                        </p:tav>
+                                      </p:tavLst>
+                                    </p:anim>
+                                    <p:anim calcmode="lin" valueType="num">
+                                      <p:cBhvr>
+                                        <p:cTn id="33" dur="800" fill="hold"/>
+                                        <p:tgtEl>
+                                          <p:spTgt spid="1013"/>
+                                        </p:tgtEl>
+                                        <p:attrNameLst>
+                                          <p:attrName>style.rotation</p:attrName>
+                                        </p:attrNameLst>
+                                      </p:cBhvr>
+                                      <p:tavLst>
+                                        <p:tav tm="0">
+                                          <p:val>
+                                            <p:fltVal val="90"/>
+                                          </p:val>
+                                        </p:tav>
+                                        <p:tav tm="100000">
+                                          <p:val>
+                                            <p:fltVal val="0"/>
+                                          </p:val>
+                                        </p:tav>
+                                      </p:tavLst>
+                                    </p:anim>
+                                    <p:animEffect transition="in" filter="fade">
+                                      <p:cBhvr>
+                                        <p:cTn id="34" dur="800"/>
+                                        <p:tgtEl>
+                                          <p:spTgt spid="1013"/>
+                                        </p:tgtEl>
+                                      </p:cBhvr>
+                                    </p:animEffect>
+                                  </p:childTnLst>
+                                </p:cTn>
+                              </p:par>
+                              <p:par>
+                                <p:cTn id="35" presetID="31" presetClass="entr" presetSubtype="0" fill="hold" nodeType="withEffect">
+                                  <p:stCondLst>
+                                    <p:cond delay="600"/>
+                                  </p:stCondLst>
+                                  <p:childTnLst>
+                                    <p:set>
+                                      <p:cBhvr>
+                                        <p:cTn id="36" dur="1" fill="hold">
+                                          <p:stCondLst>
+                                            <p:cond delay="0"/>
+                                          </p:stCondLst>
+                                        </p:cTn>
+                                        <p:tgtEl>
+                                          <p:spTgt spid="1007"/>
+                                        </p:tgtEl>
+                                        <p:attrNameLst>
+                                          <p:attrName>style.visibility</p:attrName>
+                                        </p:attrNameLst>
+                                      </p:cBhvr>
+                                      <p:to>
+                                        <p:strVal val="visible"/>
+                                      </p:to>
+                                    </p:set>
+                                    <p:anim calcmode="lin" valueType="num">
+                                      <p:cBhvr>
+                                        <p:cTn id="37" dur="800" fill="hold"/>
+                                        <p:tgtEl>
+                                          <p:spTgt spid="1007"/>
+                                        </p:tgtEl>
+                                        <p:attrNameLst>
+                                          <p:attrName>ppt_w</p:attrName>
+                                        </p:attrNameLst>
+                                      </p:cBhvr>
+                                      <p:tavLst>
+                                        <p:tav tm="0">
+                                          <p:val>
+                                            <p:fltVal val="0"/>
+                                          </p:val>
+                                        </p:tav>
+                                        <p:tav tm="100000">
+                                          <p:val>
+                                            <p:strVal val="#ppt_w"/>
+                                          </p:val>
+                                        </p:tav>
+                                      </p:tavLst>
+                                    </p:anim>
+                                    <p:anim calcmode="lin" valueType="num">
+                                      <p:cBhvr>
+                                        <p:cTn id="38" dur="800" fill="hold"/>
+                                        <p:tgtEl>
+                                          <p:spTgt spid="1007"/>
+                                        </p:tgtEl>
+                                        <p:attrNameLst>
+                                          <p:attrName>ppt_h</p:attrName>
+                                        </p:attrNameLst>
+                                      </p:cBhvr>
+                                      <p:tavLst>
+                                        <p:tav tm="0">
+                                          <p:val>
+                                            <p:fltVal val="0"/>
+                                          </p:val>
+                                        </p:tav>
+                                        <p:tav tm="100000">
+                                          <p:val>
+                                            <p:strVal val="#ppt_h"/>
+                                          </p:val>
+                                        </p:tav>
+                                      </p:tavLst>
+                                    </p:anim>
+                                    <p:anim calcmode="lin" valueType="num">
+                                      <p:cBhvr>
+                                        <p:cTn id="39" dur="800" fill="hold"/>
+                                        <p:tgtEl>
+                                          <p:spTgt spid="1007"/>
+                                        </p:tgtEl>
+                                        <p:attrNameLst>
+                                          <p:attrName>style.rotation</p:attrName>
+                                        </p:attrNameLst>
+                                      </p:cBhvr>
+                                      <p:tavLst>
+                                        <p:tav tm="0">
+                                          <p:val>
+                                            <p:fltVal val="90"/>
+                                          </p:val>
+                                        </p:tav>
+                                        <p:tav tm="100000">
+                                          <p:val>
+                                            <p:fltVal val="0"/>
+                                          </p:val>
+                                        </p:tav>
+                                      </p:tavLst>
+                                    </p:anim>
+                                    <p:animEffect transition="in" filter="fade">
+                                      <p:cBhvr>
+                                        <p:cTn id="40" dur="800"/>
+                                        <p:tgtEl>
+                                          <p:spTgt spid="1007"/>
+                                        </p:tgtEl>
+                                      </p:cBhvr>
+                                    </p:animEffect>
+                                  </p:childTnLst>
+                                </p:cTn>
+                              </p:par>
+                              <p:par>
+                                <p:cTn id="41" presetID="31" presetClass="entr" presetSubtype="0" fill="hold" nodeType="withEffect">
+                                  <p:stCondLst>
+                                    <p:cond delay="800"/>
+                                  </p:stCondLst>
+                                  <p:childTnLst>
+                                    <p:set>
+                                      <p:cBhvr>
+                                        <p:cTn id="42" dur="1" fill="hold">
+                                          <p:stCondLst>
+                                            <p:cond delay="0"/>
+                                          </p:stCondLst>
+                                        </p:cTn>
+                                        <p:tgtEl>
+                                          <p:spTgt spid="1009"/>
+                                        </p:tgtEl>
+                                        <p:attrNameLst>
+                                          <p:attrName>style.visibility</p:attrName>
+                                        </p:attrNameLst>
+                                      </p:cBhvr>
+                                      <p:to>
+                                        <p:strVal val="visible"/>
+                                      </p:to>
+                                    </p:set>
+                                    <p:anim calcmode="lin" valueType="num">
+                                      <p:cBhvr>
+                                        <p:cTn id="43" dur="800" fill="hold"/>
+                                        <p:tgtEl>
+                                          <p:spTgt spid="1009"/>
+                                        </p:tgtEl>
+                                        <p:attrNameLst>
+                                          <p:attrName>ppt_w</p:attrName>
+                                        </p:attrNameLst>
+                                      </p:cBhvr>
+                                      <p:tavLst>
+                                        <p:tav tm="0">
+                                          <p:val>
+                                            <p:fltVal val="0"/>
+                                          </p:val>
+                                        </p:tav>
+                                        <p:tav tm="100000">
+                                          <p:val>
+                                            <p:strVal val="#ppt_w"/>
+                                          </p:val>
+                                        </p:tav>
+                                      </p:tavLst>
+                                    </p:anim>
+                                    <p:anim calcmode="lin" valueType="num">
+                                      <p:cBhvr>
+                                        <p:cTn id="44" dur="800" fill="hold"/>
+                                        <p:tgtEl>
+                                          <p:spTgt spid="1009"/>
+                                        </p:tgtEl>
+                                        <p:attrNameLst>
+                                          <p:attrName>ppt_h</p:attrName>
+                                        </p:attrNameLst>
+                                      </p:cBhvr>
+                                      <p:tavLst>
+                                        <p:tav tm="0">
+                                          <p:val>
+                                            <p:fltVal val="0"/>
+                                          </p:val>
+                                        </p:tav>
+                                        <p:tav tm="100000">
+                                          <p:val>
+                                            <p:strVal val="#ppt_h"/>
+                                          </p:val>
+                                        </p:tav>
+                                      </p:tavLst>
+                                    </p:anim>
+                                    <p:anim calcmode="lin" valueType="num">
+                                      <p:cBhvr>
+                                        <p:cTn id="45" dur="800" fill="hold"/>
+                                        <p:tgtEl>
+                                          <p:spTgt spid="1009"/>
+                                        </p:tgtEl>
+                                        <p:attrNameLst>
+                                          <p:attrName>style.rotation</p:attrName>
+                                        </p:attrNameLst>
+                                      </p:cBhvr>
+                                      <p:tavLst>
+                                        <p:tav tm="0">
+                                          <p:val>
+                                            <p:fltVal val="90"/>
+                                          </p:val>
+                                        </p:tav>
+                                        <p:tav tm="100000">
+                                          <p:val>
+                                            <p:fltVal val="0"/>
+                                          </p:val>
+                                        </p:tav>
+                                      </p:tavLst>
+                                    </p:anim>
+                                    <p:animEffect transition="in" filter="fade">
+                                      <p:cBhvr>
+                                        <p:cTn id="46" dur="800"/>
+                                        <p:tgtEl>
+                                          <p:spTgt spid="1009"/>
+                                        </p:tgtEl>
+                                      </p:cBhvr>
+                                    </p:animEffect>
+                                  </p:childTnLst>
+                                </p:cTn>
+                              </p:par>
+                            </p:childTnLst>
+                          </p:cTn>
+                        </p:par>
+                        <p:par>
+                          <p:cTn id="47" fill="hold">
+                            <p:stCondLst>
+                              <p:cond delay="1600"/>
+                            </p:stCondLst>
+                            <p:childTnLst>
+                              <p:par>
+                                <p:cTn id="48" presetID="2" presetClass="entr" presetSubtype="2" accel="42000" decel="58000" fill="hold" nodeType="afterEffect">
+                                  <p:stCondLst>
+                                    <p:cond delay="0"/>
+                                  </p:stCondLst>
+                                  <p:childTnLst>
+                                    <p:set>
+                                      <p:cBhvr>
+                                        <p:cTn id="49" dur="1" fill="hold">
+                                          <p:stCondLst>
+                                            <p:cond delay="0"/>
+                                          </p:stCondLst>
+                                        </p:cTn>
+                                        <p:tgtEl>
+                                          <p:spTgt spid="2"/>
+                                        </p:tgtEl>
+                                        <p:attrNameLst>
+                                          <p:attrName>style.visibility</p:attrName>
+                                        </p:attrNameLst>
+                                      </p:cBhvr>
+                                      <p:to>
+                                        <p:strVal val="visible"/>
+                                      </p:to>
+                                    </p:set>
+                                    <p:anim calcmode="lin" valueType="num">
+                                      <p:cBhvr additive="base">
+                                        <p:cTn id="50" dur="1000" fill="hold"/>
+                                        <p:tgtEl>
+                                          <p:spTgt spid="2"/>
+                                        </p:tgtEl>
+                                        <p:attrNameLst>
+                                          <p:attrName>ppt_x</p:attrName>
+                                        </p:attrNameLst>
+                                      </p:cBhvr>
+                                      <p:tavLst>
+                                        <p:tav tm="0">
+                                          <p:val>
+                                            <p:strVal val="1+#ppt_w/2"/>
+                                          </p:val>
+                                        </p:tav>
+                                        <p:tav tm="100000">
+                                          <p:val>
+                                            <p:strVal val="#ppt_x"/>
+                                          </p:val>
+                                        </p:tav>
+                                      </p:tavLst>
+                                    </p:anim>
+                                    <p:anim calcmode="lin" valueType="num">
+                                      <p:cBhvr additive="base">
+                                        <p:cTn id="51" dur="1000" fill="hold"/>
+                                        <p:tgtEl>
+                                          <p:spTgt spid="2"/>
+                                        </p:tgtEl>
+                                        <p:attrNameLst>
+                                          <p:attrName>ppt_y</p:attrName>
+                                        </p:attrNameLst>
+                                      </p:cBhvr>
+                                      <p:tavLst>
+                                        <p:tav tm="0">
+                                          <p:val>
+                                            <p:strVal val="#ppt_y"/>
+                                          </p:val>
+                                        </p:tav>
+                                        <p:tav tm="100000">
+                                          <p:val>
+                                            <p:strVal val="#ppt_y"/>
+                                          </p:val>
+                                        </p:tav>
+                                      </p:tavLst>
+                                    </p:anim>
+                                  </p:childTnLst>
+                                </p:cTn>
+                              </p:par>
+                            </p:childTnLst>
+                          </p:cTn>
+                        </p:par>
+                      </p:childTnLst>
+                    </p:cTn>
+                  </p:par>
+                </p:childTnLst>
+              </p:cTn>
+              <p:prevCondLst>
+                <p:cond evt="onPrev" delay="0">
+                  <p:tgtEl>
+                    <p:sldTgt/>
+                  </p:tgtEl>
+                </p:cond>
+              </p:prevCondLst>
+              <p:nextCondLst>
+                <p:cond evt="onNext" delay="0">
+                  <p:tgtEl>
+                    <p:sldTgt/>
+                  </p:tgtEl>
+                </p:cond>
+              </p:nextCondLst>
+            </p:seq>
+          </p:childTnLst>
+        </p:cTn>
+      </p:par>
+    </p:tnLst>
+  </p:timing>
 </p:sld>
 </file>
 
@@ -6130,46 +8892,13 @@
       </p:grpSpPr>
       <p:grpSp>
         <p:nvGrpSpPr>
-          <p:cNvPr id="1001" name="그룹 1001"/>
-          <p:cNvGrpSpPr/>
-          <p:nvPr/>
-        </p:nvGrpSpPr>
-        <p:grpSpPr>
-          <a:xfrm>
-            <a:off x="12023889" y="3830247"/>
-            <a:ext cx="5132359" cy="5132359"/>
-            <a:chOff x="12023889" y="3830247"/>
-            <a:chExt cx="5132359" cy="5132359"/>
-          </a:xfrm>
-        </p:grpSpPr>
-        <p:pic>
-          <p:nvPicPr>
-            <p:cNvPr id="3" name="Object 2"/>
-            <p:cNvPicPr>
-              <a:picLocks noChangeAspect="1"/>
-            </p:cNvPicPr>
-            <p:nvPr/>
-          </p:nvPicPr>
-          <p:blipFill>
-            <a:blip r:embed="rId3" cstate="print"/>
-            <a:stretch>
-              <a:fillRect/>
-            </a:stretch>
-          </p:blipFill>
-          <p:spPr>
-            <a:xfrm>
-              <a:off x="12023889" y="3830247"/>
-              <a:ext cx="5132359" cy="5132359"/>
-            </a:xfrm>
-            <a:prstGeom prst="rect">
-              <a:avLst/>
-            </a:prstGeom>
-          </p:spPr>
-        </p:pic>
-      </p:grpSp>
-      <p:grpSp>
-        <p:nvGrpSpPr>
-          <p:cNvPr id="1002" name="그룹 1002"/>
+          <p:cNvPr id="2" name="그룹 1">
+            <a:extLst>
+              <a:ext uri="{FF2B5EF4-FFF2-40B4-BE49-F238E27FC236}">
+                <a16:creationId xmlns:a16="http://schemas.microsoft.com/office/drawing/2014/main" id="{2566B36D-3714-4FF5-862C-DAD607A45284}"/>
+              </a:ext>
+            </a:extLst>
+          </p:cNvPr>
           <p:cNvGrpSpPr/>
           <p:nvPr/>
         </p:nvGrpSpPr>
@@ -6181,48 +8910,48 @@
             <a:chExt cx="5132359" cy="5132359"/>
           </a:xfrm>
         </p:grpSpPr>
+        <p:grpSp>
+          <p:nvGrpSpPr>
+            <p:cNvPr id="1002" name="그룹 1002"/>
+            <p:cNvGrpSpPr/>
+            <p:nvPr/>
+          </p:nvGrpSpPr>
+          <p:grpSpPr>
+            <a:xfrm>
+              <a:off x="1104069" y="3917128"/>
+              <a:ext cx="5132359" cy="5132359"/>
+              <a:chOff x="1104069" y="3917128"/>
+              <a:chExt cx="5132359" cy="5132359"/>
+            </a:xfrm>
+          </p:grpSpPr>
+          <p:pic>
+            <p:nvPicPr>
+              <p:cNvPr id="6" name="Object 5"/>
+              <p:cNvPicPr>
+                <a:picLocks noChangeAspect="1"/>
+              </p:cNvPicPr>
+              <p:nvPr/>
+            </p:nvPicPr>
+            <p:blipFill>
+              <a:blip r:embed="rId3" cstate="print"/>
+              <a:stretch>
+                <a:fillRect/>
+              </a:stretch>
+            </p:blipFill>
+            <p:spPr>
+              <a:xfrm rot="-5400000">
+                <a:off x="1104069" y="3917128"/>
+                <a:ext cx="5132359" cy="5132359"/>
+              </a:xfrm>
+              <a:prstGeom prst="rect">
+                <a:avLst/>
+              </a:prstGeom>
+            </p:spPr>
+          </p:pic>
+        </p:grpSp>
         <p:pic>
           <p:nvPicPr>
-            <p:cNvPr id="6" name="Object 5"/>
-            <p:cNvPicPr>
-              <a:picLocks noChangeAspect="1"/>
-            </p:cNvPicPr>
-            <p:nvPr/>
-          </p:nvPicPr>
-          <p:blipFill>
-            <a:blip r:embed="rId3" cstate="print"/>
-            <a:stretch>
-              <a:fillRect/>
-            </a:stretch>
-          </p:blipFill>
-          <p:spPr>
-            <a:xfrm rot="-5400000">
-              <a:off x="1104069" y="3917128"/>
-              <a:ext cx="5132359" cy="5132359"/>
-            </a:xfrm>
-            <a:prstGeom prst="rect">
-              <a:avLst/>
-            </a:prstGeom>
-          </p:spPr>
-        </p:pic>
-      </p:grpSp>
-      <p:grpSp>
-        <p:nvGrpSpPr>
-          <p:cNvPr id="1003" name="그룹 1003"/>
-          <p:cNvGrpSpPr/>
-          <p:nvPr/>
-        </p:nvGrpSpPr>
-        <p:grpSpPr>
-          <a:xfrm>
-            <a:off x="6563979" y="3917128"/>
-            <a:ext cx="5132359" cy="5132359"/>
-            <a:chOff x="6563979" y="3917128"/>
-            <a:chExt cx="5132359" cy="5132359"/>
-          </a:xfrm>
-        </p:grpSpPr>
-        <p:pic>
-          <p:nvPicPr>
-            <p:cNvPr id="9" name="Object 8"/>
+            <p:cNvPr id="11" name="Object 10"/>
             <p:cNvPicPr>
               <a:picLocks noChangeAspect="1"/>
             </p:cNvPicPr>
@@ -6235,9 +8964,33 @@
             </a:stretch>
           </p:blipFill>
           <p:spPr>
-            <a:xfrm rot="5400000">
-              <a:off x="6563979" y="3917128"/>
-              <a:ext cx="5132359" cy="5132359"/>
+            <a:xfrm>
+              <a:off x="1605210" y="6176972"/>
+              <a:ext cx="4217694" cy="787407"/>
+            </a:xfrm>
+            <a:prstGeom prst="rect">
+              <a:avLst/>
+            </a:prstGeom>
+          </p:spPr>
+        </p:pic>
+        <p:pic>
+          <p:nvPicPr>
+            <p:cNvPr id="12" name="Object 11"/>
+            <p:cNvPicPr>
+              <a:picLocks noChangeAspect="1"/>
+            </p:cNvPicPr>
+            <p:nvPr/>
+          </p:nvPicPr>
+          <p:blipFill>
+            <a:blip r:embed="rId5" cstate="print"/>
+            <a:stretch>
+              <a:fillRect/>
+            </a:stretch>
+          </p:blipFill>
+          <p:spPr>
+            <a:xfrm>
+              <a:off x="2311697" y="4795390"/>
+              <a:ext cx="2604657" cy="718438"/>
             </a:xfrm>
             <a:prstGeom prst="rect">
               <a:avLst/>
@@ -6247,31 +9000,7 @@
       </p:grpSp>
       <p:pic>
         <p:nvPicPr>
-          <p:cNvPr id="11" name="Object 10"/>
-          <p:cNvPicPr>
-            <a:picLocks noChangeAspect="1"/>
-          </p:cNvPicPr>
-          <p:nvPr/>
-        </p:nvPicPr>
-        <p:blipFill>
-          <a:blip r:embed="rId5" cstate="print"/>
-          <a:stretch>
-            <a:fillRect/>
-          </a:stretch>
-        </p:blipFill>
-        <p:spPr>
-          <a:xfrm>
-            <a:off x="1605210" y="6176972"/>
-            <a:ext cx="4217694" cy="787407"/>
-          </a:xfrm>
-          <a:prstGeom prst="rect">
-            <a:avLst/>
-          </a:prstGeom>
-        </p:spPr>
-      </p:pic>
-      <p:pic>
-        <p:nvPicPr>
-          <p:cNvPr id="12" name="Object 11"/>
+          <p:cNvPr id="15" name="Object 14"/>
           <p:cNvPicPr>
             <a:picLocks noChangeAspect="1"/>
           </p:cNvPicPr>
@@ -6279,78 +9008,6 @@
         </p:nvPicPr>
         <p:blipFill>
           <a:blip r:embed="rId6" cstate="print"/>
-          <a:stretch>
-            <a:fillRect/>
-          </a:stretch>
-        </p:blipFill>
-        <p:spPr>
-          <a:xfrm>
-            <a:off x="2311697" y="4795390"/>
-            <a:ext cx="2604657" cy="718438"/>
-          </a:xfrm>
-          <a:prstGeom prst="rect">
-            <a:avLst/>
-          </a:prstGeom>
-        </p:spPr>
-      </p:pic>
-      <p:pic>
-        <p:nvPicPr>
-          <p:cNvPr id="13" name="Object 12"/>
-          <p:cNvPicPr>
-            <a:picLocks noChangeAspect="1"/>
-          </p:cNvPicPr>
-          <p:nvPr/>
-        </p:nvPicPr>
-        <p:blipFill>
-          <a:blip r:embed="rId7" cstate="print"/>
-          <a:stretch>
-            <a:fillRect/>
-          </a:stretch>
-        </p:blipFill>
-        <p:spPr>
-          <a:xfrm>
-            <a:off x="7041725" y="6176972"/>
-            <a:ext cx="4270841" cy="1114256"/>
-          </a:xfrm>
-          <a:prstGeom prst="rect">
-            <a:avLst/>
-          </a:prstGeom>
-        </p:spPr>
-      </p:pic>
-      <p:pic>
-        <p:nvPicPr>
-          <p:cNvPr id="14" name="Object 13"/>
-          <p:cNvPicPr>
-            <a:picLocks noChangeAspect="1"/>
-          </p:cNvPicPr>
-          <p:nvPr/>
-        </p:nvPicPr>
-        <p:blipFill>
-          <a:blip r:embed="rId8" cstate="print"/>
-          <a:stretch>
-            <a:fillRect/>
-          </a:stretch>
-        </p:blipFill>
-        <p:spPr>
-          <a:xfrm>
-            <a:off x="12374763" y="6176972"/>
-            <a:ext cx="4400387" cy="1114256"/>
-          </a:xfrm>
-          <a:prstGeom prst="rect">
-            <a:avLst/>
-          </a:prstGeom>
-        </p:spPr>
-      </p:pic>
-      <p:pic>
-        <p:nvPicPr>
-          <p:cNvPr id="15" name="Object 14"/>
-          <p:cNvPicPr>
-            <a:picLocks noChangeAspect="1"/>
-          </p:cNvPicPr>
-          <p:nvPr/>
-        </p:nvPicPr>
-        <p:blipFill>
-          <a:blip r:embed="rId9" cstate="print"/>
           <a:stretch>
             <a:fillRect/>
           </a:stretch>
@@ -6388,7 +9045,7 @@
             <p:nvPr/>
           </p:nvPicPr>
           <p:blipFill>
-            <a:blip r:embed="rId10" cstate="print"/>
+            <a:blip r:embed="rId7" cstate="print"/>
             <a:stretch>
               <a:fillRect/>
             </a:stretch>
@@ -6404,59 +9061,494 @@
           </p:spPr>
         </p:pic>
       </p:grpSp>
-      <p:pic>
-        <p:nvPicPr>
-          <p:cNvPr id="19" name="Object 18"/>
-          <p:cNvPicPr>
-            <a:picLocks noChangeAspect="1"/>
-          </p:cNvPicPr>
+      <p:grpSp>
+        <p:nvGrpSpPr>
+          <p:cNvPr id="4" name="그룹 3">
+            <a:extLst>
+              <a:ext uri="{FF2B5EF4-FFF2-40B4-BE49-F238E27FC236}">
+                <a16:creationId xmlns:a16="http://schemas.microsoft.com/office/drawing/2014/main" id="{5F8E4D89-443D-49C9-BD75-AF781FD195B9}"/>
+              </a:ext>
+            </a:extLst>
+          </p:cNvPr>
+          <p:cNvGrpSpPr/>
           <p:nvPr/>
-        </p:nvPicPr>
-        <p:blipFill>
-          <a:blip r:embed="rId11" cstate="print"/>
-          <a:stretch>
-            <a:fillRect/>
-          </a:stretch>
-        </p:blipFill>
-        <p:spPr>
+        </p:nvGrpSpPr>
+        <p:grpSpPr>
           <a:xfrm>
-            <a:off x="7706203" y="4795390"/>
-            <a:ext cx="2930787" cy="718438"/>
+            <a:off x="6563979" y="3917128"/>
+            <a:ext cx="5132359" cy="5132359"/>
+            <a:chOff x="6563979" y="3917128"/>
+            <a:chExt cx="5132359" cy="5132359"/>
           </a:xfrm>
-          <a:prstGeom prst="rect">
-            <a:avLst/>
-          </a:prstGeom>
-        </p:spPr>
-      </p:pic>
-      <p:pic>
-        <p:nvPicPr>
-          <p:cNvPr id="20" name="Object 19"/>
-          <p:cNvPicPr>
-            <a:picLocks noChangeAspect="1"/>
-          </p:cNvPicPr>
+        </p:grpSpPr>
+        <p:grpSp>
+          <p:nvGrpSpPr>
+            <p:cNvPr id="1003" name="그룹 1003"/>
+            <p:cNvGrpSpPr/>
+            <p:nvPr/>
+          </p:nvGrpSpPr>
+          <p:grpSpPr>
+            <a:xfrm>
+              <a:off x="6563979" y="3917128"/>
+              <a:ext cx="5132359" cy="5132359"/>
+              <a:chOff x="6563979" y="3917128"/>
+              <a:chExt cx="5132359" cy="5132359"/>
+            </a:xfrm>
+          </p:grpSpPr>
+          <p:pic>
+            <p:nvPicPr>
+              <p:cNvPr id="9" name="Object 8"/>
+              <p:cNvPicPr>
+                <a:picLocks noChangeAspect="1"/>
+              </p:cNvPicPr>
+              <p:nvPr/>
+            </p:nvPicPr>
+            <p:blipFill>
+              <a:blip r:embed="rId8" cstate="print"/>
+              <a:stretch>
+                <a:fillRect/>
+              </a:stretch>
+            </p:blipFill>
+            <p:spPr>
+              <a:xfrm rot="5400000">
+                <a:off x="6563979" y="3917128"/>
+                <a:ext cx="5132359" cy="5132359"/>
+              </a:xfrm>
+              <a:prstGeom prst="rect">
+                <a:avLst/>
+              </a:prstGeom>
+            </p:spPr>
+          </p:pic>
+        </p:grpSp>
+        <p:pic>
+          <p:nvPicPr>
+            <p:cNvPr id="13" name="Object 12"/>
+            <p:cNvPicPr>
+              <a:picLocks noChangeAspect="1"/>
+            </p:cNvPicPr>
+            <p:nvPr/>
+          </p:nvPicPr>
+          <p:blipFill>
+            <a:blip r:embed="rId9" cstate="print"/>
+            <a:stretch>
+              <a:fillRect/>
+            </a:stretch>
+          </p:blipFill>
+          <p:spPr>
+            <a:xfrm>
+              <a:off x="7041725" y="6176972"/>
+              <a:ext cx="4270841" cy="1114256"/>
+            </a:xfrm>
+            <a:prstGeom prst="rect">
+              <a:avLst/>
+            </a:prstGeom>
+          </p:spPr>
+        </p:pic>
+        <p:pic>
+          <p:nvPicPr>
+            <p:cNvPr id="19" name="Object 18"/>
+            <p:cNvPicPr>
+              <a:picLocks noChangeAspect="1"/>
+            </p:cNvPicPr>
+            <p:nvPr/>
+          </p:nvPicPr>
+          <p:blipFill>
+            <a:blip r:embed="rId10" cstate="print"/>
+            <a:stretch>
+              <a:fillRect/>
+            </a:stretch>
+          </p:blipFill>
+          <p:spPr>
+            <a:xfrm>
+              <a:off x="7706203" y="4795390"/>
+              <a:ext cx="2930787" cy="718438"/>
+            </a:xfrm>
+            <a:prstGeom prst="rect">
+              <a:avLst/>
+            </a:prstGeom>
+          </p:spPr>
+        </p:pic>
+      </p:grpSp>
+      <p:grpSp>
+        <p:nvGrpSpPr>
+          <p:cNvPr id="5" name="그룹 4">
+            <a:extLst>
+              <a:ext uri="{FF2B5EF4-FFF2-40B4-BE49-F238E27FC236}">
+                <a16:creationId xmlns:a16="http://schemas.microsoft.com/office/drawing/2014/main" id="{24F4770F-2014-4ECA-B0F5-5A95DCD13CDE}"/>
+              </a:ext>
+            </a:extLst>
+          </p:cNvPr>
+          <p:cNvGrpSpPr/>
           <p:nvPr/>
-        </p:nvPicPr>
-        <p:blipFill>
-          <a:blip r:embed="rId12" cstate="print"/>
-          <a:stretch>
-            <a:fillRect/>
-          </a:stretch>
-        </p:blipFill>
-        <p:spPr>
+        </p:nvGrpSpPr>
+        <p:grpSpPr>
           <a:xfrm>
-            <a:off x="12598749" y="4795390"/>
-            <a:ext cx="3909179" cy="718438"/>
+            <a:off x="12023889" y="3830247"/>
+            <a:ext cx="5132359" cy="5132359"/>
+            <a:chOff x="12023889" y="3830247"/>
+            <a:chExt cx="5132359" cy="5132359"/>
           </a:xfrm>
-          <a:prstGeom prst="rect">
-            <a:avLst/>
-          </a:prstGeom>
-        </p:spPr>
-      </p:pic>
+        </p:grpSpPr>
+        <p:grpSp>
+          <p:nvGrpSpPr>
+            <p:cNvPr id="1001" name="그룹 1001"/>
+            <p:cNvGrpSpPr/>
+            <p:nvPr/>
+          </p:nvGrpSpPr>
+          <p:grpSpPr>
+            <a:xfrm>
+              <a:off x="12023889" y="3830247"/>
+              <a:ext cx="5132359" cy="5132359"/>
+              <a:chOff x="12023889" y="3830247"/>
+              <a:chExt cx="5132359" cy="5132359"/>
+            </a:xfrm>
+          </p:grpSpPr>
+          <p:pic>
+            <p:nvPicPr>
+              <p:cNvPr id="3" name="Object 2"/>
+              <p:cNvPicPr>
+                <a:picLocks noChangeAspect="1"/>
+              </p:cNvPicPr>
+              <p:nvPr/>
+            </p:nvPicPr>
+            <p:blipFill>
+              <a:blip r:embed="rId3" cstate="print"/>
+              <a:stretch>
+                <a:fillRect/>
+              </a:stretch>
+            </p:blipFill>
+            <p:spPr>
+              <a:xfrm>
+                <a:off x="12023889" y="3830247"/>
+                <a:ext cx="5132359" cy="5132359"/>
+              </a:xfrm>
+              <a:prstGeom prst="rect">
+                <a:avLst/>
+              </a:prstGeom>
+            </p:spPr>
+          </p:pic>
+        </p:grpSp>
+        <p:pic>
+          <p:nvPicPr>
+            <p:cNvPr id="14" name="Object 13"/>
+            <p:cNvPicPr>
+              <a:picLocks noChangeAspect="1"/>
+            </p:cNvPicPr>
+            <p:nvPr/>
+          </p:nvPicPr>
+          <p:blipFill>
+            <a:blip r:embed="rId11" cstate="print"/>
+            <a:stretch>
+              <a:fillRect/>
+            </a:stretch>
+          </p:blipFill>
+          <p:spPr>
+            <a:xfrm>
+              <a:off x="12374763" y="6176972"/>
+              <a:ext cx="4400387" cy="1114256"/>
+            </a:xfrm>
+            <a:prstGeom prst="rect">
+              <a:avLst/>
+            </a:prstGeom>
+          </p:spPr>
+        </p:pic>
+        <p:pic>
+          <p:nvPicPr>
+            <p:cNvPr id="20" name="Object 19"/>
+            <p:cNvPicPr>
+              <a:picLocks noChangeAspect="1"/>
+            </p:cNvPicPr>
+            <p:nvPr/>
+          </p:nvPicPr>
+          <p:blipFill>
+            <a:blip r:embed="rId12" cstate="print"/>
+            <a:stretch>
+              <a:fillRect/>
+            </a:stretch>
+          </p:blipFill>
+          <p:spPr>
+            <a:xfrm>
+              <a:off x="12598749" y="4795390"/>
+              <a:ext cx="3909179" cy="718438"/>
+            </a:xfrm>
+            <a:prstGeom prst="rect">
+              <a:avLst/>
+            </a:prstGeom>
+          </p:spPr>
+        </p:pic>
+      </p:grpSp>
     </p:spTree>
   </p:cSld>
   <p:clrMapOvr>
     <a:masterClrMapping/>
   </p:clrMapOvr>
+  <p:timing>
+    <p:tnLst>
+      <p:par>
+        <p:cTn id="1" dur="indefinite" restart="never" nodeType="tmRoot">
+          <p:childTnLst>
+            <p:seq concurrent="1" nextAc="seek">
+              <p:cTn id="2" dur="indefinite" nodeType="mainSeq">
+                <p:childTnLst>
+                  <p:par>
+                    <p:cTn id="3" fill="hold">
+                      <p:stCondLst>
+                        <p:cond delay="indefinite"/>
+                      </p:stCondLst>
+                      <p:childTnLst>
+                        <p:par>
+                          <p:cTn id="4" fill="hold">
+                            <p:stCondLst>
+                              <p:cond delay="0"/>
+                            </p:stCondLst>
+                            <p:childTnLst>
+                              <p:par>
+                                <p:cTn id="5" presetID="2" presetClass="entr" presetSubtype="4" accel="31429" decel="68571" fill="hold" nodeType="clickEffect">
+                                  <p:stCondLst>
+                                    <p:cond delay="0"/>
+                                  </p:stCondLst>
+                                  <p:childTnLst>
+                                    <p:set>
+                                      <p:cBhvr>
+                                        <p:cTn id="6" dur="1" fill="hold">
+                                          <p:stCondLst>
+                                            <p:cond delay="0"/>
+                                          </p:stCondLst>
+                                        </p:cTn>
+                                        <p:tgtEl>
+                                          <p:spTgt spid="2"/>
+                                        </p:tgtEl>
+                                        <p:attrNameLst>
+                                          <p:attrName>style.visibility</p:attrName>
+                                        </p:attrNameLst>
+                                      </p:cBhvr>
+                                      <p:to>
+                                        <p:strVal val="visible"/>
+                                      </p:to>
+                                    </p:set>
+                                    <p:anim calcmode="lin" valueType="num">
+                                      <p:cBhvr additive="base">
+                                        <p:cTn id="7" dur="700" fill="hold"/>
+                                        <p:tgtEl>
+                                          <p:spTgt spid="2"/>
+                                        </p:tgtEl>
+                                        <p:attrNameLst>
+                                          <p:attrName>ppt_x</p:attrName>
+                                        </p:attrNameLst>
+                                      </p:cBhvr>
+                                      <p:tavLst>
+                                        <p:tav tm="0">
+                                          <p:val>
+                                            <p:strVal val="#ppt_x"/>
+                                          </p:val>
+                                        </p:tav>
+                                        <p:tav tm="100000">
+                                          <p:val>
+                                            <p:strVal val="#ppt_x"/>
+                                          </p:val>
+                                        </p:tav>
+                                      </p:tavLst>
+                                    </p:anim>
+                                    <p:anim calcmode="lin" valueType="num">
+                                      <p:cBhvr additive="base">
+                                        <p:cTn id="8" dur="700" fill="hold"/>
+                                        <p:tgtEl>
+                                          <p:spTgt spid="2"/>
+                                        </p:tgtEl>
+                                        <p:attrNameLst>
+                                          <p:attrName>ppt_y</p:attrName>
+                                        </p:attrNameLst>
+                                      </p:cBhvr>
+                                      <p:tavLst>
+                                        <p:tav tm="0">
+                                          <p:val>
+                                            <p:strVal val="1+#ppt_h/2"/>
+                                          </p:val>
+                                        </p:tav>
+                                        <p:tav tm="100000">
+                                          <p:val>
+                                            <p:strVal val="#ppt_y"/>
+                                          </p:val>
+                                        </p:tav>
+                                      </p:tavLst>
+                                    </p:anim>
+                                  </p:childTnLst>
+                                </p:cTn>
+                              </p:par>
+                              <p:par>
+                                <p:cTn id="9" presetID="2" presetClass="entr" presetSubtype="4" accel="31429" decel="68571" fill="hold" nodeType="withEffect">
+                                  <p:stCondLst>
+                                    <p:cond delay="250"/>
+                                  </p:stCondLst>
+                                  <p:childTnLst>
+                                    <p:set>
+                                      <p:cBhvr>
+                                        <p:cTn id="10" dur="1" fill="hold">
+                                          <p:stCondLst>
+                                            <p:cond delay="0"/>
+                                          </p:stCondLst>
+                                        </p:cTn>
+                                        <p:tgtEl>
+                                          <p:spTgt spid="4"/>
+                                        </p:tgtEl>
+                                        <p:attrNameLst>
+                                          <p:attrName>style.visibility</p:attrName>
+                                        </p:attrNameLst>
+                                      </p:cBhvr>
+                                      <p:to>
+                                        <p:strVal val="visible"/>
+                                      </p:to>
+                                    </p:set>
+                                    <p:anim calcmode="lin" valueType="num">
+                                      <p:cBhvr additive="base">
+                                        <p:cTn id="11" dur="700" fill="hold"/>
+                                        <p:tgtEl>
+                                          <p:spTgt spid="4"/>
+                                        </p:tgtEl>
+                                        <p:attrNameLst>
+                                          <p:attrName>ppt_x</p:attrName>
+                                        </p:attrNameLst>
+                                      </p:cBhvr>
+                                      <p:tavLst>
+                                        <p:tav tm="0">
+                                          <p:val>
+                                            <p:strVal val="#ppt_x"/>
+                                          </p:val>
+                                        </p:tav>
+                                        <p:tav tm="100000">
+                                          <p:val>
+                                            <p:strVal val="#ppt_x"/>
+                                          </p:val>
+                                        </p:tav>
+                                      </p:tavLst>
+                                    </p:anim>
+                                    <p:anim calcmode="lin" valueType="num">
+                                      <p:cBhvr additive="base">
+                                        <p:cTn id="12" dur="700" fill="hold"/>
+                                        <p:tgtEl>
+                                          <p:spTgt spid="4"/>
+                                        </p:tgtEl>
+                                        <p:attrNameLst>
+                                          <p:attrName>ppt_y</p:attrName>
+                                        </p:attrNameLst>
+                                      </p:cBhvr>
+                                      <p:tavLst>
+                                        <p:tav tm="0">
+                                          <p:val>
+                                            <p:strVal val="1+#ppt_h/2"/>
+                                          </p:val>
+                                        </p:tav>
+                                        <p:tav tm="100000">
+                                          <p:val>
+                                            <p:strVal val="#ppt_y"/>
+                                          </p:val>
+                                        </p:tav>
+                                      </p:tavLst>
+                                    </p:anim>
+                                  </p:childTnLst>
+                                </p:cTn>
+                              </p:par>
+                              <p:par>
+                                <p:cTn id="13" presetID="2" presetClass="entr" presetSubtype="4" accel="31429" decel="68571" fill="hold" nodeType="withEffect">
+                                  <p:stCondLst>
+                                    <p:cond delay="500"/>
+                                  </p:stCondLst>
+                                  <p:childTnLst>
+                                    <p:set>
+                                      <p:cBhvr>
+                                        <p:cTn id="14" dur="1" fill="hold">
+                                          <p:stCondLst>
+                                            <p:cond delay="0"/>
+                                          </p:stCondLst>
+                                        </p:cTn>
+                                        <p:tgtEl>
+                                          <p:spTgt spid="5"/>
+                                        </p:tgtEl>
+                                        <p:attrNameLst>
+                                          <p:attrName>style.visibility</p:attrName>
+                                        </p:attrNameLst>
+                                      </p:cBhvr>
+                                      <p:to>
+                                        <p:strVal val="visible"/>
+                                      </p:to>
+                                    </p:set>
+                                    <p:anim calcmode="lin" valueType="num">
+                                      <p:cBhvr additive="base">
+                                        <p:cTn id="15" dur="700" fill="hold"/>
+                                        <p:tgtEl>
+                                          <p:spTgt spid="5"/>
+                                        </p:tgtEl>
+                                        <p:attrNameLst>
+                                          <p:attrName>ppt_x</p:attrName>
+                                        </p:attrNameLst>
+                                      </p:cBhvr>
+                                      <p:tavLst>
+                                        <p:tav tm="0">
+                                          <p:val>
+                                            <p:strVal val="#ppt_x"/>
+                                          </p:val>
+                                        </p:tav>
+                                        <p:tav tm="100000">
+                                          <p:val>
+                                            <p:strVal val="#ppt_x"/>
+                                          </p:val>
+                                        </p:tav>
+                                      </p:tavLst>
+                                    </p:anim>
+                                    <p:anim calcmode="lin" valueType="num">
+                                      <p:cBhvr additive="base">
+                                        <p:cTn id="16" dur="700" fill="hold"/>
+                                        <p:tgtEl>
+                                          <p:spTgt spid="5"/>
+                                        </p:tgtEl>
+                                        <p:attrNameLst>
+                                          <p:attrName>ppt_y</p:attrName>
+                                        </p:attrNameLst>
+                                      </p:cBhvr>
+                                      <p:tavLst>
+                                        <p:tav tm="0">
+                                          <p:val>
+                                            <p:strVal val="1+#ppt_h/2"/>
+                                          </p:val>
+                                        </p:tav>
+                                        <p:tav tm="100000">
+                                          <p:val>
+                                            <p:strVal val="#ppt_y"/>
+                                          </p:val>
+                                        </p:tav>
+                                      </p:tavLst>
+                                    </p:anim>
+                                  </p:childTnLst>
+                                </p:cTn>
+                              </p:par>
+                            </p:childTnLst>
+                          </p:cTn>
+                        </p:par>
+                      </p:childTnLst>
+                    </p:cTn>
+                  </p:par>
+                </p:childTnLst>
+              </p:cTn>
+              <p:prevCondLst>
+                <p:cond evt="onPrev" delay="0">
+                  <p:tgtEl>
+                    <p:sldTgt/>
+                  </p:tgtEl>
+                </p:cond>
+              </p:prevCondLst>
+              <p:nextCondLst>
+                <p:cond evt="onNext" delay="0">
+                  <p:tgtEl>
+                    <p:sldTgt/>
+                  </p:tgtEl>
+                </p:cond>
+              </p:nextCondLst>
+            </p:seq>
+          </p:childTnLst>
+        </p:cTn>
+      </p:par>
+    </p:tnLst>
+  </p:timing>
 </p:sld>
 </file>
 
@@ -6487,45 +9579,6 @@
       </p:grpSpPr>
       <p:grpSp>
         <p:nvGrpSpPr>
-          <p:cNvPr id="1001" name="그룹 1001"/>
-          <p:cNvGrpSpPr/>
-          <p:nvPr/>
-        </p:nvGrpSpPr>
-        <p:grpSpPr>
-          <a:xfrm>
-            <a:off x="11828177" y="4053319"/>
-            <a:ext cx="2823043" cy="1892022"/>
-            <a:chOff x="11828177" y="4053319"/>
-            <a:chExt cx="2823043" cy="1892022"/>
-          </a:xfrm>
-        </p:grpSpPr>
-        <p:pic>
-          <p:nvPicPr>
-            <p:cNvPr id="3" name="Object 2"/>
-            <p:cNvPicPr>
-              <a:picLocks noChangeAspect="1"/>
-            </p:cNvPicPr>
-            <p:nvPr/>
-          </p:nvPicPr>
-          <p:blipFill>
-            <a:blip r:embed="rId2" cstate="print"/>
-            <a:stretch>
-              <a:fillRect/>
-            </a:stretch>
-          </p:blipFill>
-          <p:spPr>
-            <a:xfrm rot="-10800000">
-              <a:off x="11828177" y="4053319"/>
-              <a:ext cx="2823043" cy="1892022"/>
-            </a:xfrm>
-            <a:prstGeom prst="rect">
-              <a:avLst/>
-            </a:prstGeom>
-          </p:spPr>
-        </p:pic>
-      </p:grpSp>
-      <p:grpSp>
-        <p:nvGrpSpPr>
           <p:cNvPr id="1002" name="그룹 1002"/>
           <p:cNvGrpSpPr/>
           <p:nvPr/>
@@ -6547,7 +9600,7 @@
             <p:nvPr/>
           </p:nvPicPr>
           <p:blipFill>
-            <a:blip r:embed="rId3" cstate="print"/>
+            <a:blip r:embed="rId2" cstate="print"/>
             <a:stretch>
               <a:fillRect/>
             </a:stretch>
@@ -6556,240 +9609,6 @@
             <a:xfrm rot="-10800000">
               <a:off x="-316052" y="6100576"/>
               <a:ext cx="18998931" cy="4408280"/>
-            </a:xfrm>
-            <a:prstGeom prst="rect">
-              <a:avLst/>
-            </a:prstGeom>
-          </p:spPr>
-        </p:pic>
-      </p:grpSp>
-      <p:grpSp>
-        <p:nvGrpSpPr>
-          <p:cNvPr id="1003" name="그룹 1003"/>
-          <p:cNvGrpSpPr/>
-          <p:nvPr/>
-        </p:nvGrpSpPr>
-        <p:grpSpPr>
-          <a:xfrm>
-            <a:off x="679991" y="4276122"/>
-            <a:ext cx="2686885" cy="1800768"/>
-            <a:chOff x="679991" y="4276122"/>
-            <a:chExt cx="2686885" cy="1800768"/>
-          </a:xfrm>
-        </p:grpSpPr>
-        <p:pic>
-          <p:nvPicPr>
-            <p:cNvPr id="9" name="Object 8"/>
-            <p:cNvPicPr>
-              <a:picLocks noChangeAspect="1"/>
-            </p:cNvPicPr>
-            <p:nvPr/>
-          </p:nvPicPr>
-          <p:blipFill>
-            <a:blip r:embed="rId4" cstate="print"/>
-            <a:stretch>
-              <a:fillRect/>
-            </a:stretch>
-          </p:blipFill>
-          <p:spPr>
-            <a:xfrm rot="-10800000">
-              <a:off x="679991" y="4276122"/>
-              <a:ext cx="2686885" cy="1800768"/>
-            </a:xfrm>
-            <a:prstGeom prst="rect">
-              <a:avLst/>
-            </a:prstGeom>
-          </p:spPr>
-        </p:pic>
-      </p:grpSp>
-      <p:grpSp>
-        <p:nvGrpSpPr>
-          <p:cNvPr id="1004" name="그룹 1004"/>
-          <p:cNvGrpSpPr/>
-          <p:nvPr/>
-        </p:nvGrpSpPr>
-        <p:grpSpPr>
-          <a:xfrm>
-            <a:off x="4352216" y="6052202"/>
-            <a:ext cx="2385524" cy="2085385"/>
-            <a:chOff x="4352216" y="6052202"/>
-            <a:chExt cx="2385524" cy="2085385"/>
-          </a:xfrm>
-        </p:grpSpPr>
-        <p:pic>
-          <p:nvPicPr>
-            <p:cNvPr id="12" name="Object 11"/>
-            <p:cNvPicPr>
-              <a:picLocks noChangeAspect="1"/>
-            </p:cNvPicPr>
-            <p:nvPr/>
-          </p:nvPicPr>
-          <p:blipFill>
-            <a:blip r:embed="rId5" cstate="print"/>
-            <a:stretch>
-              <a:fillRect/>
-            </a:stretch>
-          </p:blipFill>
-          <p:spPr>
-            <a:xfrm>
-              <a:off x="4352216" y="6052202"/>
-              <a:ext cx="2385524" cy="2085385"/>
-            </a:xfrm>
-            <a:prstGeom prst="rect">
-              <a:avLst/>
-            </a:prstGeom>
-          </p:spPr>
-        </p:pic>
-      </p:grpSp>
-      <p:grpSp>
-        <p:nvGrpSpPr>
-          <p:cNvPr id="1005" name="그룹 1005"/>
-          <p:cNvGrpSpPr/>
-          <p:nvPr/>
-        </p:nvGrpSpPr>
-        <p:grpSpPr>
-          <a:xfrm>
-            <a:off x="1271068" y="5889883"/>
-            <a:ext cx="2470623" cy="2410023"/>
-            <a:chOff x="1271068" y="5889883"/>
-            <a:chExt cx="2470623" cy="2410023"/>
-          </a:xfrm>
-        </p:grpSpPr>
-        <p:pic>
-          <p:nvPicPr>
-            <p:cNvPr id="15" name="Object 14"/>
-            <p:cNvPicPr>
-              <a:picLocks noChangeAspect="1"/>
-            </p:cNvPicPr>
-            <p:nvPr/>
-          </p:nvPicPr>
-          <p:blipFill>
-            <a:blip r:embed="rId6" cstate="print"/>
-            <a:stretch>
-              <a:fillRect/>
-            </a:stretch>
-          </p:blipFill>
-          <p:spPr>
-            <a:xfrm>
-              <a:off x="1271068" y="5889883"/>
-              <a:ext cx="2470623" cy="2410023"/>
-            </a:xfrm>
-            <a:prstGeom prst="rect">
-              <a:avLst/>
-            </a:prstGeom>
-          </p:spPr>
-        </p:pic>
-      </p:grpSp>
-      <p:grpSp>
-        <p:nvGrpSpPr>
-          <p:cNvPr id="1006" name="그룹 1006"/>
-          <p:cNvGrpSpPr/>
-          <p:nvPr/>
-        </p:nvGrpSpPr>
-        <p:grpSpPr>
-          <a:xfrm>
-            <a:off x="14858652" y="6052202"/>
-            <a:ext cx="2385524" cy="2085385"/>
-            <a:chOff x="14858652" y="6052202"/>
-            <a:chExt cx="2385524" cy="2085385"/>
-          </a:xfrm>
-        </p:grpSpPr>
-        <p:pic>
-          <p:nvPicPr>
-            <p:cNvPr id="18" name="Object 17"/>
-            <p:cNvPicPr>
-              <a:picLocks noChangeAspect="1"/>
-            </p:cNvPicPr>
-            <p:nvPr/>
-          </p:nvPicPr>
-          <p:blipFill>
-            <a:blip r:embed="rId5" cstate="print"/>
-            <a:stretch>
-              <a:fillRect/>
-            </a:stretch>
-          </p:blipFill>
-          <p:spPr>
-            <a:xfrm rot="-9000000">
-              <a:off x="14858652" y="6052202"/>
-              <a:ext cx="2385524" cy="2085385"/>
-            </a:xfrm>
-            <a:prstGeom prst="rect">
-              <a:avLst/>
-            </a:prstGeom>
-          </p:spPr>
-        </p:pic>
-      </p:grpSp>
-      <p:grpSp>
-        <p:nvGrpSpPr>
-          <p:cNvPr id="1007" name="그룹 1007"/>
-          <p:cNvGrpSpPr/>
-          <p:nvPr/>
-        </p:nvGrpSpPr>
-        <p:grpSpPr>
-          <a:xfrm>
-            <a:off x="11630453" y="6052202"/>
-            <a:ext cx="2385524" cy="2085385"/>
-            <a:chOff x="11630453" y="6052202"/>
-            <a:chExt cx="2385524" cy="2085385"/>
-          </a:xfrm>
-        </p:grpSpPr>
-        <p:pic>
-          <p:nvPicPr>
-            <p:cNvPr id="21" name="Object 20"/>
-            <p:cNvPicPr>
-              <a:picLocks noChangeAspect="1"/>
-            </p:cNvPicPr>
-            <p:nvPr/>
-          </p:nvPicPr>
-          <p:blipFill>
-            <a:blip r:embed="rId5" cstate="print"/>
-            <a:stretch>
-              <a:fillRect/>
-            </a:stretch>
-          </p:blipFill>
-          <p:spPr>
-            <a:xfrm>
-              <a:off x="11630453" y="6052202"/>
-              <a:ext cx="2385524" cy="2085385"/>
-            </a:xfrm>
-            <a:prstGeom prst="rect">
-              <a:avLst/>
-            </a:prstGeom>
-          </p:spPr>
-        </p:pic>
-      </p:grpSp>
-      <p:grpSp>
-        <p:nvGrpSpPr>
-          <p:cNvPr id="1008" name="그룹 1008"/>
-          <p:cNvGrpSpPr/>
-          <p:nvPr/>
-        </p:nvGrpSpPr>
-        <p:grpSpPr>
-          <a:xfrm>
-            <a:off x="7311599" y="5292098"/>
-            <a:ext cx="3696257" cy="3605594"/>
-            <a:chOff x="7311599" y="5292098"/>
-            <a:chExt cx="3696257" cy="3605594"/>
-          </a:xfrm>
-        </p:grpSpPr>
-        <p:pic>
-          <p:nvPicPr>
-            <p:cNvPr id="24" name="Object 23"/>
-            <p:cNvPicPr>
-              <a:picLocks noChangeAspect="1"/>
-            </p:cNvPicPr>
-            <p:nvPr/>
-          </p:nvPicPr>
-          <p:blipFill>
-            <a:blip r:embed="rId7" cstate="print"/>
-            <a:stretch>
-              <a:fillRect/>
-            </a:stretch>
-          </p:blipFill>
-          <p:spPr>
-            <a:xfrm>
-              <a:off x="7311599" y="5292098"/>
-              <a:ext cx="3696257" cy="3605594"/>
             </a:xfrm>
             <a:prstGeom prst="rect">
               <a:avLst/>
@@ -6806,7 +9625,7 @@
           <p:nvPr/>
         </p:nvPicPr>
         <p:blipFill>
-          <a:blip r:embed="rId8" cstate="print"/>
+          <a:blip r:embed="rId3" cstate="print"/>
           <a:stretch>
             <a:fillRect/>
           </a:stretch>
@@ -6821,174 +9640,384 @@
           </a:prstGeom>
         </p:spPr>
       </p:pic>
-      <p:pic>
-        <p:nvPicPr>
-          <p:cNvPr id="27" name="Object 26"/>
-          <p:cNvPicPr>
-            <a:picLocks noChangeAspect="1"/>
-          </p:cNvPicPr>
+      <p:grpSp>
+        <p:nvGrpSpPr>
+          <p:cNvPr id="5" name="그룹 4">
+            <a:extLst>
+              <a:ext uri="{FF2B5EF4-FFF2-40B4-BE49-F238E27FC236}">
+                <a16:creationId xmlns:a16="http://schemas.microsoft.com/office/drawing/2014/main" id="{CDA9BE6F-3B58-409A-8BD7-76CA3BF975DA}"/>
+              </a:ext>
+            </a:extLst>
+          </p:cNvPr>
+          <p:cNvGrpSpPr/>
           <p:nvPr/>
-        </p:nvPicPr>
-        <p:blipFill>
-          <a:blip r:embed="rId9" cstate="print"/>
-          <a:stretch>
-            <a:fillRect/>
-          </a:stretch>
-        </p:blipFill>
-        <p:spPr>
+        </p:nvGrpSpPr>
+        <p:grpSpPr>
           <a:xfrm>
-            <a:off x="7769994" y="6357584"/>
-            <a:ext cx="2876087" cy="1691467"/>
+            <a:off x="7311599" y="5292098"/>
+            <a:ext cx="3696257" cy="3605594"/>
+            <a:chOff x="7311599" y="5292098"/>
+            <a:chExt cx="3696257" cy="3605594"/>
           </a:xfrm>
-          <a:prstGeom prst="rect">
-            <a:avLst/>
-          </a:prstGeom>
-        </p:spPr>
-      </p:pic>
-      <p:pic>
-        <p:nvPicPr>
-          <p:cNvPr id="28" name="Object 27"/>
-          <p:cNvPicPr>
-            <a:picLocks noChangeAspect="1"/>
-          </p:cNvPicPr>
+        </p:grpSpPr>
+        <p:grpSp>
+          <p:nvGrpSpPr>
+            <p:cNvPr id="1008" name="그룹 1008"/>
+            <p:cNvGrpSpPr/>
+            <p:nvPr/>
+          </p:nvGrpSpPr>
+          <p:grpSpPr>
+            <a:xfrm>
+              <a:off x="7311599" y="5292098"/>
+              <a:ext cx="3696257" cy="3605594"/>
+              <a:chOff x="7311599" y="5292098"/>
+              <a:chExt cx="3696257" cy="3605594"/>
+            </a:xfrm>
+          </p:grpSpPr>
+          <p:pic>
+            <p:nvPicPr>
+              <p:cNvPr id="24" name="Object 23"/>
+              <p:cNvPicPr>
+                <a:picLocks noChangeAspect="1"/>
+              </p:cNvPicPr>
+              <p:nvPr/>
+            </p:nvPicPr>
+            <p:blipFill>
+              <a:blip r:embed="rId4" cstate="print"/>
+              <a:stretch>
+                <a:fillRect/>
+              </a:stretch>
+            </p:blipFill>
+            <p:spPr>
+              <a:xfrm>
+                <a:off x="7311599" y="5292098"/>
+                <a:ext cx="3696257" cy="3605594"/>
+              </a:xfrm>
+              <a:prstGeom prst="rect">
+                <a:avLst/>
+              </a:prstGeom>
+            </p:spPr>
+          </p:pic>
+        </p:grpSp>
+        <p:pic>
+          <p:nvPicPr>
+            <p:cNvPr id="27" name="Object 26"/>
+            <p:cNvPicPr>
+              <a:picLocks noChangeAspect="1"/>
+            </p:cNvPicPr>
+            <p:nvPr/>
+          </p:nvPicPr>
+          <p:blipFill>
+            <a:blip r:embed="rId5" cstate="print"/>
+            <a:stretch>
+              <a:fillRect/>
+            </a:stretch>
+          </p:blipFill>
+          <p:spPr>
+            <a:xfrm>
+              <a:off x="7769994" y="6357584"/>
+              <a:ext cx="2876087" cy="1691467"/>
+            </a:xfrm>
+            <a:prstGeom prst="rect">
+              <a:avLst/>
+            </a:prstGeom>
+          </p:spPr>
+        </p:pic>
+      </p:grpSp>
+      <p:grpSp>
+        <p:nvGrpSpPr>
+          <p:cNvPr id="2" name="그룹 1">
+            <a:extLst>
+              <a:ext uri="{FF2B5EF4-FFF2-40B4-BE49-F238E27FC236}">
+                <a16:creationId xmlns:a16="http://schemas.microsoft.com/office/drawing/2014/main" id="{CB03D8E1-E3DE-4502-B5DF-2496AE7C632D}"/>
+              </a:ext>
+            </a:extLst>
+          </p:cNvPr>
+          <p:cNvGrpSpPr/>
           <p:nvPr/>
-        </p:nvPicPr>
-        <p:blipFill>
-          <a:blip r:embed="rId10" cstate="print"/>
-          <a:stretch>
-            <a:fillRect/>
-          </a:stretch>
-        </p:blipFill>
-        <p:spPr>
+        </p:nvGrpSpPr>
+        <p:grpSpPr>
           <a:xfrm>
-            <a:off x="4478747" y="6787750"/>
-            <a:ext cx="2193658" cy="777536"/>
+            <a:off x="679991" y="4276122"/>
+            <a:ext cx="3227194" cy="4023784"/>
+            <a:chOff x="679991" y="4276122"/>
+            <a:chExt cx="3227194" cy="4023784"/>
           </a:xfrm>
-          <a:prstGeom prst="rect">
-            <a:avLst/>
-          </a:prstGeom>
-        </p:spPr>
-      </p:pic>
-      <p:pic>
-        <p:nvPicPr>
-          <p:cNvPr id="29" name="Object 28"/>
-          <p:cNvPicPr>
-            <a:picLocks noChangeAspect="1"/>
-          </p:cNvPicPr>
+        </p:grpSpPr>
+        <p:grpSp>
+          <p:nvGrpSpPr>
+            <p:cNvPr id="1003" name="그룹 1003"/>
+            <p:cNvGrpSpPr/>
+            <p:nvPr/>
+          </p:nvGrpSpPr>
+          <p:grpSpPr>
+            <a:xfrm>
+              <a:off x="679991" y="4276122"/>
+              <a:ext cx="2686885" cy="1800768"/>
+              <a:chOff x="679991" y="4276122"/>
+              <a:chExt cx="2686885" cy="1800768"/>
+            </a:xfrm>
+          </p:grpSpPr>
+          <p:pic>
+            <p:nvPicPr>
+              <p:cNvPr id="9" name="Object 8"/>
+              <p:cNvPicPr>
+                <a:picLocks noChangeAspect="1"/>
+              </p:cNvPicPr>
+              <p:nvPr/>
+            </p:nvPicPr>
+            <p:blipFill>
+              <a:blip r:embed="rId6" cstate="print"/>
+              <a:stretch>
+                <a:fillRect/>
+              </a:stretch>
+            </p:blipFill>
+            <p:spPr>
+              <a:xfrm rot="-10800000">
+                <a:off x="679991" y="4276122"/>
+                <a:ext cx="2686885" cy="1800768"/>
+              </a:xfrm>
+              <a:prstGeom prst="rect">
+                <a:avLst/>
+              </a:prstGeom>
+            </p:spPr>
+          </p:pic>
+        </p:grpSp>
+        <p:grpSp>
+          <p:nvGrpSpPr>
+            <p:cNvPr id="1005" name="그룹 1005"/>
+            <p:cNvGrpSpPr/>
+            <p:nvPr/>
+          </p:nvGrpSpPr>
+          <p:grpSpPr>
+            <a:xfrm>
+              <a:off x="1271068" y="5889883"/>
+              <a:ext cx="2470623" cy="2410023"/>
+              <a:chOff x="1271068" y="5889883"/>
+              <a:chExt cx="2470623" cy="2410023"/>
+            </a:xfrm>
+          </p:grpSpPr>
+          <p:pic>
+            <p:nvPicPr>
+              <p:cNvPr id="15" name="Object 14"/>
+              <p:cNvPicPr>
+                <a:picLocks noChangeAspect="1"/>
+              </p:cNvPicPr>
+              <p:nvPr/>
+            </p:nvPicPr>
+            <p:blipFill>
+              <a:blip r:embed="rId7" cstate="print"/>
+              <a:stretch>
+                <a:fillRect/>
+              </a:stretch>
+            </p:blipFill>
+            <p:spPr>
+              <a:xfrm>
+                <a:off x="1271068" y="5889883"/>
+                <a:ext cx="2470623" cy="2410023"/>
+              </a:xfrm>
+              <a:prstGeom prst="rect">
+                <a:avLst/>
+              </a:prstGeom>
+            </p:spPr>
+          </p:pic>
+        </p:grpSp>
+        <p:pic>
+          <p:nvPicPr>
+            <p:cNvPr id="29" name="Object 28"/>
+            <p:cNvPicPr>
+              <a:picLocks noChangeAspect="1"/>
+            </p:cNvPicPr>
+            <p:nvPr/>
+          </p:nvPicPr>
+          <p:blipFill>
+            <a:blip r:embed="rId8" cstate="print"/>
+            <a:stretch>
+              <a:fillRect/>
+            </a:stretch>
+          </p:blipFill>
+          <p:spPr>
+            <a:xfrm>
+              <a:off x="1209683" y="6740933"/>
+              <a:ext cx="2697502" cy="777536"/>
+            </a:xfrm>
+            <a:prstGeom prst="rect">
+              <a:avLst/>
+            </a:prstGeom>
+          </p:spPr>
+        </p:pic>
+        <p:pic>
+          <p:nvPicPr>
+            <p:cNvPr id="32" name="Object 31"/>
+            <p:cNvPicPr>
+              <a:picLocks noChangeAspect="1"/>
+            </p:cNvPicPr>
+            <p:nvPr/>
+          </p:nvPicPr>
+          <p:blipFill>
+            <a:blip r:embed="rId9" cstate="print"/>
+            <a:stretch>
+              <a:fillRect/>
+            </a:stretch>
+          </p:blipFill>
+          <p:spPr>
+            <a:xfrm>
+              <a:off x="970925" y="4702910"/>
+              <a:ext cx="2021875" cy="669190"/>
+            </a:xfrm>
+            <a:prstGeom prst="rect">
+              <a:avLst/>
+            </a:prstGeom>
+          </p:spPr>
+        </p:pic>
+      </p:grpSp>
+      <p:grpSp>
+        <p:nvGrpSpPr>
+          <p:cNvPr id="7" name="그룹 6">
+            <a:extLst>
+              <a:ext uri="{FF2B5EF4-FFF2-40B4-BE49-F238E27FC236}">
+                <a16:creationId xmlns:a16="http://schemas.microsoft.com/office/drawing/2014/main" id="{5844DEC4-67CB-423C-9E71-D2990AFB22F4}"/>
+              </a:ext>
+            </a:extLst>
+          </p:cNvPr>
+          <p:cNvGrpSpPr/>
           <p:nvPr/>
-        </p:nvPicPr>
-        <p:blipFill>
-          <a:blip r:embed="rId11" cstate="print"/>
-          <a:stretch>
-            <a:fillRect/>
-          </a:stretch>
-        </p:blipFill>
-        <p:spPr>
+        </p:nvGrpSpPr>
+        <p:grpSpPr>
           <a:xfrm>
-            <a:off x="1209683" y="6740933"/>
-            <a:ext cx="2697502" cy="777536"/>
+            <a:off x="11630453" y="4053319"/>
+            <a:ext cx="3020767" cy="4084268"/>
+            <a:chOff x="11630453" y="4053319"/>
+            <a:chExt cx="3020767" cy="4084268"/>
           </a:xfrm>
-          <a:prstGeom prst="rect">
-            <a:avLst/>
-          </a:prstGeom>
-        </p:spPr>
-      </p:pic>
-      <p:pic>
-        <p:nvPicPr>
-          <p:cNvPr id="30" name="Object 29"/>
-          <p:cNvPicPr>
-            <a:picLocks noChangeAspect="1"/>
-          </p:cNvPicPr>
-          <p:nvPr/>
-        </p:nvPicPr>
-        <p:blipFill>
-          <a:blip r:embed="rId12" cstate="print"/>
-          <a:stretch>
-            <a:fillRect/>
-          </a:stretch>
-        </p:blipFill>
-        <p:spPr>
-          <a:xfrm>
-            <a:off x="15129568" y="6541889"/>
-            <a:ext cx="1862698" cy="1268611"/>
-          </a:xfrm>
-          <a:prstGeom prst="rect">
-            <a:avLst/>
-          </a:prstGeom>
-        </p:spPr>
-      </p:pic>
-      <p:pic>
-        <p:nvPicPr>
-          <p:cNvPr id="31" name="Object 30"/>
-          <p:cNvPicPr>
-            <a:picLocks noChangeAspect="1"/>
-          </p:cNvPicPr>
-          <p:nvPr/>
-        </p:nvPicPr>
-        <p:blipFill>
-          <a:blip r:embed="rId13" cstate="print"/>
-          <a:stretch>
-            <a:fillRect/>
-          </a:stretch>
-        </p:blipFill>
-        <p:spPr>
-          <a:xfrm>
-            <a:off x="11901378" y="6719387"/>
-            <a:ext cx="1862698" cy="777536"/>
-          </a:xfrm>
-          <a:prstGeom prst="rect">
-            <a:avLst/>
-          </a:prstGeom>
-        </p:spPr>
-      </p:pic>
-      <p:pic>
-        <p:nvPicPr>
-          <p:cNvPr id="32" name="Object 31"/>
-          <p:cNvPicPr>
-            <a:picLocks noChangeAspect="1"/>
-          </p:cNvPicPr>
-          <p:nvPr/>
-        </p:nvPicPr>
-        <p:blipFill>
-          <a:blip r:embed="rId14" cstate="print"/>
-          <a:stretch>
-            <a:fillRect/>
-          </a:stretch>
-        </p:blipFill>
-        <p:spPr>
-          <a:xfrm>
-            <a:off x="970925" y="4529496"/>
-            <a:ext cx="2021875" cy="669190"/>
-          </a:xfrm>
-          <a:prstGeom prst="rect">
-            <a:avLst/>
-          </a:prstGeom>
-        </p:spPr>
-      </p:pic>
-      <p:pic>
-        <p:nvPicPr>
-          <p:cNvPr id="33" name="Object 32"/>
-          <p:cNvPicPr>
-            <a:picLocks noChangeAspect="1"/>
-          </p:cNvPicPr>
-          <p:nvPr/>
-        </p:nvPicPr>
-        <p:blipFill>
-          <a:blip r:embed="rId15" cstate="print"/>
-          <a:stretch>
-            <a:fillRect/>
-          </a:stretch>
-        </p:blipFill>
-        <p:spPr>
-          <a:xfrm>
-            <a:off x="12128667" y="4335210"/>
-            <a:ext cx="1879215" cy="669190"/>
-          </a:xfrm>
-          <a:prstGeom prst="rect">
-            <a:avLst/>
-          </a:prstGeom>
-        </p:spPr>
-      </p:pic>
+        </p:grpSpPr>
+        <p:grpSp>
+          <p:nvGrpSpPr>
+            <p:cNvPr id="1001" name="그룹 1001"/>
+            <p:cNvGrpSpPr/>
+            <p:nvPr/>
+          </p:nvGrpSpPr>
+          <p:grpSpPr>
+            <a:xfrm>
+              <a:off x="11828177" y="4053319"/>
+              <a:ext cx="2823043" cy="1892022"/>
+              <a:chOff x="11828177" y="4053319"/>
+              <a:chExt cx="2823043" cy="1892022"/>
+            </a:xfrm>
+          </p:grpSpPr>
+          <p:pic>
+            <p:nvPicPr>
+              <p:cNvPr id="3" name="Object 2"/>
+              <p:cNvPicPr>
+                <a:picLocks noChangeAspect="1"/>
+              </p:cNvPicPr>
+              <p:nvPr/>
+            </p:nvPicPr>
+            <p:blipFill>
+              <a:blip r:embed="rId10" cstate="print"/>
+              <a:stretch>
+                <a:fillRect/>
+              </a:stretch>
+            </p:blipFill>
+            <p:spPr>
+              <a:xfrm rot="-10800000">
+                <a:off x="11828177" y="4053319"/>
+                <a:ext cx="2823043" cy="1892022"/>
+              </a:xfrm>
+              <a:prstGeom prst="rect">
+                <a:avLst/>
+              </a:prstGeom>
+            </p:spPr>
+          </p:pic>
+        </p:grpSp>
+        <p:grpSp>
+          <p:nvGrpSpPr>
+            <p:cNvPr id="1007" name="그룹 1007"/>
+            <p:cNvGrpSpPr/>
+            <p:nvPr/>
+          </p:nvGrpSpPr>
+          <p:grpSpPr>
+            <a:xfrm>
+              <a:off x="11630453" y="6052202"/>
+              <a:ext cx="2385524" cy="2085385"/>
+              <a:chOff x="11630453" y="6052202"/>
+              <a:chExt cx="2385524" cy="2085385"/>
+            </a:xfrm>
+          </p:grpSpPr>
+          <p:pic>
+            <p:nvPicPr>
+              <p:cNvPr id="21" name="Object 20"/>
+              <p:cNvPicPr>
+                <a:picLocks noChangeAspect="1"/>
+              </p:cNvPicPr>
+              <p:nvPr/>
+            </p:nvPicPr>
+            <p:blipFill>
+              <a:blip r:embed="rId11" cstate="print"/>
+              <a:stretch>
+                <a:fillRect/>
+              </a:stretch>
+            </p:blipFill>
+            <p:spPr>
+              <a:xfrm>
+                <a:off x="11630453" y="6052202"/>
+                <a:ext cx="2385524" cy="2085385"/>
+              </a:xfrm>
+              <a:prstGeom prst="rect">
+                <a:avLst/>
+              </a:prstGeom>
+            </p:spPr>
+          </p:pic>
+        </p:grpSp>
+        <p:pic>
+          <p:nvPicPr>
+            <p:cNvPr id="31" name="Object 30"/>
+            <p:cNvPicPr>
+              <a:picLocks noChangeAspect="1"/>
+            </p:cNvPicPr>
+            <p:nvPr/>
+          </p:nvPicPr>
+          <p:blipFill>
+            <a:blip r:embed="rId12" cstate="print"/>
+            <a:stretch>
+              <a:fillRect/>
+            </a:stretch>
+          </p:blipFill>
+          <p:spPr>
+            <a:xfrm>
+              <a:off x="11901378" y="6719387"/>
+              <a:ext cx="1862698" cy="777536"/>
+            </a:xfrm>
+            <a:prstGeom prst="rect">
+              <a:avLst/>
+            </a:prstGeom>
+          </p:spPr>
+        </p:pic>
+        <p:pic>
+          <p:nvPicPr>
+            <p:cNvPr id="33" name="Object 32"/>
+            <p:cNvPicPr>
+              <a:picLocks noChangeAspect="1"/>
+            </p:cNvPicPr>
+            <p:nvPr/>
+          </p:nvPicPr>
+          <p:blipFill>
+            <a:blip r:embed="rId13" cstate="print"/>
+            <a:stretch>
+              <a:fillRect/>
+            </a:stretch>
+          </p:blipFill>
+          <p:spPr>
+            <a:xfrm>
+              <a:off x="12217785" y="4474310"/>
+              <a:ext cx="1879215" cy="669190"/>
+            </a:xfrm>
+            <a:prstGeom prst="rect">
+              <a:avLst/>
+            </a:prstGeom>
+          </p:spPr>
+        </p:pic>
+      </p:grpSp>
       <p:grpSp>
         <p:nvGrpSpPr>
           <p:cNvPr id="1009" name="그룹 1009"/>
@@ -7012,7 +10041,7 @@
             <p:nvPr/>
           </p:nvPicPr>
           <p:blipFill>
-            <a:blip r:embed="rId16" cstate="print"/>
+            <a:blip r:embed="rId14" cstate="print"/>
             <a:stretch>
               <a:fillRect/>
             </a:stretch>
@@ -7030,21 +10059,129 @@
       </p:grpSp>
       <p:grpSp>
         <p:nvGrpSpPr>
-          <p:cNvPr id="1010" name="그룹 1010"/>
+          <p:cNvPr id="4" name="그룹 3">
+            <a:extLst>
+              <a:ext uri="{FF2B5EF4-FFF2-40B4-BE49-F238E27FC236}">
+                <a16:creationId xmlns:a16="http://schemas.microsoft.com/office/drawing/2014/main" id="{47ED7A26-9CD4-4A91-A64C-830AAFD346FC}"/>
+              </a:ext>
+            </a:extLst>
+          </p:cNvPr>
           <p:cNvGrpSpPr/>
           <p:nvPr/>
         </p:nvGrpSpPr>
         <p:grpSpPr>
           <a:xfrm>
             <a:off x="4195926" y="4077062"/>
-            <a:ext cx="2686885" cy="1942493"/>
+            <a:ext cx="2686885" cy="4060525"/>
             <a:chOff x="4195926" y="4077062"/>
-            <a:chExt cx="2686885" cy="1942493"/>
+            <a:chExt cx="2686885" cy="4060525"/>
           </a:xfrm>
         </p:grpSpPr>
+        <p:grpSp>
+          <p:nvGrpSpPr>
+            <p:cNvPr id="1004" name="그룹 1004"/>
+            <p:cNvGrpSpPr/>
+            <p:nvPr/>
+          </p:nvGrpSpPr>
+          <p:grpSpPr>
+            <a:xfrm>
+              <a:off x="4352216" y="6052202"/>
+              <a:ext cx="2385524" cy="2085385"/>
+              <a:chOff x="4352216" y="6052202"/>
+              <a:chExt cx="2385524" cy="2085385"/>
+            </a:xfrm>
+          </p:grpSpPr>
+          <p:pic>
+            <p:nvPicPr>
+              <p:cNvPr id="12" name="Object 11"/>
+              <p:cNvPicPr>
+                <a:picLocks noChangeAspect="1"/>
+              </p:cNvPicPr>
+              <p:nvPr/>
+            </p:nvPicPr>
+            <p:blipFill>
+              <a:blip r:embed="rId11" cstate="print"/>
+              <a:stretch>
+                <a:fillRect/>
+              </a:stretch>
+            </p:blipFill>
+            <p:spPr>
+              <a:xfrm>
+                <a:off x="4352216" y="6052202"/>
+                <a:ext cx="2385524" cy="2085385"/>
+              </a:xfrm>
+              <a:prstGeom prst="rect">
+                <a:avLst/>
+              </a:prstGeom>
+            </p:spPr>
+          </p:pic>
+        </p:grpSp>
         <p:pic>
           <p:nvPicPr>
-            <p:cNvPr id="38" name="Object 37"/>
+            <p:cNvPr id="28" name="Object 27"/>
+            <p:cNvPicPr>
+              <a:picLocks noChangeAspect="1"/>
+            </p:cNvPicPr>
+            <p:nvPr/>
+          </p:nvPicPr>
+          <p:blipFill>
+            <a:blip r:embed="rId15" cstate="print"/>
+            <a:stretch>
+              <a:fillRect/>
+            </a:stretch>
+          </p:blipFill>
+          <p:spPr>
+            <a:xfrm>
+              <a:off x="4478747" y="6787750"/>
+              <a:ext cx="2193658" cy="777536"/>
+            </a:xfrm>
+            <a:prstGeom prst="rect">
+              <a:avLst/>
+            </a:prstGeom>
+          </p:spPr>
+        </p:pic>
+        <p:grpSp>
+          <p:nvGrpSpPr>
+            <p:cNvPr id="1010" name="그룹 1010"/>
+            <p:cNvGrpSpPr/>
+            <p:nvPr/>
+          </p:nvGrpSpPr>
+          <p:grpSpPr>
+            <a:xfrm>
+              <a:off x="4195926" y="4077062"/>
+              <a:ext cx="2686885" cy="1942493"/>
+              <a:chOff x="4195926" y="4077062"/>
+              <a:chExt cx="2686885" cy="1942493"/>
+            </a:xfrm>
+          </p:grpSpPr>
+          <p:pic>
+            <p:nvPicPr>
+              <p:cNvPr id="38" name="Object 37"/>
+              <p:cNvPicPr>
+                <a:picLocks noChangeAspect="1"/>
+              </p:cNvPicPr>
+              <p:nvPr/>
+            </p:nvPicPr>
+            <p:blipFill>
+              <a:blip r:embed="rId16" cstate="print"/>
+              <a:stretch>
+                <a:fillRect/>
+              </a:stretch>
+            </p:blipFill>
+            <p:spPr>
+              <a:xfrm rot="-10800000">
+                <a:off x="4195926" y="4077062"/>
+                <a:ext cx="2686885" cy="1942493"/>
+              </a:xfrm>
+              <a:prstGeom prst="rect">
+                <a:avLst/>
+              </a:prstGeom>
+            </p:spPr>
+          </p:pic>
+        </p:grpSp>
+        <p:pic>
+          <p:nvPicPr>
+            <p:cNvPr id="40" name="Object 39"/>
             <p:cNvPicPr>
               <a:picLocks noChangeAspect="1"/>
             </p:cNvPicPr>
@@ -7057,9 +10194,9 @@
             </a:stretch>
           </p:blipFill>
           <p:spPr>
-            <a:xfrm rot="-10800000">
-              <a:off x="4195926" y="4077062"/>
-              <a:ext cx="2686885" cy="1942493"/>
+            <a:xfrm>
+              <a:off x="4436877" y="4580951"/>
+              <a:ext cx="1892634" cy="410149"/>
             </a:xfrm>
             <a:prstGeom prst="rect">
               <a:avLst/>
@@ -7067,62 +10204,146 @@
           </p:spPr>
         </p:pic>
       </p:grpSp>
-      <p:pic>
-        <p:nvPicPr>
-          <p:cNvPr id="40" name="Object 39"/>
-          <p:cNvPicPr>
-            <a:picLocks noChangeAspect="1"/>
-          </p:cNvPicPr>
-          <p:nvPr/>
-        </p:nvPicPr>
-        <p:blipFill>
-          <a:blip r:embed="rId18" cstate="print"/>
-          <a:stretch>
-            <a:fillRect/>
-          </a:stretch>
-        </p:blipFill>
-        <p:spPr>
-          <a:xfrm>
-            <a:off x="4436877" y="4392020"/>
-            <a:ext cx="1892634" cy="410149"/>
-          </a:xfrm>
-          <a:prstGeom prst="rect">
-            <a:avLst/>
-          </a:prstGeom>
-        </p:spPr>
-      </p:pic>
       <p:grpSp>
         <p:nvGrpSpPr>
-          <p:cNvPr id="1011" name="그룹 1011"/>
+          <p:cNvPr id="8" name="그룹 7">
+            <a:extLst>
+              <a:ext uri="{FF2B5EF4-FFF2-40B4-BE49-F238E27FC236}">
+                <a16:creationId xmlns:a16="http://schemas.microsoft.com/office/drawing/2014/main" id="{782E4644-99F4-496E-B8CE-25F541C9B4EF}"/>
+              </a:ext>
+            </a:extLst>
+          </p:cNvPr>
           <p:cNvGrpSpPr/>
           <p:nvPr/>
         </p:nvGrpSpPr>
         <p:grpSpPr>
           <a:xfrm>
-            <a:off x="14918839" y="4047055"/>
-            <a:ext cx="2686885" cy="1800768"/>
-            <a:chOff x="14918839" y="4047055"/>
-            <a:chExt cx="2686885" cy="1800768"/>
+            <a:off x="14858652" y="4047055"/>
+            <a:ext cx="2747072" cy="4090532"/>
+            <a:chOff x="14858652" y="4047055"/>
+            <a:chExt cx="2747072" cy="4090532"/>
           </a:xfrm>
         </p:grpSpPr>
+        <p:grpSp>
+          <p:nvGrpSpPr>
+            <p:cNvPr id="1006" name="그룹 1006"/>
+            <p:cNvGrpSpPr/>
+            <p:nvPr/>
+          </p:nvGrpSpPr>
+          <p:grpSpPr>
+            <a:xfrm>
+              <a:off x="14858652" y="6052202"/>
+              <a:ext cx="2385524" cy="2085385"/>
+              <a:chOff x="14858652" y="6052202"/>
+              <a:chExt cx="2385524" cy="2085385"/>
+            </a:xfrm>
+          </p:grpSpPr>
+          <p:pic>
+            <p:nvPicPr>
+              <p:cNvPr id="18" name="Object 17"/>
+              <p:cNvPicPr>
+                <a:picLocks noChangeAspect="1"/>
+              </p:cNvPicPr>
+              <p:nvPr/>
+            </p:nvPicPr>
+            <p:blipFill>
+              <a:blip r:embed="rId11" cstate="print"/>
+              <a:stretch>
+                <a:fillRect/>
+              </a:stretch>
+            </p:blipFill>
+            <p:spPr>
+              <a:xfrm rot="-9000000">
+                <a:off x="14858652" y="6052202"/>
+                <a:ext cx="2385524" cy="2085385"/>
+              </a:xfrm>
+              <a:prstGeom prst="rect">
+                <a:avLst/>
+              </a:prstGeom>
+            </p:spPr>
+          </p:pic>
+        </p:grpSp>
         <p:pic>
           <p:nvPicPr>
-            <p:cNvPr id="42" name="Object 41"/>
+            <p:cNvPr id="30" name="Object 29"/>
             <p:cNvPicPr>
               <a:picLocks noChangeAspect="1"/>
             </p:cNvPicPr>
             <p:nvPr/>
           </p:nvPicPr>
           <p:blipFill>
-            <a:blip r:embed="rId4" cstate="print"/>
+            <a:blip r:embed="rId18" cstate="print"/>
             <a:stretch>
               <a:fillRect/>
             </a:stretch>
           </p:blipFill>
           <p:spPr>
-            <a:xfrm rot="-10800000">
+            <a:xfrm>
+              <a:off x="15129568" y="6541889"/>
+              <a:ext cx="1862698" cy="1268611"/>
+            </a:xfrm>
+            <a:prstGeom prst="rect">
+              <a:avLst/>
+            </a:prstGeom>
+          </p:spPr>
+        </p:pic>
+        <p:grpSp>
+          <p:nvGrpSpPr>
+            <p:cNvPr id="1011" name="그룹 1011"/>
+            <p:cNvGrpSpPr/>
+            <p:nvPr/>
+          </p:nvGrpSpPr>
+          <p:grpSpPr>
+            <a:xfrm>
               <a:off x="14918839" y="4047055"/>
               <a:ext cx="2686885" cy="1800768"/>
+              <a:chOff x="14918839" y="4047055"/>
+              <a:chExt cx="2686885" cy="1800768"/>
+            </a:xfrm>
+          </p:grpSpPr>
+          <p:pic>
+            <p:nvPicPr>
+              <p:cNvPr id="42" name="Object 41"/>
+              <p:cNvPicPr>
+                <a:picLocks noChangeAspect="1"/>
+              </p:cNvPicPr>
+              <p:nvPr/>
+            </p:nvPicPr>
+            <p:blipFill>
+              <a:blip r:embed="rId6" cstate="print"/>
+              <a:stretch>
+                <a:fillRect/>
+              </a:stretch>
+            </p:blipFill>
+            <p:spPr>
+              <a:xfrm rot="-10800000">
+                <a:off x="14918839" y="4047055"/>
+                <a:ext cx="2686885" cy="1800768"/>
+              </a:xfrm>
+              <a:prstGeom prst="rect">
+                <a:avLst/>
+              </a:prstGeom>
+            </p:spPr>
+          </p:pic>
+        </p:grpSp>
+        <p:pic>
+          <p:nvPicPr>
+            <p:cNvPr id="44" name="Object 43"/>
+            <p:cNvPicPr>
+              <a:picLocks noChangeAspect="1"/>
+            </p:cNvPicPr>
+            <p:nvPr/>
+          </p:nvPicPr>
+          <p:blipFill>
+            <a:blip r:embed="rId19" cstate="print"/>
+            <a:stretch>
+              <a:fillRect/>
+            </a:stretch>
+          </p:blipFill>
+          <p:spPr>
+            <a:xfrm>
+              <a:off x="15240000" y="4457700"/>
+              <a:ext cx="1882854" cy="669190"/>
             </a:xfrm>
             <a:prstGeom prst="rect">
               <a:avLst/>
@@ -7130,35 +10351,564 @@
           </p:spPr>
         </p:pic>
       </p:grpSp>
-      <p:pic>
-        <p:nvPicPr>
-          <p:cNvPr id="44" name="Object 43"/>
-          <p:cNvPicPr>
-            <a:picLocks noChangeAspect="1"/>
-          </p:cNvPicPr>
-          <p:nvPr/>
-        </p:nvPicPr>
-        <p:blipFill>
-          <a:blip r:embed="rId19" cstate="print"/>
-          <a:stretch>
-            <a:fillRect/>
-          </a:stretch>
-        </p:blipFill>
-        <p:spPr>
-          <a:xfrm>
-            <a:off x="15158572" y="4311763"/>
-            <a:ext cx="1882854" cy="669190"/>
-          </a:xfrm>
-          <a:prstGeom prst="rect">
-            <a:avLst/>
-          </a:prstGeom>
-        </p:spPr>
-      </p:pic>
     </p:spTree>
   </p:cSld>
   <p:clrMapOvr>
     <a:masterClrMapping/>
   </p:clrMapOvr>
+  <p:timing>
+    <p:tnLst>
+      <p:par>
+        <p:cTn id="1" dur="indefinite" restart="never" nodeType="tmRoot">
+          <p:childTnLst>
+            <p:seq concurrent="1" nextAc="seek">
+              <p:cTn id="2" dur="indefinite" nodeType="mainSeq">
+                <p:childTnLst>
+                  <p:par>
+                    <p:cTn id="3" fill="hold">
+                      <p:stCondLst>
+                        <p:cond delay="indefinite"/>
+                      </p:stCondLst>
+                      <p:childTnLst>
+                        <p:par>
+                          <p:cTn id="4" fill="hold">
+                            <p:stCondLst>
+                              <p:cond delay="0"/>
+                            </p:stCondLst>
+                            <p:childTnLst>
+                              <p:par>
+                                <p:cTn id="5" presetID="2" presetClass="entr" presetSubtype="4" accel="12000" decel="88000" fill="hold" nodeType="clickEffect">
+                                  <p:stCondLst>
+                                    <p:cond delay="0"/>
+                                  </p:stCondLst>
+                                  <p:childTnLst>
+                                    <p:set>
+                                      <p:cBhvr>
+                                        <p:cTn id="6" dur="1" fill="hold">
+                                          <p:stCondLst>
+                                            <p:cond delay="0"/>
+                                          </p:stCondLst>
+                                        </p:cTn>
+                                        <p:tgtEl>
+                                          <p:spTgt spid="1002"/>
+                                        </p:tgtEl>
+                                        <p:attrNameLst>
+                                          <p:attrName>style.visibility</p:attrName>
+                                        </p:attrNameLst>
+                                      </p:cBhvr>
+                                      <p:to>
+                                        <p:strVal val="visible"/>
+                                      </p:to>
+                                    </p:set>
+                                    <p:anim calcmode="lin" valueType="num">
+                                      <p:cBhvr additive="base">
+                                        <p:cTn id="7" dur="800" fill="hold"/>
+                                        <p:tgtEl>
+                                          <p:spTgt spid="1002"/>
+                                        </p:tgtEl>
+                                        <p:attrNameLst>
+                                          <p:attrName>ppt_x</p:attrName>
+                                        </p:attrNameLst>
+                                      </p:cBhvr>
+                                      <p:tavLst>
+                                        <p:tav tm="0">
+                                          <p:val>
+                                            <p:strVal val="#ppt_x"/>
+                                          </p:val>
+                                        </p:tav>
+                                        <p:tav tm="100000">
+                                          <p:val>
+                                            <p:strVal val="#ppt_x"/>
+                                          </p:val>
+                                        </p:tav>
+                                      </p:tavLst>
+                                    </p:anim>
+                                    <p:anim calcmode="lin" valueType="num">
+                                      <p:cBhvr additive="base">
+                                        <p:cTn id="8" dur="800" fill="hold"/>
+                                        <p:tgtEl>
+                                          <p:spTgt spid="1002"/>
+                                        </p:tgtEl>
+                                        <p:attrNameLst>
+                                          <p:attrName>ppt_y</p:attrName>
+                                        </p:attrNameLst>
+                                      </p:cBhvr>
+                                      <p:tavLst>
+                                        <p:tav tm="0">
+                                          <p:val>
+                                            <p:strVal val="1+#ppt_h/2"/>
+                                          </p:val>
+                                        </p:tav>
+                                        <p:tav tm="100000">
+                                          <p:val>
+                                            <p:strVal val="#ppt_y"/>
+                                          </p:val>
+                                        </p:tav>
+                                      </p:tavLst>
+                                    </p:anim>
+                                  </p:childTnLst>
+                                </p:cTn>
+                              </p:par>
+                            </p:childTnLst>
+                          </p:cTn>
+                        </p:par>
+                        <p:par>
+                          <p:cTn id="9" fill="hold">
+                            <p:stCondLst>
+                              <p:cond delay="800"/>
+                            </p:stCondLst>
+                            <p:childTnLst>
+                              <p:par>
+                                <p:cTn id="10" presetID="42" presetClass="entr" presetSubtype="0" fill="hold" nodeType="afterEffect">
+                                  <p:stCondLst>
+                                    <p:cond delay="0"/>
+                                  </p:stCondLst>
+                                  <p:childTnLst>
+                                    <p:set>
+                                      <p:cBhvr>
+                                        <p:cTn id="11" dur="1" fill="hold">
+                                          <p:stCondLst>
+                                            <p:cond delay="0"/>
+                                          </p:stCondLst>
+                                        </p:cTn>
+                                        <p:tgtEl>
+                                          <p:spTgt spid="5"/>
+                                        </p:tgtEl>
+                                        <p:attrNameLst>
+                                          <p:attrName>style.visibility</p:attrName>
+                                        </p:attrNameLst>
+                                      </p:cBhvr>
+                                      <p:to>
+                                        <p:strVal val="visible"/>
+                                      </p:to>
+                                    </p:set>
+                                    <p:animEffect transition="in" filter="fade">
+                                      <p:cBhvr>
+                                        <p:cTn id="12" dur="650"/>
+                                        <p:tgtEl>
+                                          <p:spTgt spid="5"/>
+                                        </p:tgtEl>
+                                      </p:cBhvr>
+                                    </p:animEffect>
+                                    <p:anim calcmode="lin" valueType="num">
+                                      <p:cBhvr>
+                                        <p:cTn id="13" dur="650" fill="hold"/>
+                                        <p:tgtEl>
+                                          <p:spTgt spid="5"/>
+                                        </p:tgtEl>
+                                        <p:attrNameLst>
+                                          <p:attrName>ppt_x</p:attrName>
+                                        </p:attrNameLst>
+                                      </p:cBhvr>
+                                      <p:tavLst>
+                                        <p:tav tm="0">
+                                          <p:val>
+                                            <p:strVal val="#ppt_x"/>
+                                          </p:val>
+                                        </p:tav>
+                                        <p:tav tm="100000">
+                                          <p:val>
+                                            <p:strVal val="#ppt_x"/>
+                                          </p:val>
+                                        </p:tav>
+                                      </p:tavLst>
+                                    </p:anim>
+                                    <p:anim calcmode="lin" valueType="num">
+                                      <p:cBhvr>
+                                        <p:cTn id="14" dur="650" fill="hold"/>
+                                        <p:tgtEl>
+                                          <p:spTgt spid="5"/>
+                                        </p:tgtEl>
+                                        <p:attrNameLst>
+                                          <p:attrName>ppt_y</p:attrName>
+                                        </p:attrNameLst>
+                                      </p:cBhvr>
+                                      <p:tavLst>
+                                        <p:tav tm="0">
+                                          <p:val>
+                                            <p:strVal val="#ppt_y+.1"/>
+                                          </p:val>
+                                        </p:tav>
+                                        <p:tav tm="100000">
+                                          <p:val>
+                                            <p:strVal val="#ppt_y"/>
+                                          </p:val>
+                                        </p:tav>
+                                      </p:tavLst>
+                                    </p:anim>
+                                  </p:childTnLst>
+                                </p:cTn>
+                              </p:par>
+                            </p:childTnLst>
+                          </p:cTn>
+                        </p:par>
+                        <p:par>
+                          <p:cTn id="15" fill="hold">
+                            <p:stCondLst>
+                              <p:cond delay="1450"/>
+                            </p:stCondLst>
+                            <p:childTnLst>
+                              <p:par>
+                                <p:cTn id="16" presetID="42" presetClass="entr" presetSubtype="0" fill="hold" nodeType="afterEffect">
+                                  <p:stCondLst>
+                                    <p:cond delay="0"/>
+                                  </p:stCondLst>
+                                  <p:childTnLst>
+                                    <p:set>
+                                      <p:cBhvr>
+                                        <p:cTn id="17" dur="1" fill="hold">
+                                          <p:stCondLst>
+                                            <p:cond delay="0"/>
+                                          </p:stCondLst>
+                                        </p:cTn>
+                                        <p:tgtEl>
+                                          <p:spTgt spid="4"/>
+                                        </p:tgtEl>
+                                        <p:attrNameLst>
+                                          <p:attrName>style.visibility</p:attrName>
+                                        </p:attrNameLst>
+                                      </p:cBhvr>
+                                      <p:to>
+                                        <p:strVal val="visible"/>
+                                      </p:to>
+                                    </p:set>
+                                    <p:animEffect transition="in" filter="fade">
+                                      <p:cBhvr>
+                                        <p:cTn id="18" dur="650"/>
+                                        <p:tgtEl>
+                                          <p:spTgt spid="4"/>
+                                        </p:tgtEl>
+                                      </p:cBhvr>
+                                    </p:animEffect>
+                                    <p:anim calcmode="lin" valueType="num">
+                                      <p:cBhvr>
+                                        <p:cTn id="19" dur="650" fill="hold"/>
+                                        <p:tgtEl>
+                                          <p:spTgt spid="4"/>
+                                        </p:tgtEl>
+                                        <p:attrNameLst>
+                                          <p:attrName>ppt_x</p:attrName>
+                                        </p:attrNameLst>
+                                      </p:cBhvr>
+                                      <p:tavLst>
+                                        <p:tav tm="0">
+                                          <p:val>
+                                            <p:strVal val="#ppt_x"/>
+                                          </p:val>
+                                        </p:tav>
+                                        <p:tav tm="100000">
+                                          <p:val>
+                                            <p:strVal val="#ppt_x"/>
+                                          </p:val>
+                                        </p:tav>
+                                      </p:tavLst>
+                                    </p:anim>
+                                    <p:anim calcmode="lin" valueType="num">
+                                      <p:cBhvr>
+                                        <p:cTn id="20" dur="650" fill="hold"/>
+                                        <p:tgtEl>
+                                          <p:spTgt spid="4"/>
+                                        </p:tgtEl>
+                                        <p:attrNameLst>
+                                          <p:attrName>ppt_y</p:attrName>
+                                        </p:attrNameLst>
+                                      </p:cBhvr>
+                                      <p:tavLst>
+                                        <p:tav tm="0">
+                                          <p:val>
+                                            <p:strVal val="#ppt_y+.1"/>
+                                          </p:val>
+                                        </p:tav>
+                                        <p:tav tm="100000">
+                                          <p:val>
+                                            <p:strVal val="#ppt_y"/>
+                                          </p:val>
+                                        </p:tav>
+                                      </p:tavLst>
+                                    </p:anim>
+                                  </p:childTnLst>
+                                </p:cTn>
+                              </p:par>
+                              <p:par>
+                                <p:cTn id="21" presetID="42" presetClass="entr" presetSubtype="0" fill="hold" nodeType="withEffect">
+                                  <p:stCondLst>
+                                    <p:cond delay="0"/>
+                                  </p:stCondLst>
+                                  <p:childTnLst>
+                                    <p:set>
+                                      <p:cBhvr>
+                                        <p:cTn id="22" dur="1" fill="hold">
+                                          <p:stCondLst>
+                                            <p:cond delay="0"/>
+                                          </p:stCondLst>
+                                        </p:cTn>
+                                        <p:tgtEl>
+                                          <p:spTgt spid="7"/>
+                                        </p:tgtEl>
+                                        <p:attrNameLst>
+                                          <p:attrName>style.visibility</p:attrName>
+                                        </p:attrNameLst>
+                                      </p:cBhvr>
+                                      <p:to>
+                                        <p:strVal val="visible"/>
+                                      </p:to>
+                                    </p:set>
+                                    <p:animEffect transition="in" filter="fade">
+                                      <p:cBhvr>
+                                        <p:cTn id="23" dur="650"/>
+                                        <p:tgtEl>
+                                          <p:spTgt spid="7"/>
+                                        </p:tgtEl>
+                                      </p:cBhvr>
+                                    </p:animEffect>
+                                    <p:anim calcmode="lin" valueType="num">
+                                      <p:cBhvr>
+                                        <p:cTn id="24" dur="650" fill="hold"/>
+                                        <p:tgtEl>
+                                          <p:spTgt spid="7"/>
+                                        </p:tgtEl>
+                                        <p:attrNameLst>
+                                          <p:attrName>ppt_x</p:attrName>
+                                        </p:attrNameLst>
+                                      </p:cBhvr>
+                                      <p:tavLst>
+                                        <p:tav tm="0">
+                                          <p:val>
+                                            <p:strVal val="#ppt_x"/>
+                                          </p:val>
+                                        </p:tav>
+                                        <p:tav tm="100000">
+                                          <p:val>
+                                            <p:strVal val="#ppt_x"/>
+                                          </p:val>
+                                        </p:tav>
+                                      </p:tavLst>
+                                    </p:anim>
+                                    <p:anim calcmode="lin" valueType="num">
+                                      <p:cBhvr>
+                                        <p:cTn id="25" dur="650" fill="hold"/>
+                                        <p:tgtEl>
+                                          <p:spTgt spid="7"/>
+                                        </p:tgtEl>
+                                        <p:attrNameLst>
+                                          <p:attrName>ppt_y</p:attrName>
+                                        </p:attrNameLst>
+                                      </p:cBhvr>
+                                      <p:tavLst>
+                                        <p:tav tm="0">
+                                          <p:val>
+                                            <p:strVal val="#ppt_y+.1"/>
+                                          </p:val>
+                                        </p:tav>
+                                        <p:tav tm="100000">
+                                          <p:val>
+                                            <p:strVal val="#ppt_y"/>
+                                          </p:val>
+                                        </p:tav>
+                                      </p:tavLst>
+                                    </p:anim>
+                                  </p:childTnLst>
+                                </p:cTn>
+                              </p:par>
+                            </p:childTnLst>
+                          </p:cTn>
+                        </p:par>
+                        <p:par>
+                          <p:cTn id="26" fill="hold">
+                            <p:stCondLst>
+                              <p:cond delay="2100"/>
+                            </p:stCondLst>
+                            <p:childTnLst>
+                              <p:par>
+                                <p:cTn id="27" presetID="42" presetClass="entr" presetSubtype="0" fill="hold" nodeType="afterEffect">
+                                  <p:stCondLst>
+                                    <p:cond delay="0"/>
+                                  </p:stCondLst>
+                                  <p:childTnLst>
+                                    <p:set>
+                                      <p:cBhvr>
+                                        <p:cTn id="28" dur="1" fill="hold">
+                                          <p:stCondLst>
+                                            <p:cond delay="0"/>
+                                          </p:stCondLst>
+                                        </p:cTn>
+                                        <p:tgtEl>
+                                          <p:spTgt spid="2"/>
+                                        </p:tgtEl>
+                                        <p:attrNameLst>
+                                          <p:attrName>style.visibility</p:attrName>
+                                        </p:attrNameLst>
+                                      </p:cBhvr>
+                                      <p:to>
+                                        <p:strVal val="visible"/>
+                                      </p:to>
+                                    </p:set>
+                                    <p:animEffect transition="in" filter="fade">
+                                      <p:cBhvr>
+                                        <p:cTn id="29" dur="650"/>
+                                        <p:tgtEl>
+                                          <p:spTgt spid="2"/>
+                                        </p:tgtEl>
+                                      </p:cBhvr>
+                                    </p:animEffect>
+                                    <p:anim calcmode="lin" valueType="num">
+                                      <p:cBhvr>
+                                        <p:cTn id="30" dur="650" fill="hold"/>
+                                        <p:tgtEl>
+                                          <p:spTgt spid="2"/>
+                                        </p:tgtEl>
+                                        <p:attrNameLst>
+                                          <p:attrName>ppt_x</p:attrName>
+                                        </p:attrNameLst>
+                                      </p:cBhvr>
+                                      <p:tavLst>
+                                        <p:tav tm="0">
+                                          <p:val>
+                                            <p:strVal val="#ppt_x"/>
+                                          </p:val>
+                                        </p:tav>
+                                        <p:tav tm="100000">
+                                          <p:val>
+                                            <p:strVal val="#ppt_x"/>
+                                          </p:val>
+                                        </p:tav>
+                                      </p:tavLst>
+                                    </p:anim>
+                                    <p:anim calcmode="lin" valueType="num">
+                                      <p:cBhvr>
+                                        <p:cTn id="31" dur="650" fill="hold"/>
+                                        <p:tgtEl>
+                                          <p:spTgt spid="2"/>
+                                        </p:tgtEl>
+                                        <p:attrNameLst>
+                                          <p:attrName>ppt_y</p:attrName>
+                                        </p:attrNameLst>
+                                      </p:cBhvr>
+                                      <p:tavLst>
+                                        <p:tav tm="0">
+                                          <p:val>
+                                            <p:strVal val="#ppt_y+.1"/>
+                                          </p:val>
+                                        </p:tav>
+                                        <p:tav tm="100000">
+                                          <p:val>
+                                            <p:strVal val="#ppt_y"/>
+                                          </p:val>
+                                        </p:tav>
+                                      </p:tavLst>
+                                    </p:anim>
+                                  </p:childTnLst>
+                                </p:cTn>
+                              </p:par>
+                              <p:par>
+                                <p:cTn id="32" presetID="42" presetClass="entr" presetSubtype="0" fill="hold" nodeType="withEffect">
+                                  <p:stCondLst>
+                                    <p:cond delay="0"/>
+                                  </p:stCondLst>
+                                  <p:childTnLst>
+                                    <p:set>
+                                      <p:cBhvr>
+                                        <p:cTn id="33" dur="1" fill="hold">
+                                          <p:stCondLst>
+                                            <p:cond delay="0"/>
+                                          </p:stCondLst>
+                                        </p:cTn>
+                                        <p:tgtEl>
+                                          <p:spTgt spid="8"/>
+                                        </p:tgtEl>
+                                        <p:attrNameLst>
+                                          <p:attrName>style.visibility</p:attrName>
+                                        </p:attrNameLst>
+                                      </p:cBhvr>
+                                      <p:to>
+                                        <p:strVal val="visible"/>
+                                      </p:to>
+                                    </p:set>
+                                    <p:animEffect transition="in" filter="fade">
+                                      <p:cBhvr>
+                                        <p:cTn id="34" dur="650"/>
+                                        <p:tgtEl>
+                                          <p:spTgt spid="8"/>
+                                        </p:tgtEl>
+                                      </p:cBhvr>
+                                    </p:animEffect>
+                                    <p:anim calcmode="lin" valueType="num">
+                                      <p:cBhvr>
+                                        <p:cTn id="35" dur="650" fill="hold"/>
+                                        <p:tgtEl>
+                                          <p:spTgt spid="8"/>
+                                        </p:tgtEl>
+                                        <p:attrNameLst>
+                                          <p:attrName>ppt_x</p:attrName>
+                                        </p:attrNameLst>
+                                      </p:cBhvr>
+                                      <p:tavLst>
+                                        <p:tav tm="0">
+                                          <p:val>
+                                            <p:strVal val="#ppt_x"/>
+                                          </p:val>
+                                        </p:tav>
+                                        <p:tav tm="100000">
+                                          <p:val>
+                                            <p:strVal val="#ppt_x"/>
+                                          </p:val>
+                                        </p:tav>
+                                      </p:tavLst>
+                                    </p:anim>
+                                    <p:anim calcmode="lin" valueType="num">
+                                      <p:cBhvr>
+                                        <p:cTn id="36" dur="650" fill="hold"/>
+                                        <p:tgtEl>
+                                          <p:spTgt spid="8"/>
+                                        </p:tgtEl>
+                                        <p:attrNameLst>
+                                          <p:attrName>ppt_y</p:attrName>
+                                        </p:attrNameLst>
+                                      </p:cBhvr>
+                                      <p:tavLst>
+                                        <p:tav tm="0">
+                                          <p:val>
+                                            <p:strVal val="#ppt_y+.1"/>
+                                          </p:val>
+                                        </p:tav>
+                                        <p:tav tm="100000">
+                                          <p:val>
+                                            <p:strVal val="#ppt_y"/>
+                                          </p:val>
+                                        </p:tav>
+                                      </p:tavLst>
+                                    </p:anim>
+                                  </p:childTnLst>
+                                </p:cTn>
+                              </p:par>
+                            </p:childTnLst>
+                          </p:cTn>
+                        </p:par>
+                      </p:childTnLst>
+                    </p:cTn>
+                  </p:par>
+                </p:childTnLst>
+              </p:cTn>
+              <p:prevCondLst>
+                <p:cond evt="onPrev" delay="0">
+                  <p:tgtEl>
+                    <p:sldTgt/>
+                  </p:tgtEl>
+                </p:cond>
+              </p:prevCondLst>
+              <p:nextCondLst>
+                <p:cond evt="onNext" delay="0">
+                  <p:tgtEl>
+                    <p:sldTgt/>
+                  </p:tgtEl>
+                </p:cond>
+              </p:nextCondLst>
+            </p:seq>
+          </p:childTnLst>
+        </p:cTn>
+      </p:par>
+    </p:tnLst>
+  </p:timing>
 </p:sld>
 </file>
 
@@ -7436,6 +11186,12 @@
     <a:masterClrMapping/>
   </p:clrMapOvr>
 </p:sld>
+</file>
+
+<file path=ppt/tags/tag1.xml><?xml version="1.0" encoding="utf-8"?>
+<p:tagLst xmlns:a="http://schemas.openxmlformats.org/drawingml/2006/main" xmlns:r="http://schemas.openxmlformats.org/officeDocument/2006/relationships" xmlns:p="http://schemas.openxmlformats.org/presentationml/2006/main">
+  <p:tag name="TIMING" val="|1.3"/>
+</p:tagLst>
 </file>
 
 <file path=ppt/theme/theme1.xml><?xml version="1.0" encoding="utf-8"?>
